--- a/PPT FWD TNSDC 2025.pptx
+++ b/PPT FWD TNSDC 2025.pptx
@@ -1,32 +1,34 @@
 
 <file path=ppt/presentation.xml><?xml version="1.0" encoding="utf-8"?>
-<p:presentation xmlns:a="http://schemas.openxmlformats.org/drawingml/2006/main" xmlns:r="http://schemas.openxmlformats.org/officeDocument/2006/relationships" xmlns:p="http://schemas.openxmlformats.org/presentationml/2006/main">
+<p:presentation xmlns:p="http://schemas.openxmlformats.org/presentationml/2006/main" xmlns:r="http://schemas.openxmlformats.org/officeDocument/2006/relationships" xmlns:a="http://schemas.openxmlformats.org/drawingml/2006/main">
   <p:sldMasterIdLst>
     <p:sldMasterId id="2147483648" r:id="rId1"/>
   </p:sldMasterIdLst>
   <p:notesMasterIdLst>
-    <p:notesMasterId r:id="rId13"/>
+    <p:notesMasterId r:id="rId2"/>
   </p:notesMasterIdLst>
   <p:sldIdLst>
-    <p:sldId id="256" r:id="rId2"/>
     <p:sldId id="257" r:id="rId3"/>
     <p:sldId id="258" r:id="rId4"/>
     <p:sldId id="259" r:id="rId5"/>
     <p:sldId id="260" r:id="rId6"/>
     <p:sldId id="261" r:id="rId7"/>
     <p:sldId id="262" r:id="rId8"/>
-    <p:sldId id="264" r:id="rId9"/>
-    <p:sldId id="269" r:id="rId10"/>
-    <p:sldId id="263" r:id="rId11"/>
-    <p:sldId id="265" r:id="rId12"/>
+    <p:sldId id="263" r:id="rId9"/>
+    <p:sldId id="264" r:id="rId10"/>
+    <p:sldId id="265" r:id="rId11"/>
+    <p:sldId id="266" r:id="rId12"/>
+    <p:sldId id="267" r:id="rId13"/>
+    <p:sldId id="268" r:id="rId14"/>
+    <p:sldId id="269" r:id="rId15"/>
   </p:sldIdLst>
-  <p:sldSz cx="12192000" cy="6858000"/>
+  <p:sldSz type="screen16x9" cy="6858000" cx="12192000"/>
   <p:notesSz cx="12192000" cy="6858000"/>
   <p:defaultTextStyle>
     <a:defPPr>
       <a:defRPr lang="en-US"/>
     </a:defPPr>
-    <a:lvl1pPr marL="0" algn="l" defTabSz="914400" rtl="0" eaLnBrk="1" latinLnBrk="0" hangingPunct="1">
+    <a:lvl1pPr algn="l" defTabSz="914400" eaLnBrk="1" hangingPunct="1" latinLnBrk="0" marL="0" rtl="0">
       <a:defRPr sz="1800" kern="1200">
         <a:solidFill>
           <a:schemeClr val="tx1"/>
@@ -36,7 +38,7 @@
         <a:cs typeface="+mn-cs"/>
       </a:defRPr>
     </a:lvl1pPr>
-    <a:lvl2pPr marL="457200" algn="l" defTabSz="914400" rtl="0" eaLnBrk="1" latinLnBrk="0" hangingPunct="1">
+    <a:lvl2pPr algn="l" defTabSz="914400" eaLnBrk="1" hangingPunct="1" latinLnBrk="0" marL="457200" rtl="0">
       <a:defRPr sz="1800" kern="1200">
         <a:solidFill>
           <a:schemeClr val="tx1"/>
@@ -46,7 +48,7 @@
         <a:cs typeface="+mn-cs"/>
       </a:defRPr>
     </a:lvl2pPr>
-    <a:lvl3pPr marL="914400" algn="l" defTabSz="914400" rtl="0" eaLnBrk="1" latinLnBrk="0" hangingPunct="1">
+    <a:lvl3pPr algn="l" defTabSz="914400" eaLnBrk="1" hangingPunct="1" latinLnBrk="0" marL="914400" rtl="0">
       <a:defRPr sz="1800" kern="1200">
         <a:solidFill>
           <a:schemeClr val="tx1"/>
@@ -56,7 +58,7 @@
         <a:cs typeface="+mn-cs"/>
       </a:defRPr>
     </a:lvl3pPr>
-    <a:lvl4pPr marL="1371600" algn="l" defTabSz="914400" rtl="0" eaLnBrk="1" latinLnBrk="0" hangingPunct="1">
+    <a:lvl4pPr algn="l" defTabSz="914400" eaLnBrk="1" hangingPunct="1" latinLnBrk="0" marL="1371600" rtl="0">
       <a:defRPr sz="1800" kern="1200">
         <a:solidFill>
           <a:schemeClr val="tx1"/>
@@ -66,7 +68,7 @@
         <a:cs typeface="+mn-cs"/>
       </a:defRPr>
     </a:lvl4pPr>
-    <a:lvl5pPr marL="1828800" algn="l" defTabSz="914400" rtl="0" eaLnBrk="1" latinLnBrk="0" hangingPunct="1">
+    <a:lvl5pPr algn="l" defTabSz="914400" eaLnBrk="1" hangingPunct="1" latinLnBrk="0" marL="1828800" rtl="0">
       <a:defRPr sz="1800" kern="1200">
         <a:solidFill>
           <a:schemeClr val="tx1"/>
@@ -76,7 +78,7 @@
         <a:cs typeface="+mn-cs"/>
       </a:defRPr>
     </a:lvl5pPr>
-    <a:lvl6pPr marL="2286000" algn="l" defTabSz="914400" rtl="0" eaLnBrk="1" latinLnBrk="0" hangingPunct="1">
+    <a:lvl6pPr algn="l" defTabSz="914400" eaLnBrk="1" hangingPunct="1" latinLnBrk="0" marL="2286000" rtl="0">
       <a:defRPr sz="1800" kern="1200">
         <a:solidFill>
           <a:schemeClr val="tx1"/>
@@ -86,7 +88,7 @@
         <a:cs typeface="+mn-cs"/>
       </a:defRPr>
     </a:lvl6pPr>
-    <a:lvl7pPr marL="2743200" algn="l" defTabSz="914400" rtl="0" eaLnBrk="1" latinLnBrk="0" hangingPunct="1">
+    <a:lvl7pPr algn="l" defTabSz="914400" eaLnBrk="1" hangingPunct="1" latinLnBrk="0" marL="2743200" rtl="0">
       <a:defRPr sz="1800" kern="1200">
         <a:solidFill>
           <a:schemeClr val="tx1"/>
@@ -96,7 +98,7 @@
         <a:cs typeface="+mn-cs"/>
       </a:defRPr>
     </a:lvl7pPr>
-    <a:lvl8pPr marL="3200400" algn="l" defTabSz="914400" rtl="0" eaLnBrk="1" latinLnBrk="0" hangingPunct="1">
+    <a:lvl8pPr algn="l" defTabSz="914400" eaLnBrk="1" hangingPunct="1" latinLnBrk="0" marL="3200400" rtl="0">
       <a:defRPr sz="1800" kern="1200">
         <a:solidFill>
           <a:schemeClr val="tx1"/>
@@ -106,7 +108,7 @@
         <a:cs typeface="+mn-cs"/>
       </a:defRPr>
     </a:lvl8pPr>
-    <a:lvl9pPr marL="3657600" algn="l" defTabSz="914400" rtl="0" eaLnBrk="1" latinLnBrk="0" hangingPunct="1">
+    <a:lvl9pPr algn="l" defTabSz="914400" eaLnBrk="1" hangingPunct="1" latinLnBrk="0" marL="3657600" rtl="0">
       <a:defRPr sz="1800" kern="1200">
         <a:solidFill>
           <a:schemeClr val="tx1"/>
@@ -117,31 +119,7 @@
       </a:defRPr>
     </a:lvl9pPr>
   </p:defaultTextStyle>
-  <p:extLst>
-    <p:ext uri="{EFAFB233-063F-42B5-8137-9DF3F51BA10A}">
-      <p15:sldGuideLst xmlns:p15="http://schemas.microsoft.com/office/powerpoint/2012/main">
-        <p15:guide id="1" orient="horz" pos="2880">
-          <p15:clr>
-            <a:srgbClr val="A4A3A4"/>
-          </p15:clr>
-        </p15:guide>
-        <p15:guide id="2" pos="2160">
-          <p15:clr>
-            <a:srgbClr val="A4A3A4"/>
-          </p15:clr>
-        </p15:guide>
-      </p15:sldGuideLst>
-    </p:ext>
-  </p:extLst>
 </p:presentation>
-</file>
-
-<file path=ppt/revisionInfo.xml><?xml version="1.0" encoding="utf-8"?>
-<p1510:revInfo xmlns:a="http://schemas.openxmlformats.org/drawingml/2006/main" xmlns:r="http://schemas.openxmlformats.org/officeDocument/2006/relationships" xmlns:p1510="http://schemas.microsoft.com/office/powerpoint/2015/10/main">
-  <p1510:revLst>
-    <p1510:client id="{D5830CC7-8040-4162-8342-BB180D82127D}" v="17" dt="2024-08-20T06:41:39.573"/>
-  </p1510:revLst>
-</p1510:revInfo>
 </file>
 
 <file path=ppt/notesMasters/notesMaster1.xml><?xml version="1.0" encoding="utf-8"?>
@@ -154,7 +132,7 @@
     </p:bg>
     <p:spTree>
       <p:nvGrpSpPr>
-        <p:cNvPr id="1" name=""/>
+        <p:cNvPr id="48" name=""/>
         <p:cNvGrpSpPr/>
         <p:nvPr/>
       </p:nvGrpSpPr>
@@ -168,7 +146,7 @@
       </p:grpSpPr>
       <p:sp>
         <p:nvSpPr>
-          <p:cNvPr id="2" name="Header Placeholder 1"/>
+          <p:cNvPr id="1048699" name="Header Placeholder 1"/>
           <p:cNvSpPr>
             <a:spLocks noGrp="1"/>
           </p:cNvSpPr>
@@ -181,12 +159,10 @@
             <a:off x="0" y="0"/>
             <a:ext cx="5283200" cy="344488"/>
           </a:xfrm>
-          <a:prstGeom prst="rect">
-            <a:avLst/>
-          </a:prstGeom>
-        </p:spPr>
-        <p:txBody>
-          <a:bodyPr vert="horz" lIns="91440" tIns="45720" rIns="91440" bIns="45720" rtlCol="0"/>
+          <a:prstGeom prst="rect"/>
+        </p:spPr>
+        <p:txBody>
+          <a:bodyPr bIns="45720" lIns="91440" rIns="91440" rtlCol="0" tIns="45720" vert="horz"/>
           <a:lstStyle>
             <a:lvl1pPr algn="l">
               <a:defRPr sz="1200"/>
@@ -199,7 +175,7 @@
       </p:sp>
       <p:sp>
         <p:nvSpPr>
-          <p:cNvPr id="3" name="Date Placeholder 2"/>
+          <p:cNvPr id="1048700" name="Date Placeholder 2"/>
           <p:cNvSpPr>
             <a:spLocks noGrp="1"/>
           </p:cNvSpPr>
@@ -212,12 +188,10 @@
             <a:off x="6905625" y="0"/>
             <a:ext cx="5283200" cy="344488"/>
           </a:xfrm>
-          <a:prstGeom prst="rect">
-            <a:avLst/>
-          </a:prstGeom>
-        </p:spPr>
-        <p:txBody>
-          <a:bodyPr vert="horz" lIns="91440" tIns="45720" rIns="91440" bIns="45720" rtlCol="0"/>
+          <a:prstGeom prst="rect"/>
+        </p:spPr>
+        <p:txBody>
+          <a:bodyPr bIns="45720" lIns="91440" rIns="91440" rtlCol="0" tIns="45720" vert="horz"/>
           <a:lstStyle>
             <a:lvl1pPr algn="r">
               <a:defRPr sz="1200"/>
@@ -234,9 +208,9 @@
       </p:sp>
       <p:sp>
         <p:nvSpPr>
-          <p:cNvPr id="4" name="Slide Image Placeholder 3"/>
+          <p:cNvPr id="1048701" name="Slide Image Placeholder 3"/>
           <p:cNvSpPr>
-            <a:spLocks noGrp="1" noRot="1" noChangeAspect="1"/>
+            <a:spLocks noChangeAspect="1" noRot="1" noGrp="1"/>
           </p:cNvSpPr>
           <p:nvPr>
             <p:ph type="sldImg" idx="2"/>
@@ -247,9 +221,7 @@
             <a:off x="4038600" y="857250"/>
             <a:ext cx="4114800" cy="2314575"/>
           </a:xfrm>
-          <a:prstGeom prst="rect">
-            <a:avLst/>
-          </a:prstGeom>
+          <a:prstGeom prst="rect"/>
           <a:noFill/>
           <a:ln w="12700">
             <a:solidFill>
@@ -258,8 +230,7 @@
           </a:ln>
         </p:spPr>
         <p:txBody>
-          <a:bodyPr vert="horz" lIns="91440" tIns="45720" rIns="91440" bIns="45720" rtlCol="0" anchor="ctr"/>
-          <a:lstStyle/>
+          <a:bodyPr anchor="ctr" bIns="45720" lIns="91440" rIns="91440" rtlCol="0" tIns="45720" vert="horz"/>
           <a:p>
             <a:endParaRPr lang="en-IN"/>
           </a:p>
@@ -267,7 +238,7 @@
       </p:sp>
       <p:sp>
         <p:nvSpPr>
-          <p:cNvPr id="5" name="Notes Placeholder 4"/>
+          <p:cNvPr id="1048702" name="Notes Placeholder 4"/>
           <p:cNvSpPr>
             <a:spLocks noGrp="1"/>
           </p:cNvSpPr>
@@ -280,13 +251,10 @@
             <a:off x="1219200" y="3300413"/>
             <a:ext cx="9753600" cy="2700337"/>
           </a:xfrm>
-          <a:prstGeom prst="rect">
-            <a:avLst/>
-          </a:prstGeom>
-        </p:spPr>
-        <p:txBody>
-          <a:bodyPr vert="horz" lIns="91440" tIns="45720" rIns="91440" bIns="45720" rtlCol="0"/>
-          <a:lstStyle/>
+          <a:prstGeom prst="rect"/>
+        </p:spPr>
+        <p:txBody>
+          <a:bodyPr bIns="45720" lIns="91440" rIns="91440" rtlCol="0" tIns="45720" vert="horz"/>
           <a:p>
             <a:pPr lvl="0"/>
             <a:r>
@@ -327,7 +295,7 @@
       </p:sp>
       <p:sp>
         <p:nvSpPr>
-          <p:cNvPr id="6" name="Footer Placeholder 5"/>
+          <p:cNvPr id="1048703" name="Footer Placeholder 5"/>
           <p:cNvSpPr>
             <a:spLocks noGrp="1"/>
           </p:cNvSpPr>
@@ -340,12 +308,10 @@
             <a:off x="0" y="6513513"/>
             <a:ext cx="5283200" cy="344487"/>
           </a:xfrm>
-          <a:prstGeom prst="rect">
-            <a:avLst/>
-          </a:prstGeom>
-        </p:spPr>
-        <p:txBody>
-          <a:bodyPr vert="horz" lIns="91440" tIns="45720" rIns="91440" bIns="45720" rtlCol="0" anchor="b"/>
+          <a:prstGeom prst="rect"/>
+        </p:spPr>
+        <p:txBody>
+          <a:bodyPr anchor="b" bIns="45720" lIns="91440" rIns="91440" rtlCol="0" tIns="45720" vert="horz"/>
           <a:lstStyle>
             <a:lvl1pPr algn="l">
               <a:defRPr sz="1200"/>
@@ -358,7 +324,7 @@
       </p:sp>
       <p:sp>
         <p:nvSpPr>
-          <p:cNvPr id="7" name="Slide Number Placeholder 6"/>
+          <p:cNvPr id="1048704" name="Slide Number Placeholder 6"/>
           <p:cNvSpPr>
             <a:spLocks noGrp="1"/>
           </p:cNvSpPr>
@@ -371,12 +337,10 @@
             <a:off x="6905625" y="6513513"/>
             <a:ext cx="5283200" cy="344487"/>
           </a:xfrm>
-          <a:prstGeom prst="rect">
-            <a:avLst/>
-          </a:prstGeom>
-        </p:spPr>
-        <p:txBody>
-          <a:bodyPr vert="horz" lIns="91440" tIns="45720" rIns="91440" bIns="45720" rtlCol="0" anchor="b"/>
+          <a:prstGeom prst="rect"/>
+        </p:spPr>
+        <p:txBody>
+          <a:bodyPr anchor="b" bIns="45720" lIns="91440" rIns="91440" rtlCol="0" tIns="45720" vert="horz"/>
           <a:lstStyle>
             <a:lvl1pPr algn="r">
               <a:defRPr sz="1200"/>
@@ -392,15 +356,10 @@
         </p:txBody>
       </p:sp>
     </p:spTree>
-    <p:extLst>
-      <p:ext uri="{BB962C8B-B14F-4D97-AF65-F5344CB8AC3E}">
-        <p14:creationId xmlns:p14="http://schemas.microsoft.com/office/powerpoint/2010/main" val="2918557904"/>
-      </p:ext>
-    </p:extLst>
   </p:cSld>
-  <p:clrMap bg1="lt1" tx1="dk1" bg2="lt2" tx2="dk2" accent1="accent1" accent2="accent2" accent3="accent3" accent4="accent4" accent5="accent5" accent6="accent6" hlink="hlink" folHlink="folHlink"/>
+  <p:clrMap accent1="accent1" accent2="accent2" accent3="accent3" accent4="accent4" accent5="accent5" accent6="accent6" bg1="lt1" bg2="lt2" tx1="dk1" tx2="dk2" hlink="hlink" folHlink="folHlink"/>
   <p:notesStyle>
-    <a:lvl1pPr marL="0" algn="l" defTabSz="914400" rtl="0" eaLnBrk="1" latinLnBrk="0" hangingPunct="1">
+    <a:lvl1pPr algn="l" defTabSz="914400" eaLnBrk="1" hangingPunct="1" latinLnBrk="0" marL="0" rtl="0">
       <a:defRPr sz="1200" kern="1200">
         <a:solidFill>
           <a:schemeClr val="tx1"/>
@@ -410,7 +369,7 @@
         <a:cs typeface="+mn-cs"/>
       </a:defRPr>
     </a:lvl1pPr>
-    <a:lvl2pPr marL="457200" algn="l" defTabSz="914400" rtl="0" eaLnBrk="1" latinLnBrk="0" hangingPunct="1">
+    <a:lvl2pPr algn="l" defTabSz="914400" eaLnBrk="1" hangingPunct="1" latinLnBrk="0" marL="457200" rtl="0">
       <a:defRPr sz="1200" kern="1200">
         <a:solidFill>
           <a:schemeClr val="tx1"/>
@@ -420,7 +379,7 @@
         <a:cs typeface="+mn-cs"/>
       </a:defRPr>
     </a:lvl2pPr>
-    <a:lvl3pPr marL="914400" algn="l" defTabSz="914400" rtl="0" eaLnBrk="1" latinLnBrk="0" hangingPunct="1">
+    <a:lvl3pPr algn="l" defTabSz="914400" eaLnBrk="1" hangingPunct="1" latinLnBrk="0" marL="914400" rtl="0">
       <a:defRPr sz="1200" kern="1200">
         <a:solidFill>
           <a:schemeClr val="tx1"/>
@@ -430,7 +389,7 @@
         <a:cs typeface="+mn-cs"/>
       </a:defRPr>
     </a:lvl3pPr>
-    <a:lvl4pPr marL="1371600" algn="l" defTabSz="914400" rtl="0" eaLnBrk="1" latinLnBrk="0" hangingPunct="1">
+    <a:lvl4pPr algn="l" defTabSz="914400" eaLnBrk="1" hangingPunct="1" latinLnBrk="0" marL="1371600" rtl="0">
       <a:defRPr sz="1200" kern="1200">
         <a:solidFill>
           <a:schemeClr val="tx1"/>
@@ -440,7 +399,7 @@
         <a:cs typeface="+mn-cs"/>
       </a:defRPr>
     </a:lvl4pPr>
-    <a:lvl5pPr marL="1828800" algn="l" defTabSz="914400" rtl="0" eaLnBrk="1" latinLnBrk="0" hangingPunct="1">
+    <a:lvl5pPr algn="l" defTabSz="914400" eaLnBrk="1" hangingPunct="1" latinLnBrk="0" marL="1828800" rtl="0">
       <a:defRPr sz="1200" kern="1200">
         <a:solidFill>
           <a:schemeClr val="tx1"/>
@@ -450,7 +409,7 @@
         <a:cs typeface="+mn-cs"/>
       </a:defRPr>
     </a:lvl5pPr>
-    <a:lvl6pPr marL="2286000" algn="l" defTabSz="914400" rtl="0" eaLnBrk="1" latinLnBrk="0" hangingPunct="1">
+    <a:lvl6pPr algn="l" defTabSz="914400" eaLnBrk="1" hangingPunct="1" latinLnBrk="0" marL="2286000" rtl="0">
       <a:defRPr sz="1200" kern="1200">
         <a:solidFill>
           <a:schemeClr val="tx1"/>
@@ -460,7 +419,7 @@
         <a:cs typeface="+mn-cs"/>
       </a:defRPr>
     </a:lvl6pPr>
-    <a:lvl7pPr marL="2743200" algn="l" defTabSz="914400" rtl="0" eaLnBrk="1" latinLnBrk="0" hangingPunct="1">
+    <a:lvl7pPr algn="l" defTabSz="914400" eaLnBrk="1" hangingPunct="1" latinLnBrk="0" marL="2743200" rtl="0">
       <a:defRPr sz="1200" kern="1200">
         <a:solidFill>
           <a:schemeClr val="tx1"/>
@@ -470,7 +429,7 @@
         <a:cs typeface="+mn-cs"/>
       </a:defRPr>
     </a:lvl7pPr>
-    <a:lvl8pPr marL="3200400" algn="l" defTabSz="914400" rtl="0" eaLnBrk="1" latinLnBrk="0" hangingPunct="1">
+    <a:lvl8pPr algn="l" defTabSz="914400" eaLnBrk="1" hangingPunct="1" latinLnBrk="0" marL="3200400" rtl="0">
       <a:defRPr sz="1200" kern="1200">
         <a:solidFill>
           <a:schemeClr val="tx1"/>
@@ -480,7 +439,7 @@
         <a:cs typeface="+mn-cs"/>
       </a:defRPr>
     </a:lvl8pPr>
-    <a:lvl9pPr marL="3657600" algn="l" defTabSz="914400" rtl="0" eaLnBrk="1" latinLnBrk="0" hangingPunct="1">
+    <a:lvl9pPr algn="l" defTabSz="914400" eaLnBrk="1" hangingPunct="1" latinLnBrk="0" marL="3657600" rtl="0">
       <a:defRPr sz="1200" kern="1200">
         <a:solidFill>
           <a:schemeClr val="tx1"/>
@@ -499,7 +458,7 @@
   <p:cSld>
     <p:spTree>
       <p:nvGrpSpPr>
-        <p:cNvPr id="1" name=""/>
+        <p:cNvPr id="31" name=""/>
         <p:cNvGrpSpPr/>
         <p:nvPr/>
       </p:nvGrpSpPr>
@@ -513,9 +472,9 @@
       </p:grpSpPr>
       <p:sp>
         <p:nvSpPr>
-          <p:cNvPr id="2" name="Slide Image Placeholder 1"/>
+          <p:cNvPr id="1048624" name="Slide Image Placeholder 1"/>
           <p:cNvSpPr>
-            <a:spLocks noGrp="1" noRot="1" noChangeAspect="1"/>
+            <a:spLocks noChangeAspect="1" noRot="1" noGrp="1"/>
           </p:cNvSpPr>
           <p:nvPr>
             <p:ph type="sldImg"/>
@@ -525,7 +484,7 @@
       </p:sp>
       <p:sp>
         <p:nvSpPr>
-          <p:cNvPr id="3" name="Notes Placeholder 2"/>
+          <p:cNvPr id="1048625" name="Notes Placeholder 2"/>
           <p:cNvSpPr>
             <a:spLocks noGrp="1"/>
           </p:cNvSpPr>
@@ -536,15 +495,14 @@
         <p:spPr/>
         <p:txBody>
           <a:bodyPr/>
-          <a:lstStyle/>
           <a:p>
-            <a:endParaRPr lang="en-IN" dirty="0"/>
+            <a:endParaRPr dirty="0" lang="en-IN"/>
           </a:p>
         </p:txBody>
       </p:sp>
       <p:sp>
         <p:nvSpPr>
-          <p:cNvPr id="4" name="Slide Number Placeholder 3"/>
+          <p:cNvPr id="1048626" name="Slide Number Placeholder 3"/>
           <p:cNvSpPr>
             <a:spLocks noGrp="1"/>
           </p:cNvSpPr>
@@ -555,7 +513,6 @@
         <p:spPr/>
         <p:txBody>
           <a:bodyPr/>
-          <a:lstStyle/>
           <a:p>
             <a:fld id="{F7F439ED-1E90-4106-847A-8EF19031FE2F}" type="slidenum">
               <a:rPr lang="en-IN" smtClean="0"/>
@@ -566,11 +523,6 @@
         </p:txBody>
       </p:sp>
     </p:spTree>
-    <p:extLst>
-      <p:ext uri="{BB962C8B-B14F-4D97-AF65-F5344CB8AC3E}">
-        <p14:creationId xmlns:p14="http://schemas.microsoft.com/office/powerpoint/2010/main" val="404353501"/>
-      </p:ext>
-    </p:extLst>
   </p:cSld>
   <p:clrMapOvr>
     <a:masterClrMapping/>
@@ -579,11 +531,11 @@
 </file>
 
 <file path=ppt/slideLayouts/slideLayout1.xml><?xml version="1.0" encoding="utf-8"?>
-<p:sldLayout xmlns:a="http://schemas.openxmlformats.org/drawingml/2006/main" xmlns:r="http://schemas.openxmlformats.org/officeDocument/2006/relationships" xmlns:p="http://schemas.openxmlformats.org/presentationml/2006/main" type="obj" preserve="1">
+<p:sldLayout xmlns:a="http://schemas.openxmlformats.org/drawingml/2006/main" xmlns:r="http://schemas.openxmlformats.org/officeDocument/2006/relationships" xmlns:p="http://schemas.openxmlformats.org/presentationml/2006/main" preserve="1" type="obj">
   <p:cSld name="Title Slide">
     <p:spTree>
       <p:nvGrpSpPr>
-        <p:cNvPr id="1" name=""/>
+        <p:cNvPr id="27" name=""/>
         <p:cNvGrpSpPr/>
         <p:nvPr/>
       </p:nvGrpSpPr>
@@ -597,7 +549,7 @@
       </p:grpSpPr>
       <p:sp>
         <p:nvSpPr>
-          <p:cNvPr id="2" name="Holder 2"/>
+          <p:cNvPr id="1048612" name="Holder 2"/>
           <p:cNvSpPr>
             <a:spLocks noGrp="1"/>
           </p:cNvSpPr>
@@ -608,19 +560,17 @@
         <p:spPr>
           <a:xfrm>
             <a:off x="3195574" y="2067305"/>
-            <a:ext cx="5800851" cy="518160"/>
-          </a:xfrm>
-          <a:prstGeom prst="rect">
-            <a:avLst/>
-          </a:prstGeom>
-        </p:spPr>
-        <p:txBody>
-          <a:bodyPr wrap="square" lIns="0" tIns="0" rIns="0" bIns="0">
+            <a:ext cx="5800851" cy="482600"/>
+          </a:xfrm>
+          <a:prstGeom prst="rect"/>
+        </p:spPr>
+        <p:txBody>
+          <a:bodyPr bIns="0" lIns="0" rIns="0" tIns="0" wrap="square">
             <a:spAutoFit/>
           </a:bodyPr>
           <a:lstStyle>
             <a:lvl1pPr>
-              <a:defRPr sz="3200" b="0" i="0">
+              <a:defRPr b="0" sz="3200" i="0">
                 <a:solidFill>
                   <a:schemeClr val="tx1"/>
                 </a:solidFill>
@@ -629,14 +579,12 @@
               </a:defRPr>
             </a:lvl1pPr>
           </a:lstStyle>
-          <a:p>
-            <a:endParaRPr/>
-          </a:p>
-        </p:txBody>
-      </p:sp>
-      <p:sp>
-        <p:nvSpPr>
-          <p:cNvPr id="3" name="Holder 3"/>
+          <a:p/>
+        </p:txBody>
+      </p:sp>
+      <p:sp>
+        <p:nvSpPr>
+          <p:cNvPr id="1048613" name="Holder 3"/>
           <p:cNvSpPr>
             <a:spLocks noGrp="1"/>
           </p:cNvSpPr>
@@ -647,29 +595,20 @@
         <p:spPr>
           <a:xfrm>
             <a:off x="1828800" y="3840480"/>
-            <a:ext cx="8534400" cy="1714500"/>
-          </a:xfrm>
-          <a:prstGeom prst="rect">
-            <a:avLst/>
-          </a:prstGeom>
-        </p:spPr>
-        <p:txBody>
-          <a:bodyPr wrap="square" lIns="0" tIns="0" rIns="0" bIns="0">
+            <a:ext cx="8534400" cy="266700"/>
+          </a:xfrm>
+          <a:prstGeom prst="rect"/>
+        </p:spPr>
+        <p:txBody>
+          <a:bodyPr bIns="0" lIns="0" rIns="0" tIns="0" wrap="square">
             <a:spAutoFit/>
           </a:bodyPr>
-          <a:lstStyle>
-            <a:lvl1pPr>
-              <a:defRPr/>
-            </a:lvl1pPr>
-          </a:lstStyle>
-          <a:p>
-            <a:endParaRPr/>
-          </a:p>
-        </p:txBody>
-      </p:sp>
-      <p:sp>
-        <p:nvSpPr>
-          <p:cNvPr id="4" name="Holder 4"/>
+          <a:p/>
+        </p:txBody>
+      </p:sp>
+      <p:sp>
+        <p:nvSpPr>
+          <p:cNvPr id="1048614" name="Holder 4"/>
           <p:cNvSpPr>
             <a:spLocks noGrp="1"/>
           </p:cNvSpPr>
@@ -679,7 +618,7 @@
         </p:nvSpPr>
         <p:spPr/>
         <p:txBody>
-          <a:bodyPr lIns="0" tIns="0" rIns="0" bIns="0"/>
+          <a:bodyPr bIns="0" lIns="0" rIns="0" tIns="0"/>
           <a:lstStyle>
             <a:lvl1pPr algn="ctr">
               <a:defRPr>
@@ -691,14 +630,12 @@
               </a:defRPr>
             </a:lvl1pPr>
           </a:lstStyle>
-          <a:p>
-            <a:endParaRPr/>
-          </a:p>
-        </p:txBody>
-      </p:sp>
-      <p:sp>
-        <p:nvSpPr>
-          <p:cNvPr id="5" name="Holder 5"/>
+          <a:p/>
+        </p:txBody>
+      </p:sp>
+      <p:sp>
+        <p:nvSpPr>
+          <p:cNvPr id="1048615" name="Holder 5"/>
           <p:cNvSpPr>
             <a:spLocks noGrp="1"/>
           </p:cNvSpPr>
@@ -708,7 +645,7 @@
         </p:nvSpPr>
         <p:spPr/>
         <p:txBody>
-          <a:bodyPr lIns="0" tIns="0" rIns="0" bIns="0"/>
+          <a:bodyPr bIns="0" lIns="0" rIns="0" tIns="0"/>
           <a:lstStyle>
             <a:lvl1pPr algn="l">
               <a:defRPr>
@@ -731,7 +668,7 @@
       </p:sp>
       <p:sp>
         <p:nvSpPr>
-          <p:cNvPr id="6" name="Holder 6"/>
+          <p:cNvPr id="1048616" name="Holder 6"/>
           <p:cNvSpPr>
             <a:spLocks noGrp="1"/>
           </p:cNvSpPr>
@@ -741,10 +678,10 @@
         </p:nvSpPr>
         <p:spPr/>
         <p:txBody>
-          <a:bodyPr lIns="0" tIns="0" rIns="0" bIns="0"/>
+          <a:bodyPr bIns="0" lIns="0" rIns="0" tIns="0"/>
           <a:lstStyle>
             <a:lvl1pPr>
-              <a:defRPr sz="1100" b="0" i="0">
+              <a:defRPr b="0" sz="1100" i="0">
                 <a:solidFill>
                   <a:srgbClr val="2D936B"/>
                 </a:solidFill>
@@ -763,10 +700,10 @@
               </a:spcBef>
             </a:pPr>
             <a:fld id="{81D60167-4931-47E6-BA6A-407CBD079E47}" type="slidenum">
-              <a:rPr spc="10" dirty="0"/>
+              <a:rPr dirty="0" spc="10"/>
               <a:t>‹#›</a:t>
             </a:fld>
-            <a:endParaRPr spc="10" dirty="0"/>
+            <a:endParaRPr dirty="0" spc="10"/>
           </a:p>
         </p:txBody>
       </p:sp>
@@ -779,11 +716,11 @@
 </file>
 
 <file path=ppt/slideLayouts/slideLayout2.xml><?xml version="1.0" encoding="utf-8"?>
-<p:sldLayout xmlns:a="http://schemas.openxmlformats.org/drawingml/2006/main" xmlns:r="http://schemas.openxmlformats.org/officeDocument/2006/relationships" xmlns:p="http://schemas.openxmlformats.org/presentationml/2006/main" type="obj" preserve="1">
+<p:sldLayout xmlns:a="http://schemas.openxmlformats.org/drawingml/2006/main" xmlns:r="http://schemas.openxmlformats.org/officeDocument/2006/relationships" xmlns:p="http://schemas.openxmlformats.org/presentationml/2006/main" preserve="1" type="obj">
   <p:cSld name="Title and Content">
     <p:spTree>
       <p:nvGrpSpPr>
-        <p:cNvPr id="1" name=""/>
+        <p:cNvPr id="46" name=""/>
         <p:cNvGrpSpPr/>
         <p:nvPr/>
       </p:nvGrpSpPr>
@@ -797,7 +734,7 @@
       </p:grpSpPr>
       <p:sp>
         <p:nvSpPr>
-          <p:cNvPr id="2" name="Holder 2"/>
+          <p:cNvPr id="1048688" name="Holder 2"/>
           <p:cNvSpPr>
             <a:spLocks noGrp="1"/>
           </p:cNvSpPr>
@@ -805,12 +742,17 @@
             <p:ph type="title"/>
           </p:nvPr>
         </p:nvSpPr>
-        <p:spPr/>
-        <p:txBody>
-          <a:bodyPr lIns="0" tIns="0" rIns="0" bIns="0"/>
+        <p:spPr>
+          <a:xfrm>
+            <a:off x="755332" y="385444"/>
+            <a:ext cx="10681335" cy="723901"/>
+          </a:xfrm>
+        </p:spPr>
+        <p:txBody>
+          <a:bodyPr bIns="0" lIns="0" rIns="0" tIns="0"/>
           <a:lstStyle>
             <a:lvl1pPr>
-              <a:defRPr sz="4800" b="1" i="0">
+              <a:defRPr b="1" sz="4800" i="0">
                 <a:solidFill>
                   <a:schemeClr val="tx1"/>
                 </a:solidFill>
@@ -819,14 +761,12 @@
               </a:defRPr>
             </a:lvl1pPr>
           </a:lstStyle>
-          <a:p>
-            <a:endParaRPr/>
-          </a:p>
-        </p:txBody>
-      </p:sp>
-      <p:sp>
-        <p:nvSpPr>
-          <p:cNvPr id="3" name="Holder 3"/>
+          <a:p/>
+        </p:txBody>
+      </p:sp>
+      <p:sp>
+        <p:nvSpPr>
+          <p:cNvPr id="1048689" name="Holder 3"/>
           <p:cNvSpPr>
             <a:spLocks noGrp="1"/>
           </p:cNvSpPr>
@@ -834,22 +774,20 @@
             <p:ph type="body" idx="1"/>
           </p:nvPr>
         </p:nvSpPr>
-        <p:spPr/>
-        <p:txBody>
-          <a:bodyPr lIns="0" tIns="0" rIns="0" bIns="0"/>
-          <a:lstStyle>
-            <a:lvl1pPr>
-              <a:defRPr/>
-            </a:lvl1pPr>
-          </a:lstStyle>
-          <a:p>
-            <a:endParaRPr/>
-          </a:p>
-        </p:txBody>
-      </p:sp>
-      <p:sp>
-        <p:nvSpPr>
-          <p:cNvPr id="4" name="Holder 4"/>
+        <p:spPr>
+          <a:xfrm>
+            <a:off x="609600" y="1577340"/>
+            <a:ext cx="10972800" cy="266700"/>
+          </a:xfrm>
+        </p:spPr>
+        <p:txBody>
+          <a:bodyPr bIns="0" lIns="0" rIns="0" tIns="0"/>
+          <a:p/>
+        </p:txBody>
+      </p:sp>
+      <p:sp>
+        <p:nvSpPr>
+          <p:cNvPr id="1048690" name="Holder 4"/>
           <p:cNvSpPr>
             <a:spLocks noGrp="1"/>
           </p:cNvSpPr>
@@ -859,7 +797,7 @@
         </p:nvSpPr>
         <p:spPr/>
         <p:txBody>
-          <a:bodyPr lIns="0" tIns="0" rIns="0" bIns="0"/>
+          <a:bodyPr bIns="0" lIns="0" rIns="0" tIns="0"/>
           <a:lstStyle>
             <a:lvl1pPr algn="ctr">
               <a:defRPr>
@@ -871,14 +809,12 @@
               </a:defRPr>
             </a:lvl1pPr>
           </a:lstStyle>
-          <a:p>
-            <a:endParaRPr/>
-          </a:p>
-        </p:txBody>
-      </p:sp>
-      <p:sp>
-        <p:nvSpPr>
-          <p:cNvPr id="5" name="Holder 5"/>
+          <a:p/>
+        </p:txBody>
+      </p:sp>
+      <p:sp>
+        <p:nvSpPr>
+          <p:cNvPr id="1048691" name="Holder 5"/>
           <p:cNvSpPr>
             <a:spLocks noGrp="1"/>
           </p:cNvSpPr>
@@ -888,7 +824,7 @@
         </p:nvSpPr>
         <p:spPr/>
         <p:txBody>
-          <a:bodyPr lIns="0" tIns="0" rIns="0" bIns="0"/>
+          <a:bodyPr bIns="0" lIns="0" rIns="0" tIns="0"/>
           <a:lstStyle>
             <a:lvl1pPr algn="l">
               <a:defRPr>
@@ -911,7 +847,7 @@
       </p:sp>
       <p:sp>
         <p:nvSpPr>
-          <p:cNvPr id="6" name="Holder 6"/>
+          <p:cNvPr id="1048692" name="Holder 6"/>
           <p:cNvSpPr>
             <a:spLocks noGrp="1"/>
           </p:cNvSpPr>
@@ -921,10 +857,10 @@
         </p:nvSpPr>
         <p:spPr/>
         <p:txBody>
-          <a:bodyPr lIns="0" tIns="0" rIns="0" bIns="0"/>
+          <a:bodyPr bIns="0" lIns="0" rIns="0" tIns="0"/>
           <a:lstStyle>
             <a:lvl1pPr>
-              <a:defRPr sz="1100" b="0" i="0">
+              <a:defRPr b="0" sz="1100" i="0">
                 <a:solidFill>
                   <a:srgbClr val="2D936B"/>
                 </a:solidFill>
@@ -943,10 +879,10 @@
               </a:spcBef>
             </a:pPr>
             <a:fld id="{81D60167-4931-47E6-BA6A-407CBD079E47}" type="slidenum">
-              <a:rPr spc="10" dirty="0"/>
+              <a:rPr dirty="0" spc="10"/>
               <a:t>‹#›</a:t>
             </a:fld>
-            <a:endParaRPr spc="10" dirty="0"/>
+            <a:endParaRPr dirty="0" spc="10"/>
           </a:p>
         </p:txBody>
       </p:sp>
@@ -959,11 +895,11 @@
 </file>
 
 <file path=ppt/slideLayouts/slideLayout3.xml><?xml version="1.0" encoding="utf-8"?>
-<p:sldLayout xmlns:a="http://schemas.openxmlformats.org/drawingml/2006/main" xmlns:r="http://schemas.openxmlformats.org/officeDocument/2006/relationships" xmlns:p="http://schemas.openxmlformats.org/presentationml/2006/main" type="obj" preserve="1">
+<p:sldLayout xmlns:a="http://schemas.openxmlformats.org/drawingml/2006/main" xmlns:r="http://schemas.openxmlformats.org/officeDocument/2006/relationships" xmlns:p="http://schemas.openxmlformats.org/presentationml/2006/main" preserve="1" type="obj">
   <p:cSld name="Two Content">
     <p:spTree>
       <p:nvGrpSpPr>
-        <p:cNvPr id="1" name=""/>
+        <p:cNvPr id="47" name=""/>
         <p:cNvGrpSpPr/>
         <p:nvPr/>
       </p:nvGrpSpPr>
@@ -977,7 +913,7 @@
       </p:grpSpPr>
       <p:sp>
         <p:nvSpPr>
-          <p:cNvPr id="2" name="Holder 2"/>
+          <p:cNvPr id="1048693" name="Holder 2"/>
           <p:cNvSpPr>
             <a:spLocks noGrp="1"/>
           </p:cNvSpPr>
@@ -985,12 +921,17 @@
             <p:ph type="title"/>
           </p:nvPr>
         </p:nvSpPr>
-        <p:spPr/>
-        <p:txBody>
-          <a:bodyPr lIns="0" tIns="0" rIns="0" bIns="0"/>
+        <p:spPr>
+          <a:xfrm>
+            <a:off x="755332" y="385444"/>
+            <a:ext cx="10681335" cy="723901"/>
+          </a:xfrm>
+        </p:spPr>
+        <p:txBody>
+          <a:bodyPr bIns="0" lIns="0" rIns="0" tIns="0"/>
           <a:lstStyle>
             <a:lvl1pPr>
-              <a:defRPr sz="4800" b="1" i="0">
+              <a:defRPr b="1" sz="4800" i="0">
                 <a:solidFill>
                   <a:schemeClr val="tx1"/>
                 </a:solidFill>
@@ -999,14 +940,12 @@
               </a:defRPr>
             </a:lvl1pPr>
           </a:lstStyle>
-          <a:p>
-            <a:endParaRPr/>
-          </a:p>
-        </p:txBody>
-      </p:sp>
-      <p:sp>
-        <p:nvSpPr>
-          <p:cNvPr id="3" name="Holder 3"/>
+          <a:p/>
+        </p:txBody>
+      </p:sp>
+      <p:sp>
+        <p:nvSpPr>
+          <p:cNvPr id="1048694" name="Holder 3"/>
           <p:cNvSpPr>
             <a:spLocks noGrp="1"/>
           </p:cNvSpPr>
@@ -1017,29 +956,20 @@
         <p:spPr>
           <a:xfrm>
             <a:off x="609600" y="1577340"/>
-            <a:ext cx="5303520" cy="4526280"/>
-          </a:xfrm>
-          <a:prstGeom prst="rect">
-            <a:avLst/>
-          </a:prstGeom>
-        </p:spPr>
-        <p:txBody>
-          <a:bodyPr wrap="square" lIns="0" tIns="0" rIns="0" bIns="0">
+            <a:ext cx="5303520" cy="266700"/>
+          </a:xfrm>
+          <a:prstGeom prst="rect"/>
+        </p:spPr>
+        <p:txBody>
+          <a:bodyPr bIns="0" lIns="0" rIns="0" tIns="0" wrap="square">
             <a:spAutoFit/>
           </a:bodyPr>
-          <a:lstStyle>
-            <a:lvl1pPr>
-              <a:defRPr/>
-            </a:lvl1pPr>
-          </a:lstStyle>
-          <a:p>
-            <a:endParaRPr/>
-          </a:p>
-        </p:txBody>
-      </p:sp>
-      <p:sp>
-        <p:nvSpPr>
-          <p:cNvPr id="4" name="Holder 4"/>
+          <a:p/>
+        </p:txBody>
+      </p:sp>
+      <p:sp>
+        <p:nvSpPr>
+          <p:cNvPr id="1048695" name="Holder 4"/>
           <p:cNvSpPr>
             <a:spLocks noGrp="1"/>
           </p:cNvSpPr>
@@ -1050,29 +980,20 @@
         <p:spPr>
           <a:xfrm>
             <a:off x="6278880" y="1577340"/>
-            <a:ext cx="5303520" cy="4526280"/>
-          </a:xfrm>
-          <a:prstGeom prst="rect">
-            <a:avLst/>
-          </a:prstGeom>
-        </p:spPr>
-        <p:txBody>
-          <a:bodyPr wrap="square" lIns="0" tIns="0" rIns="0" bIns="0">
+            <a:ext cx="5303520" cy="266700"/>
+          </a:xfrm>
+          <a:prstGeom prst="rect"/>
+        </p:spPr>
+        <p:txBody>
+          <a:bodyPr bIns="0" lIns="0" rIns="0" tIns="0" wrap="square">
             <a:spAutoFit/>
           </a:bodyPr>
-          <a:lstStyle>
-            <a:lvl1pPr>
-              <a:defRPr/>
-            </a:lvl1pPr>
-          </a:lstStyle>
-          <a:p>
-            <a:endParaRPr/>
-          </a:p>
-        </p:txBody>
-      </p:sp>
-      <p:sp>
-        <p:nvSpPr>
-          <p:cNvPr id="5" name="Holder 5"/>
+          <a:p/>
+        </p:txBody>
+      </p:sp>
+      <p:sp>
+        <p:nvSpPr>
+          <p:cNvPr id="1048696" name="Holder 5"/>
           <p:cNvSpPr>
             <a:spLocks noGrp="1"/>
           </p:cNvSpPr>
@@ -1082,7 +1003,7 @@
         </p:nvSpPr>
         <p:spPr/>
         <p:txBody>
-          <a:bodyPr lIns="0" tIns="0" rIns="0" bIns="0"/>
+          <a:bodyPr bIns="0" lIns="0" rIns="0" tIns="0"/>
           <a:lstStyle>
             <a:lvl1pPr algn="ctr">
               <a:defRPr>
@@ -1094,14 +1015,12 @@
               </a:defRPr>
             </a:lvl1pPr>
           </a:lstStyle>
-          <a:p>
-            <a:endParaRPr/>
-          </a:p>
-        </p:txBody>
-      </p:sp>
-      <p:sp>
-        <p:nvSpPr>
-          <p:cNvPr id="6" name="Holder 6"/>
+          <a:p/>
+        </p:txBody>
+      </p:sp>
+      <p:sp>
+        <p:nvSpPr>
+          <p:cNvPr id="1048697" name="Holder 6"/>
           <p:cNvSpPr>
             <a:spLocks noGrp="1"/>
           </p:cNvSpPr>
@@ -1111,7 +1030,7 @@
         </p:nvSpPr>
         <p:spPr/>
         <p:txBody>
-          <a:bodyPr lIns="0" tIns="0" rIns="0" bIns="0"/>
+          <a:bodyPr bIns="0" lIns="0" rIns="0" tIns="0"/>
           <a:lstStyle>
             <a:lvl1pPr algn="l">
               <a:defRPr>
@@ -1134,7 +1053,7 @@
       </p:sp>
       <p:sp>
         <p:nvSpPr>
-          <p:cNvPr id="7" name="Holder 7"/>
+          <p:cNvPr id="1048698" name="Holder 7"/>
           <p:cNvSpPr>
             <a:spLocks noGrp="1"/>
           </p:cNvSpPr>
@@ -1144,10 +1063,10 @@
         </p:nvSpPr>
         <p:spPr/>
         <p:txBody>
-          <a:bodyPr lIns="0" tIns="0" rIns="0" bIns="0"/>
+          <a:bodyPr bIns="0" lIns="0" rIns="0" tIns="0"/>
           <a:lstStyle>
             <a:lvl1pPr>
-              <a:defRPr sz="1100" b="0" i="0">
+              <a:defRPr b="0" sz="1100" i="0">
                 <a:solidFill>
                   <a:srgbClr val="2D936B"/>
                 </a:solidFill>
@@ -1166,10 +1085,10 @@
               </a:spcBef>
             </a:pPr>
             <a:fld id="{81D60167-4931-47E6-BA6A-407CBD079E47}" type="slidenum">
-              <a:rPr spc="10" dirty="0"/>
+              <a:rPr dirty="0" spc="10"/>
               <a:t>‹#›</a:t>
             </a:fld>
-            <a:endParaRPr spc="10" dirty="0"/>
+            <a:endParaRPr dirty="0" spc="10"/>
           </a:p>
         </p:txBody>
       </p:sp>
@@ -1182,11 +1101,11 @@
 </file>
 
 <file path=ppt/slideLayouts/slideLayout4.xml><?xml version="1.0" encoding="utf-8"?>
-<p:sldLayout xmlns:a="http://schemas.openxmlformats.org/drawingml/2006/main" xmlns:r="http://schemas.openxmlformats.org/officeDocument/2006/relationships" xmlns:p="http://schemas.openxmlformats.org/presentationml/2006/main" type="obj" preserve="1">
+<p:sldLayout xmlns:a="http://schemas.openxmlformats.org/drawingml/2006/main" xmlns:r="http://schemas.openxmlformats.org/officeDocument/2006/relationships" xmlns:p="http://schemas.openxmlformats.org/presentationml/2006/main" preserve="1" type="obj">
   <p:cSld name="Title Only">
     <p:spTree>
       <p:nvGrpSpPr>
-        <p:cNvPr id="1" name=""/>
+        <p:cNvPr id="23" name=""/>
         <p:cNvGrpSpPr/>
         <p:nvPr/>
       </p:nvGrpSpPr>
@@ -1200,7 +1119,7 @@
       </p:grpSpPr>
       <p:sp>
         <p:nvSpPr>
-          <p:cNvPr id="2" name="Holder 2"/>
+          <p:cNvPr id="1048595" name="Holder 2"/>
           <p:cNvSpPr>
             <a:spLocks noGrp="1"/>
           </p:cNvSpPr>
@@ -1208,12 +1127,17 @@
             <p:ph type="title"/>
           </p:nvPr>
         </p:nvSpPr>
-        <p:spPr/>
-        <p:txBody>
-          <a:bodyPr lIns="0" tIns="0" rIns="0" bIns="0"/>
+        <p:spPr>
+          <a:xfrm>
+            <a:off x="755332" y="385444"/>
+            <a:ext cx="10681335" cy="723901"/>
+          </a:xfrm>
+        </p:spPr>
+        <p:txBody>
+          <a:bodyPr bIns="0" lIns="0" rIns="0" tIns="0"/>
           <a:lstStyle>
             <a:lvl1pPr>
-              <a:defRPr sz="4800" b="1" i="0">
+              <a:defRPr b="1" sz="4800" i="0">
                 <a:solidFill>
                   <a:schemeClr val="tx1"/>
                 </a:solidFill>
@@ -1222,14 +1146,12 @@
               </a:defRPr>
             </a:lvl1pPr>
           </a:lstStyle>
-          <a:p>
-            <a:endParaRPr/>
-          </a:p>
-        </p:txBody>
-      </p:sp>
-      <p:sp>
-        <p:nvSpPr>
-          <p:cNvPr id="3" name="Holder 3"/>
+          <a:p/>
+        </p:txBody>
+      </p:sp>
+      <p:sp>
+        <p:nvSpPr>
+          <p:cNvPr id="1048596" name="Holder 3"/>
           <p:cNvSpPr>
             <a:spLocks noGrp="1"/>
           </p:cNvSpPr>
@@ -1239,7 +1161,7 @@
         </p:nvSpPr>
         <p:spPr/>
         <p:txBody>
-          <a:bodyPr lIns="0" tIns="0" rIns="0" bIns="0"/>
+          <a:bodyPr bIns="0" lIns="0" rIns="0" tIns="0"/>
           <a:lstStyle>
             <a:lvl1pPr algn="ctr">
               <a:defRPr>
@@ -1251,14 +1173,12 @@
               </a:defRPr>
             </a:lvl1pPr>
           </a:lstStyle>
-          <a:p>
-            <a:endParaRPr/>
-          </a:p>
-        </p:txBody>
-      </p:sp>
-      <p:sp>
-        <p:nvSpPr>
-          <p:cNvPr id="4" name="Holder 4"/>
+          <a:p/>
+        </p:txBody>
+      </p:sp>
+      <p:sp>
+        <p:nvSpPr>
+          <p:cNvPr id="1048597" name="Holder 4"/>
           <p:cNvSpPr>
             <a:spLocks noGrp="1"/>
           </p:cNvSpPr>
@@ -1268,7 +1188,7 @@
         </p:nvSpPr>
         <p:spPr/>
         <p:txBody>
-          <a:bodyPr lIns="0" tIns="0" rIns="0" bIns="0"/>
+          <a:bodyPr bIns="0" lIns="0" rIns="0" tIns="0"/>
           <a:lstStyle>
             <a:lvl1pPr algn="l">
               <a:defRPr>
@@ -1291,7 +1211,7 @@
       </p:sp>
       <p:sp>
         <p:nvSpPr>
-          <p:cNvPr id="5" name="Holder 5"/>
+          <p:cNvPr id="1048598" name="Holder 5"/>
           <p:cNvSpPr>
             <a:spLocks noGrp="1"/>
           </p:cNvSpPr>
@@ -1301,10 +1221,10 @@
         </p:nvSpPr>
         <p:spPr/>
         <p:txBody>
-          <a:bodyPr lIns="0" tIns="0" rIns="0" bIns="0"/>
+          <a:bodyPr bIns="0" lIns="0" rIns="0" tIns="0"/>
           <a:lstStyle>
             <a:lvl1pPr>
-              <a:defRPr sz="1100" b="0" i="0">
+              <a:defRPr b="0" sz="1100" i="0">
                 <a:solidFill>
                   <a:srgbClr val="2D936B"/>
                 </a:solidFill>
@@ -1323,10 +1243,10 @@
               </a:spcBef>
             </a:pPr>
             <a:fld id="{81D60167-4931-47E6-BA6A-407CBD079E47}" type="slidenum">
-              <a:rPr spc="10" dirty="0"/>
+              <a:rPr dirty="0" spc="10"/>
               <a:t>‹#›</a:t>
             </a:fld>
-            <a:endParaRPr spc="10" dirty="0"/>
+            <a:endParaRPr dirty="0" spc="10"/>
           </a:p>
         </p:txBody>
       </p:sp>
@@ -1339,11 +1259,11 @@
 </file>
 
 <file path=ppt/slideLayouts/slideLayout5.xml><?xml version="1.0" encoding="utf-8"?>
-<p:sldLayout xmlns:a="http://schemas.openxmlformats.org/drawingml/2006/main" xmlns:r="http://schemas.openxmlformats.org/officeDocument/2006/relationships" xmlns:p="http://schemas.openxmlformats.org/presentationml/2006/main" type="obj" preserve="1">
+<p:sldLayout xmlns:a="http://schemas.openxmlformats.org/drawingml/2006/main" xmlns:r="http://schemas.openxmlformats.org/officeDocument/2006/relationships" xmlns:p="http://schemas.openxmlformats.org/presentationml/2006/main" preserve="1" type="obj">
   <p:cSld name="Blank">
     <p:spTree>
       <p:nvGrpSpPr>
-        <p:cNvPr id="1" name=""/>
+        <p:cNvPr id="21" name=""/>
         <p:cNvGrpSpPr/>
         <p:nvPr/>
       </p:nvGrpSpPr>
@@ -1357,7 +1277,7 @@
       </p:grpSpPr>
       <p:sp>
         <p:nvSpPr>
-          <p:cNvPr id="2" name="Holder 2"/>
+          <p:cNvPr id="1048591" name="Holder 2"/>
           <p:cNvSpPr>
             <a:spLocks noGrp="1"/>
           </p:cNvSpPr>
@@ -1367,7 +1287,7 @@
         </p:nvSpPr>
         <p:spPr/>
         <p:txBody>
-          <a:bodyPr lIns="0" tIns="0" rIns="0" bIns="0"/>
+          <a:bodyPr bIns="0" lIns="0" rIns="0" tIns="0"/>
           <a:lstStyle>
             <a:lvl1pPr algn="ctr">
               <a:defRPr>
@@ -1379,14 +1299,12 @@
               </a:defRPr>
             </a:lvl1pPr>
           </a:lstStyle>
-          <a:p>
-            <a:endParaRPr/>
-          </a:p>
-        </p:txBody>
-      </p:sp>
-      <p:sp>
-        <p:nvSpPr>
-          <p:cNvPr id="3" name="Holder 3"/>
+          <a:p/>
+        </p:txBody>
+      </p:sp>
+      <p:sp>
+        <p:nvSpPr>
+          <p:cNvPr id="1048592" name="Holder 3"/>
           <p:cNvSpPr>
             <a:spLocks noGrp="1"/>
           </p:cNvSpPr>
@@ -1396,7 +1314,7 @@
         </p:nvSpPr>
         <p:spPr/>
         <p:txBody>
-          <a:bodyPr lIns="0" tIns="0" rIns="0" bIns="0"/>
+          <a:bodyPr bIns="0" lIns="0" rIns="0" tIns="0"/>
           <a:lstStyle>
             <a:lvl1pPr algn="l">
               <a:defRPr>
@@ -1419,7 +1337,7 @@
       </p:sp>
       <p:sp>
         <p:nvSpPr>
-          <p:cNvPr id="4" name="Holder 4"/>
+          <p:cNvPr id="1048593" name="Holder 4"/>
           <p:cNvSpPr>
             <a:spLocks noGrp="1"/>
           </p:cNvSpPr>
@@ -1429,10 +1347,10 @@
         </p:nvSpPr>
         <p:spPr/>
         <p:txBody>
-          <a:bodyPr lIns="0" tIns="0" rIns="0" bIns="0"/>
+          <a:bodyPr bIns="0" lIns="0" rIns="0" tIns="0"/>
           <a:lstStyle>
             <a:lvl1pPr>
-              <a:defRPr sz="1100" b="0" i="0">
+              <a:defRPr b="0" sz="1100" i="0">
                 <a:solidFill>
                   <a:srgbClr val="2D936B"/>
                 </a:solidFill>
@@ -1451,10 +1369,10 @@
               </a:spcBef>
             </a:pPr>
             <a:fld id="{81D60167-4931-47E6-BA6A-407CBD079E47}" type="slidenum">
-              <a:rPr spc="10" dirty="0"/>
+              <a:rPr dirty="0" spc="10"/>
               <a:t>‹#›</a:t>
             </a:fld>
-            <a:endParaRPr spc="10" dirty="0"/>
+            <a:endParaRPr dirty="0" spc="10"/>
           </a:p>
         </p:txBody>
       </p:sp>
@@ -1479,7 +1397,7 @@
     </p:bg>
     <p:spTree>
       <p:nvGrpSpPr>
-        <p:cNvPr id="1" name=""/>
+        <p:cNvPr id="15" name=""/>
         <p:cNvGrpSpPr/>
         <p:nvPr/>
       </p:nvGrpSpPr>
@@ -1493,7 +1411,7 @@
       </p:grpSpPr>
       <p:sp>
         <p:nvSpPr>
-          <p:cNvPr id="16" name="bg object 16"/>
+          <p:cNvPr id="1048576" name="bg object 16"/>
           <p:cNvSpPr/>
           <p:nvPr/>
         </p:nvSpPr>
@@ -1504,9 +1422,7 @@
           </a:xfrm>
           <a:custGeom>
             <a:avLst/>
-            <a:gdLst/>
             <a:ahLst/>
-            <a:cxnLst/>
             <a:rect l="l" t="t" r="r" b="b"/>
             <a:pathLst>
               <a:path w="1218565" h="6853555">
@@ -1526,16 +1442,13 @@
           </a:ln>
         </p:spPr>
         <p:txBody>
-          <a:bodyPr wrap="square" lIns="0" tIns="0" rIns="0" bIns="0" rtlCol="0"/>
-          <a:lstStyle/>
-          <a:p>
-            <a:endParaRPr/>
-          </a:p>
-        </p:txBody>
-      </p:sp>
-      <p:sp>
-        <p:nvSpPr>
-          <p:cNvPr id="17" name="bg object 17"/>
+          <a:bodyPr bIns="0" lIns="0" rIns="0" rtlCol="0" tIns="0" wrap="square"/>
+          <a:p/>
+        </p:txBody>
+      </p:sp>
+      <p:sp>
+        <p:nvSpPr>
+          <p:cNvPr id="1048577" name="bg object 17"/>
           <p:cNvSpPr/>
           <p:nvPr/>
         </p:nvSpPr>
@@ -1546,9 +1459,7 @@
           </a:xfrm>
           <a:custGeom>
             <a:avLst/>
-            <a:gdLst/>
             <a:ahLst/>
-            <a:cxnLst/>
             <a:rect l="l" t="t" r="r" b="b"/>
             <a:pathLst>
               <a:path w="4743450" h="3163570">
@@ -1568,16 +1479,13 @@
           </a:ln>
         </p:spPr>
         <p:txBody>
-          <a:bodyPr wrap="square" lIns="0" tIns="0" rIns="0" bIns="0" rtlCol="0"/>
-          <a:lstStyle/>
-          <a:p>
-            <a:endParaRPr/>
-          </a:p>
-        </p:txBody>
-      </p:sp>
-      <p:sp>
-        <p:nvSpPr>
-          <p:cNvPr id="18" name="bg object 18"/>
+          <a:bodyPr bIns="0" lIns="0" rIns="0" rtlCol="0" tIns="0" wrap="square"/>
+          <a:p/>
+        </p:txBody>
+      </p:sp>
+      <p:sp>
+        <p:nvSpPr>
+          <p:cNvPr id="1048578" name="bg object 18"/>
           <p:cNvSpPr/>
           <p:nvPr/>
         </p:nvSpPr>
@@ -1588,9 +1496,7 @@
           </a:xfrm>
           <a:custGeom>
             <a:avLst/>
-            <a:gdLst/>
             <a:ahLst/>
-            <a:cxnLst/>
             <a:rect l="l" t="t" r="r" b="b"/>
             <a:pathLst>
               <a:path w="3009900" h="6858000">
@@ -1620,16 +1526,13 @@
           </a:solidFill>
         </p:spPr>
         <p:txBody>
-          <a:bodyPr wrap="square" lIns="0" tIns="0" rIns="0" bIns="0" rtlCol="0"/>
-          <a:lstStyle/>
-          <a:p>
-            <a:endParaRPr/>
-          </a:p>
-        </p:txBody>
-      </p:sp>
-      <p:sp>
-        <p:nvSpPr>
-          <p:cNvPr id="19" name="bg object 19"/>
+          <a:bodyPr bIns="0" lIns="0" rIns="0" rtlCol="0" tIns="0" wrap="square"/>
+          <a:p/>
+        </p:txBody>
+      </p:sp>
+      <p:sp>
+        <p:nvSpPr>
+          <p:cNvPr id="1048579" name="bg object 19"/>
           <p:cNvSpPr/>
           <p:nvPr/>
         </p:nvSpPr>
@@ -1640,9 +1543,7 @@
           </a:xfrm>
           <a:custGeom>
             <a:avLst/>
-            <a:gdLst/>
             <a:ahLst/>
-            <a:cxnLst/>
             <a:rect l="l" t="t" r="r" b="b"/>
             <a:pathLst>
               <a:path w="2589529" h="6858000">
@@ -1672,16 +1573,13 @@
           </a:solidFill>
         </p:spPr>
         <p:txBody>
-          <a:bodyPr wrap="square" lIns="0" tIns="0" rIns="0" bIns="0" rtlCol="0"/>
-          <a:lstStyle/>
-          <a:p>
-            <a:endParaRPr/>
-          </a:p>
-        </p:txBody>
-      </p:sp>
-      <p:sp>
-        <p:nvSpPr>
-          <p:cNvPr id="20" name="bg object 20"/>
+          <a:bodyPr bIns="0" lIns="0" rIns="0" rtlCol="0" tIns="0" wrap="square"/>
+          <a:p/>
+        </p:txBody>
+      </p:sp>
+      <p:sp>
+        <p:nvSpPr>
+          <p:cNvPr id="1048580" name="bg object 20"/>
           <p:cNvSpPr/>
           <p:nvPr/>
         </p:nvSpPr>
@@ -1692,9 +1590,7 @@
           </a:xfrm>
           <a:custGeom>
             <a:avLst/>
-            <a:gdLst/>
             <a:ahLst/>
-            <a:cxnLst/>
             <a:rect l="l" t="t" r="r" b="b"/>
             <a:pathLst>
               <a:path w="3257550" h="3810000">
@@ -1721,16 +1617,13 @@
           </a:solidFill>
         </p:spPr>
         <p:txBody>
-          <a:bodyPr wrap="square" lIns="0" tIns="0" rIns="0" bIns="0" rtlCol="0"/>
-          <a:lstStyle/>
-          <a:p>
-            <a:endParaRPr/>
-          </a:p>
-        </p:txBody>
-      </p:sp>
-      <p:sp>
-        <p:nvSpPr>
-          <p:cNvPr id="21" name="bg object 21"/>
+          <a:bodyPr bIns="0" lIns="0" rIns="0" rtlCol="0" tIns="0" wrap="square"/>
+          <a:p/>
+        </p:txBody>
+      </p:sp>
+      <p:sp>
+        <p:nvSpPr>
+          <p:cNvPr id="1048581" name="bg object 21"/>
           <p:cNvSpPr/>
           <p:nvPr/>
         </p:nvSpPr>
@@ -1741,9 +1634,7 @@
           </a:xfrm>
           <a:custGeom>
             <a:avLst/>
-            <a:gdLst/>
             <a:ahLst/>
-            <a:cxnLst/>
             <a:rect l="l" t="t" r="r" b="b"/>
             <a:pathLst>
               <a:path w="2854325" h="6858000">
@@ -1773,16 +1664,13 @@
           </a:solidFill>
         </p:spPr>
         <p:txBody>
-          <a:bodyPr wrap="square" lIns="0" tIns="0" rIns="0" bIns="0" rtlCol="0"/>
-          <a:lstStyle/>
-          <a:p>
-            <a:endParaRPr/>
-          </a:p>
-        </p:txBody>
-      </p:sp>
-      <p:sp>
-        <p:nvSpPr>
-          <p:cNvPr id="22" name="bg object 22"/>
+          <a:bodyPr bIns="0" lIns="0" rIns="0" rtlCol="0" tIns="0" wrap="square"/>
+          <a:p/>
+        </p:txBody>
+      </p:sp>
+      <p:sp>
+        <p:nvSpPr>
+          <p:cNvPr id="1048582" name="bg object 22"/>
           <p:cNvSpPr/>
           <p:nvPr/>
         </p:nvSpPr>
@@ -1793,9 +1681,7 @@
           </a:xfrm>
           <a:custGeom>
             <a:avLst/>
-            <a:gdLst/>
             <a:ahLst/>
-            <a:cxnLst/>
             <a:rect l="l" t="t" r="r" b="b"/>
             <a:pathLst>
               <a:path w="1295400" h="6858000">
@@ -1825,16 +1711,13 @@
           </a:solidFill>
         </p:spPr>
         <p:txBody>
-          <a:bodyPr wrap="square" lIns="0" tIns="0" rIns="0" bIns="0" rtlCol="0"/>
-          <a:lstStyle/>
-          <a:p>
-            <a:endParaRPr/>
-          </a:p>
-        </p:txBody>
-      </p:sp>
-      <p:sp>
-        <p:nvSpPr>
-          <p:cNvPr id="23" name="bg object 23"/>
+          <a:bodyPr bIns="0" lIns="0" rIns="0" rtlCol="0" tIns="0" wrap="square"/>
+          <a:p/>
+        </p:txBody>
+      </p:sp>
+      <p:sp>
+        <p:nvSpPr>
+          <p:cNvPr id="1048583" name="bg object 23"/>
           <p:cNvSpPr/>
           <p:nvPr/>
         </p:nvSpPr>
@@ -1845,9 +1728,7 @@
           </a:xfrm>
           <a:custGeom>
             <a:avLst/>
-            <a:gdLst/>
             <a:ahLst/>
-            <a:cxnLst/>
             <a:rect l="l" t="t" r="r" b="b"/>
             <a:pathLst>
               <a:path w="1256029" h="6858000">
@@ -1877,16 +1758,13 @@
           </a:solidFill>
         </p:spPr>
         <p:txBody>
-          <a:bodyPr wrap="square" lIns="0" tIns="0" rIns="0" bIns="0" rtlCol="0"/>
-          <a:lstStyle/>
-          <a:p>
-            <a:endParaRPr/>
-          </a:p>
-        </p:txBody>
-      </p:sp>
-      <p:sp>
-        <p:nvSpPr>
-          <p:cNvPr id="24" name="bg object 24"/>
+          <a:bodyPr bIns="0" lIns="0" rIns="0" rtlCol="0" tIns="0" wrap="square"/>
+          <a:p/>
+        </p:txBody>
+      </p:sp>
+      <p:sp>
+        <p:nvSpPr>
+          <p:cNvPr id="1048584" name="bg object 24"/>
           <p:cNvSpPr/>
           <p:nvPr/>
         </p:nvSpPr>
@@ -1897,9 +1775,7 @@
           </a:xfrm>
           <a:custGeom>
             <a:avLst/>
-            <a:gdLst/>
             <a:ahLst/>
-            <a:cxnLst/>
             <a:rect l="l" t="t" r="r" b="b"/>
             <a:pathLst>
               <a:path w="1819275" h="3267075">
@@ -1926,16 +1802,13 @@
           </a:solidFill>
         </p:spPr>
         <p:txBody>
-          <a:bodyPr wrap="square" lIns="0" tIns="0" rIns="0" bIns="0" rtlCol="0"/>
-          <a:lstStyle/>
-          <a:p>
-            <a:endParaRPr/>
-          </a:p>
-        </p:txBody>
-      </p:sp>
-      <p:sp>
-        <p:nvSpPr>
-          <p:cNvPr id="25" name="bg object 25"/>
+          <a:bodyPr bIns="0" lIns="0" rIns="0" rtlCol="0" tIns="0" wrap="square"/>
+          <a:p/>
+        </p:txBody>
+      </p:sp>
+      <p:sp>
+        <p:nvSpPr>
+          <p:cNvPr id="1048585" name="bg object 25"/>
           <p:cNvSpPr/>
           <p:nvPr/>
         </p:nvSpPr>
@@ -1946,9 +1819,7 @@
           </a:xfrm>
           <a:custGeom>
             <a:avLst/>
-            <a:gdLst/>
             <a:ahLst/>
-            <a:cxnLst/>
             <a:rect l="l" t="t" r="r" b="b"/>
             <a:pathLst>
               <a:path w="447675" h="2847975">
@@ -1975,16 +1846,13 @@
           </a:solidFill>
         </p:spPr>
         <p:txBody>
-          <a:bodyPr wrap="square" lIns="0" tIns="0" rIns="0" bIns="0" rtlCol="0"/>
-          <a:lstStyle/>
-          <a:p>
-            <a:endParaRPr/>
-          </a:p>
-        </p:txBody>
-      </p:sp>
-      <p:sp>
-        <p:nvSpPr>
-          <p:cNvPr id="2" name="Holder 2"/>
+          <a:bodyPr bIns="0" lIns="0" rIns="0" rtlCol="0" tIns="0" wrap="square"/>
+          <a:p/>
+        </p:txBody>
+      </p:sp>
+      <p:sp>
+        <p:nvSpPr>
+          <p:cNvPr id="1048586" name="Holder 2"/>
           <p:cNvSpPr>
             <a:spLocks noGrp="1"/>
           </p:cNvSpPr>
@@ -1997,17 +1865,15 @@
             <a:off x="755332" y="385444"/>
             <a:ext cx="10681335" cy="758190"/>
           </a:xfrm>
-          <a:prstGeom prst="rect">
-            <a:avLst/>
-          </a:prstGeom>
-        </p:spPr>
-        <p:txBody>
-          <a:bodyPr wrap="square" lIns="0" tIns="0" rIns="0" bIns="0">
+          <a:prstGeom prst="rect"/>
+        </p:spPr>
+        <p:txBody>
+          <a:bodyPr bIns="0" lIns="0" rIns="0" tIns="0" wrap="square">
             <a:spAutoFit/>
           </a:bodyPr>
           <a:lstStyle>
             <a:lvl1pPr>
-              <a:defRPr sz="4800" b="1" i="0">
+              <a:defRPr b="1" sz="4800" i="0">
                 <a:solidFill>
                   <a:schemeClr val="tx1"/>
                 </a:solidFill>
@@ -2016,14 +1882,12 @@
               </a:defRPr>
             </a:lvl1pPr>
           </a:lstStyle>
-          <a:p>
-            <a:endParaRPr/>
-          </a:p>
-        </p:txBody>
-      </p:sp>
-      <p:sp>
-        <p:nvSpPr>
-          <p:cNvPr id="3" name="Holder 3"/>
+          <a:p/>
+        </p:txBody>
+      </p:sp>
+      <p:sp>
+        <p:nvSpPr>
+          <p:cNvPr id="1048587" name="Holder 3"/>
           <p:cNvSpPr>
             <a:spLocks noGrp="1"/>
           </p:cNvSpPr>
@@ -2036,27 +1900,18 @@
             <a:off x="609600" y="1577340"/>
             <a:ext cx="10972800" cy="4526280"/>
           </a:xfrm>
-          <a:prstGeom prst="rect">
-            <a:avLst/>
-          </a:prstGeom>
-        </p:spPr>
-        <p:txBody>
-          <a:bodyPr wrap="square" lIns="0" tIns="0" rIns="0" bIns="0">
+          <a:prstGeom prst="rect"/>
+        </p:spPr>
+        <p:txBody>
+          <a:bodyPr bIns="0" lIns="0" rIns="0" tIns="0" wrap="square">
             <a:spAutoFit/>
           </a:bodyPr>
-          <a:lstStyle>
-            <a:lvl1pPr>
-              <a:defRPr/>
-            </a:lvl1pPr>
-          </a:lstStyle>
-          <a:p>
-            <a:endParaRPr/>
-          </a:p>
-        </p:txBody>
-      </p:sp>
-      <p:sp>
-        <p:nvSpPr>
-          <p:cNvPr id="4" name="Holder 4"/>
+          <a:p/>
+        </p:txBody>
+      </p:sp>
+      <p:sp>
+        <p:nvSpPr>
+          <p:cNvPr id="1048588" name="Holder 4"/>
           <p:cNvSpPr>
             <a:spLocks noGrp="1"/>
           </p:cNvSpPr>
@@ -2069,12 +1924,10 @@
             <a:off x="4145280" y="6377940"/>
             <a:ext cx="3901440" cy="342900"/>
           </a:xfrm>
-          <a:prstGeom prst="rect">
-            <a:avLst/>
-          </a:prstGeom>
-        </p:spPr>
-        <p:txBody>
-          <a:bodyPr wrap="square" lIns="0" tIns="0" rIns="0" bIns="0">
+          <a:prstGeom prst="rect"/>
+        </p:spPr>
+        <p:txBody>
+          <a:bodyPr bIns="0" lIns="0" rIns="0" tIns="0" wrap="square">
             <a:spAutoFit/>
           </a:bodyPr>
           <a:lstStyle>
@@ -2088,14 +1941,12 @@
               </a:defRPr>
             </a:lvl1pPr>
           </a:lstStyle>
-          <a:p>
-            <a:endParaRPr/>
-          </a:p>
-        </p:txBody>
-      </p:sp>
-      <p:sp>
-        <p:nvSpPr>
-          <p:cNvPr id="5" name="Holder 5"/>
+          <a:p/>
+        </p:txBody>
+      </p:sp>
+      <p:sp>
+        <p:nvSpPr>
+          <p:cNvPr id="1048589" name="Holder 5"/>
           <p:cNvSpPr>
             <a:spLocks noGrp="1"/>
           </p:cNvSpPr>
@@ -2108,12 +1959,10 @@
             <a:off x="609600" y="6377940"/>
             <a:ext cx="2804160" cy="342900"/>
           </a:xfrm>
-          <a:prstGeom prst="rect">
-            <a:avLst/>
-          </a:prstGeom>
-        </p:spPr>
-        <p:txBody>
-          <a:bodyPr wrap="square" lIns="0" tIns="0" rIns="0" bIns="0">
+          <a:prstGeom prst="rect"/>
+        </p:spPr>
+        <p:txBody>
+          <a:bodyPr bIns="0" lIns="0" rIns="0" tIns="0" wrap="square">
             <a:spAutoFit/>
           </a:bodyPr>
           <a:lstStyle>
@@ -2138,7 +1987,7 @@
       </p:sp>
       <p:sp>
         <p:nvSpPr>
-          <p:cNvPr id="6" name="Holder 6"/>
+          <p:cNvPr id="1048590" name="Holder 6"/>
           <p:cNvSpPr>
             <a:spLocks noGrp="1"/>
           </p:cNvSpPr>
@@ -2151,17 +2000,15 @@
             <a:off x="11353418" y="6473337"/>
             <a:ext cx="151129" cy="191770"/>
           </a:xfrm>
-          <a:prstGeom prst="rect">
-            <a:avLst/>
-          </a:prstGeom>
-        </p:spPr>
-        <p:txBody>
-          <a:bodyPr wrap="square" lIns="0" tIns="0" rIns="0" bIns="0">
+          <a:prstGeom prst="rect"/>
+        </p:spPr>
+        <p:txBody>
+          <a:bodyPr bIns="0" lIns="0" rIns="0" tIns="0" wrap="square">
             <a:spAutoFit/>
           </a:bodyPr>
           <a:lstStyle>
             <a:lvl1pPr>
-              <a:defRPr sz="1100" b="0" i="0">
+              <a:defRPr b="0" sz="1100" i="0">
                 <a:solidFill>
                   <a:srgbClr val="2D936B"/>
                 </a:solidFill>
@@ -2180,22 +2027,22 @@
               </a:spcBef>
             </a:pPr>
             <a:fld id="{81D60167-4931-47E6-BA6A-407CBD079E47}" type="slidenum">
-              <a:rPr spc="10" dirty="0"/>
+              <a:rPr dirty="0" spc="10"/>
               <a:t>‹#›</a:t>
             </a:fld>
-            <a:endParaRPr spc="10" dirty="0"/>
+            <a:endParaRPr dirty="0" spc="10"/>
           </a:p>
         </p:txBody>
       </p:sp>
     </p:spTree>
   </p:cSld>
-  <p:clrMap bg1="lt1" tx1="dk1" bg2="lt2" tx2="dk2" accent1="accent1" accent2="accent2" accent3="accent3" accent4="accent4" accent5="accent5" accent6="accent6" hlink="hlink" folHlink="folHlink"/>
+  <p:clrMap accent1="accent1" accent2="accent2" accent3="accent3" accent4="accent4" accent5="accent5" accent6="accent6" bg1="lt1" bg2="lt2" tx1="dk1" tx2="dk2" hlink="hlink" folHlink="folHlink"/>
   <p:sldLayoutIdLst>
-    <p:sldLayoutId id="2147483661" r:id="rId1"/>
-    <p:sldLayoutId id="2147483662" r:id="rId2"/>
-    <p:sldLayoutId id="2147483663" r:id="rId3"/>
-    <p:sldLayoutId id="2147483664" r:id="rId4"/>
-    <p:sldLayoutId id="2147483665" r:id="rId5"/>
+    <p:sldLayoutId id="2147483649" r:id="rId1"/>
+    <p:sldLayoutId id="2147483650" r:id="rId2"/>
+    <p:sldLayoutId id="2147483651" r:id="rId3"/>
+    <p:sldLayoutId id="2147483652" r:id="rId4"/>
+    <p:sldLayoutId id="2147483653" r:id="rId5"/>
   </p:sldLayoutIdLst>
   <p:txStyles>
     <p:titleStyle>
@@ -2344,9 +2191,16 @@
 <file path=ppt/slides/slide1.xml><?xml version="1.0" encoding="utf-8"?>
 <p:sld xmlns:a="http://schemas.openxmlformats.org/drawingml/2006/main" xmlns:r="http://schemas.openxmlformats.org/officeDocument/2006/relationships" xmlns:p="http://schemas.openxmlformats.org/presentationml/2006/main">
   <p:cSld>
+    <p:bg>
+      <p:bgPr>
+        <a:solidFill>
+          <a:srgbClr val="FF6600"/>
+        </a:solidFill>
+      </p:bgPr>
+    </p:bg>
     <p:spTree>
       <p:nvGrpSpPr>
-        <p:cNvPr id="1" name=""/>
+        <p:cNvPr id="28" name=""/>
         <p:cNvGrpSpPr/>
         <p:nvPr/>
       </p:nvGrpSpPr>
@@ -2360,7 +2214,7 @@
       </p:grpSpPr>
       <p:grpSp>
         <p:nvGrpSpPr>
-          <p:cNvPr id="2" name="object 2"/>
+          <p:cNvPr id="29" name="object 2"/>
           <p:cNvGrpSpPr/>
           <p:nvPr/>
         </p:nvGrpSpPr>
@@ -2374,7 +2228,7 @@
         </p:grpSpPr>
         <p:sp>
           <p:nvSpPr>
-            <p:cNvPr id="3" name="object 3"/>
+            <p:cNvPr id="1048617" name="object 3"/>
             <p:cNvSpPr/>
             <p:nvPr/>
           </p:nvSpPr>
@@ -2385,9 +2239,7 @@
             </a:xfrm>
             <a:custGeom>
               <a:avLst/>
-              <a:gdLst/>
               <a:ahLst/>
-              <a:cxnLst/>
               <a:rect l="l" t="t" r="r" b="b"/>
               <a:pathLst>
                 <a:path w="1228725" h="1057275">
@@ -2421,16 +2273,13 @@
             </a:solidFill>
           </p:spPr>
           <p:txBody>
-            <a:bodyPr wrap="square" lIns="0" tIns="0" rIns="0" bIns="0" rtlCol="0"/>
-            <a:lstStyle/>
-            <a:p>
-              <a:endParaRPr/>
-            </a:p>
+            <a:bodyPr bIns="0" lIns="0" rIns="0" rtlCol="0" tIns="0" wrap="square"/>
+            <a:p/>
           </p:txBody>
         </p:sp>
         <p:sp>
           <p:nvSpPr>
-            <p:cNvPr id="4" name="object 4"/>
+            <p:cNvPr id="1048618" name="object 4"/>
             <p:cNvSpPr/>
             <p:nvPr/>
           </p:nvSpPr>
@@ -2441,9 +2290,7 @@
             </a:xfrm>
             <a:custGeom>
               <a:avLst/>
-              <a:gdLst/>
               <a:ahLst/>
-              <a:cxnLst/>
               <a:rect l="l" t="t" r="r" b="b"/>
               <a:pathLst>
                 <a:path w="647700" h="561975">
@@ -2477,17 +2324,14 @@
             </a:solidFill>
           </p:spPr>
           <p:txBody>
-            <a:bodyPr wrap="square" lIns="0" tIns="0" rIns="0" bIns="0" rtlCol="0"/>
-            <a:lstStyle/>
-            <a:p>
-              <a:endParaRPr/>
-            </a:p>
+            <a:bodyPr bIns="0" lIns="0" rIns="0" rtlCol="0" tIns="0" wrap="square"/>
+            <a:p/>
           </p:txBody>
         </p:sp>
       </p:grpSp>
       <p:sp>
         <p:nvSpPr>
-          <p:cNvPr id="5" name="object 5"/>
+          <p:cNvPr id="1048619" name="object 5"/>
           <p:cNvSpPr/>
           <p:nvPr/>
         </p:nvSpPr>
@@ -2498,9 +2342,7 @@
           </a:xfrm>
           <a:custGeom>
             <a:avLst/>
-            <a:gdLst/>
             <a:ahLst/>
-            <a:cxnLst/>
             <a:rect l="l" t="t" r="r" b="b"/>
             <a:pathLst>
               <a:path w="1666875" h="1438275">
@@ -2534,16 +2376,13 @@
           </a:solidFill>
         </p:spPr>
         <p:txBody>
-          <a:bodyPr wrap="square" lIns="0" tIns="0" rIns="0" bIns="0" rtlCol="0"/>
-          <a:lstStyle/>
-          <a:p>
-            <a:endParaRPr/>
-          </a:p>
-        </p:txBody>
-      </p:sp>
-      <p:sp>
-        <p:nvSpPr>
-          <p:cNvPr id="6" name="object 6"/>
+          <a:bodyPr bIns="0" lIns="0" rIns="0" rtlCol="0" tIns="0" wrap="square"/>
+          <a:p/>
+        </p:txBody>
+      </p:sp>
+      <p:sp>
+        <p:nvSpPr>
+          <p:cNvPr id="1048620" name="object 6"/>
           <p:cNvSpPr/>
           <p:nvPr/>
         </p:nvSpPr>
@@ -2554,9 +2393,7 @@
           </a:xfrm>
           <a:custGeom>
             <a:avLst/>
-            <a:gdLst/>
             <a:ahLst/>
-            <a:cxnLst/>
             <a:rect l="l" t="t" r="r" b="b"/>
             <a:pathLst>
               <a:path w="723900" h="619125">
@@ -2590,16 +2427,13 @@
           </a:solidFill>
         </p:spPr>
         <p:txBody>
-          <a:bodyPr wrap="square" lIns="0" tIns="0" rIns="0" bIns="0" rtlCol="0"/>
-          <a:lstStyle/>
-          <a:p>
-            <a:endParaRPr/>
-          </a:p>
-        </p:txBody>
-      </p:sp>
-      <p:sp>
-        <p:nvSpPr>
-          <p:cNvPr id="7" name="object 7"/>
+          <a:bodyPr bIns="0" lIns="0" rIns="0" rtlCol="0" tIns="0" wrap="square"/>
+          <a:p/>
+        </p:txBody>
+      </p:sp>
+      <p:sp>
+        <p:nvSpPr>
+          <p:cNvPr id="1048621" name="object 7"/>
           <p:cNvSpPr txBox="1">
             <a:spLocks noGrp="1"/>
           </p:cNvSpPr>
@@ -2610,17 +2444,14 @@
         <p:spPr>
           <a:xfrm>
             <a:off x="1523999" y="19665"/>
-            <a:ext cx="7629525" cy="1001556"/>
-          </a:xfrm>
-          <a:prstGeom prst="rect">
-            <a:avLst/>
-          </a:prstGeom>
-        </p:spPr>
-        <p:txBody>
-          <a:bodyPr vert="horz" wrap="square" lIns="0" tIns="16510" rIns="0" bIns="0" rtlCol="0">
+            <a:ext cx="7629525" cy="499111"/>
+          </a:xfrm>
+          <a:prstGeom prst="rect"/>
+        </p:spPr>
+        <p:txBody>
+          <a:bodyPr bIns="0" lIns="0" rIns="0" rtlCol="0" tIns="16510" vert="horz" wrap="square">
             <a:spAutoFit/>
           </a:bodyPr>
-          <a:lstStyle/>
           <a:p>
             <a:pPr marL="3213735">
               <a:spcBef>
@@ -2628,7 +2459,7 @@
               </a:spcBef>
             </a:pPr>
             <a:r>
-              <a:rPr lang="en-US" b="1" i="0" dirty="0">
+              <a:rPr b="1" dirty="0" i="0" lang="en-US">
                 <a:solidFill>
                   <a:srgbClr val="0F0F0F"/>
                 </a:solidFill>
@@ -2638,27 +2469,20 @@
               </a:rPr>
               <a:t>Digital Portfolio </a:t>
             </a:r>
-            <a:br>
-              <a:rPr lang="en-US" b="1" i="0" dirty="0">
-                <a:solidFill>
-                  <a:srgbClr val="0F0F0F"/>
-                </a:solidFill>
-                <a:effectLst/>
-                <a:latin typeface="Roboto" panose="020F0502020204030204" pitchFamily="2" charset="0"/>
-              </a:rPr>
-            </a:br>
-            <a:endParaRPr spc="15" dirty="0"/>
+            <a:endParaRPr dirty="0" spc="15"/>
           </a:p>
         </p:txBody>
       </p:sp>
       <p:pic>
         <p:nvPicPr>
-          <p:cNvPr id="9" name="object 9"/>
-          <p:cNvPicPr/>
+          <p:cNvPr id="2097159" name="object 9"/>
+          <p:cNvPicPr>
+            <a:picLocks/>
+          </p:cNvPicPr>
           <p:nvPr/>
         </p:nvPicPr>
         <p:blipFill>
-          <a:blip r:embed="rId3" cstate="print"/>
+          <a:blip xmlns:r="http://schemas.openxmlformats.org/officeDocument/2006/relationships" r:embed="rId1" cstate="print"/>
           <a:stretch>
             <a:fillRect/>
           </a:stretch>
@@ -2668,14 +2492,12 @@
             <a:off x="676275" y="6467475"/>
             <a:ext cx="2143125" cy="200025"/>
           </a:xfrm>
-          <a:prstGeom prst="rect">
-            <a:avLst/>
-          </a:prstGeom>
+          <a:prstGeom prst="rect"/>
         </p:spPr>
       </p:pic>
       <p:sp>
         <p:nvSpPr>
-          <p:cNvPr id="11" name="object 11"/>
+          <p:cNvPr id="1048622" name="object 11"/>
           <p:cNvSpPr txBox="1">
             <a:spLocks noGrp="1"/>
           </p:cNvSpPr>
@@ -2684,15 +2506,12 @@
           </p:nvPr>
         </p:nvSpPr>
         <p:spPr>
-          <a:prstGeom prst="rect">
-            <a:avLst/>
-          </a:prstGeom>
-        </p:spPr>
-        <p:txBody>
-          <a:bodyPr vert="horz" wrap="square" lIns="0" tIns="6985" rIns="0" bIns="0" rtlCol="0">
+          <a:prstGeom prst="rect"/>
+        </p:spPr>
+        <p:txBody>
+          <a:bodyPr bIns="0" lIns="0" rIns="0" rtlCol="0" tIns="6985" vert="horz" wrap="square">
             <a:spAutoFit/>
           </a:bodyPr>
-          <a:lstStyle/>
           <a:p>
             <a:pPr marL="38100">
               <a:lnSpc>
@@ -2703,73 +2522,423 @@
               </a:spcBef>
             </a:pPr>
             <a:fld id="{81D60167-4931-47E6-BA6A-407CBD079E47}" type="slidenum">
-              <a:rPr spc="10" dirty="0"/>
+              <a:rPr dirty="0" spc="10"/>
               <a:t>1</a:t>
             </a:fld>
-            <a:endParaRPr spc="10" dirty="0"/>
+            <a:endParaRPr dirty="0" spc="10"/>
           </a:p>
         </p:txBody>
       </p:sp>
       <p:sp>
         <p:nvSpPr>
-          <p:cNvPr id="14" name="TextBox 13">
-            <a:extLst>
-              <a:ext uri="{FF2B5EF4-FFF2-40B4-BE49-F238E27FC236}">
-                <a16:creationId xmlns:a16="http://schemas.microsoft.com/office/drawing/2014/main" id="{D55ADE35-C35B-07C1-F5AA-C33B3DDB802E}"/>
-              </a:ext>
-            </a:extLst>
-          </p:cNvPr>
+          <p:cNvPr id="1048623" name="TextBox 13"/>
           <p:cNvSpPr txBox="1"/>
           <p:nvPr/>
         </p:nvSpPr>
         <p:spPr>
           <a:xfrm>
-            <a:off x="2554542" y="3314150"/>
-            <a:ext cx="8610600" cy="1938992"/>
-          </a:xfrm>
-          <a:prstGeom prst="rect">
-            <a:avLst/>
-          </a:prstGeom>
+            <a:off x="350762" y="2841942"/>
+            <a:ext cx="9502302" cy="2936240"/>
+          </a:xfrm>
+          <a:prstGeom prst="rect"/>
           <a:noFill/>
         </p:spPr>
         <p:txBody>
-          <a:bodyPr wrap="square" lIns="91440" tIns="45720" rIns="91440" bIns="45720" rtlCol="0" anchor="t">
+          <a:bodyPr anchor="t" bIns="45720" lIns="91440" rIns="91440" rtlCol="0" tIns="45720" wrap="square">
             <a:spAutoFit/>
           </a:bodyPr>
-          <a:lstStyle/>
           <a:p>
             <a:r>
-              <a:rPr lang="en-US" sz="2400" dirty="0"/>
+              <a:rPr dirty="0" sz="2400" lang="en-US"/>
               <a:t>STUDENT NAME: </a:t>
             </a:r>
+            <a:r>
+              <a:rPr dirty="0" sz="2400" lang="en-US"/>
+              <a:t>M</a:t>
+            </a:r>
+            <a:r>
+              <a:rPr dirty="0" sz="2400" lang="en-US"/>
+              <a:t>O</a:t>
+            </a:r>
+            <a:r>
+              <a:rPr dirty="0" sz="2400" lang="en-US"/>
+              <a:t>H</a:t>
+            </a:r>
+            <a:r>
+              <a:rPr dirty="0" sz="2400" lang="en-US"/>
+              <a:t>AN </a:t>
+            </a:r>
+            <a:r>
+              <a:rPr dirty="0" sz="2400" lang="en-US"/>
+              <a:t>PRIYA</a:t>
+            </a:r>
+            <a:endParaRPr altLang="en-US" lang="zh-CN"/>
           </a:p>
           <a:p>
             <a:r>
-              <a:rPr lang="en-US" sz="2400" dirty="0"/>
-              <a:t>REGISTER NO AND NMID: </a:t>
-            </a:r>
-            <a:endParaRPr lang="en-US" sz="2400" dirty="0">
+              <a:rPr dirty="0" sz="2400" lang="en-US"/>
+              <a:t>REGISTER NO </a:t>
+            </a:r>
+            <a:r>
+              <a:rPr dirty="0" sz="2400" lang="en-US"/>
+              <a:t>:</a:t>
+            </a:r>
+            <a:r>
+              <a:rPr dirty="0" sz="2400" lang="en-US"/>
+              <a:t>2</a:t>
+            </a:r>
+            <a:r>
+              <a:rPr dirty="0" sz="2400" lang="en-US"/>
+              <a:t>4</a:t>
+            </a:r>
+            <a:r>
+              <a:rPr dirty="0" sz="2400" lang="en-US"/>
+              <a:t>2</a:t>
+            </a:r>
+            <a:r>
+              <a:rPr dirty="0" sz="2400" lang="en-US"/>
+              <a:t>2</a:t>
+            </a:r>
+            <a:r>
+              <a:rPr dirty="0" sz="2400" lang="en-US"/>
+              <a:t>K</a:t>
+            </a:r>
+            <a:r>
+              <a:rPr dirty="0" sz="2400" lang="en-US"/>
+              <a:t>2</a:t>
+            </a:r>
+            <a:r>
+              <a:rPr dirty="0" sz="2400" lang="en-US"/>
+              <a:t>1</a:t>
+            </a:r>
+            <a:r>
+              <a:rPr dirty="0" sz="2400" lang="en-US"/>
+              <a:t>8</a:t>
+            </a:r>
+            <a:r>
+              <a:rPr dirty="0" sz="2400" lang="en-US"/>
+              <a:t>3</a:t>
+            </a:r>
+            <a:endParaRPr dirty="0" sz="2400" lang="en-US">
               <a:cs typeface="Calibri"/>
             </a:endParaRPr>
           </a:p>
           <a:p>
             <a:r>
-              <a:rPr lang="en-US" sz="2400" dirty="0"/>
-              <a:t>DEPARTMENT: </a:t>
-            </a:r>
+              <a:rPr dirty="0" sz="2400" lang="en-US"/>
+              <a:t>N</a:t>
+            </a:r>
+            <a:r>
+              <a:rPr dirty="0" sz="2400" lang="en-US"/>
+              <a:t>M</a:t>
+            </a:r>
+            <a:r>
+              <a:rPr dirty="0" sz="2400" lang="en-US"/>
+              <a:t>I</a:t>
+            </a:r>
+            <a:r>
+              <a:rPr dirty="0" sz="2400" lang="en-US"/>
+              <a:t>D: </a:t>
+            </a:r>
+            <a:r>
+              <a:rPr dirty="0" sz="2400" lang="en-US"/>
+              <a:t>37F504F360F969CBFB54199D4F54DB1B</a:t>
+            </a:r>
+            <a:endParaRPr dirty="0" sz="2400" lang="en-US">
+              <a:cs typeface="Calibri"/>
+            </a:endParaRPr>
           </a:p>
           <a:p>
             <a:r>
-              <a:rPr lang="en-US" sz="2400" dirty="0"/>
-              <a:t>COLLEGE: COLLEGE/ UNIVERSITY</a:t>
-            </a:r>
+              <a:rPr dirty="0" sz="2400" lang="en-US"/>
+              <a:t>DEPARTMENT: </a:t>
+            </a:r>
+            <a:r>
+              <a:rPr dirty="0" sz="2400" lang="en-US"/>
+              <a:t> Computer </a:t>
+            </a:r>
+            <a:r>
+              <a:rPr dirty="0" sz="2400" lang="en-US"/>
+              <a:t>science </a:t>
+            </a:r>
+            <a:endParaRPr altLang="en-US" lang="zh-CN"/>
           </a:p>
           <a:p>
             <a:r>
-              <a:rPr lang="en-US" sz="2400" dirty="0"/>
+              <a:rPr dirty="0" sz="2400" lang="en-US"/>
+              <a:t>COLLEGE: </a:t>
+            </a:r>
+            <a:r>
+              <a:rPr dirty="0" sz="2400" lang="en-US"/>
+              <a:t>P</a:t>
+            </a:r>
+            <a:r>
+              <a:rPr dirty="0" sz="2400" lang="en-US"/>
+              <a:t>u</a:t>
+            </a:r>
+            <a:r>
+              <a:rPr dirty="0" sz="2400" lang="en-US"/>
+              <a:t>r</a:t>
+            </a:r>
+            <a:r>
+              <a:rPr dirty="0" sz="2400" lang="en-US"/>
+              <a:t>a</a:t>
+            </a:r>
+            <a:r>
+              <a:rPr dirty="0" sz="2400" lang="en-US"/>
+              <a:t>t</a:t>
+            </a:r>
+            <a:r>
+              <a:rPr dirty="0" sz="2400" lang="en-US"/>
+              <a:t>c</a:t>
+            </a:r>
+            <a:r>
+              <a:rPr dirty="0" sz="2400" lang="en-US"/>
+              <a:t>h</a:t>
+            </a:r>
+            <a:r>
+              <a:rPr dirty="0" sz="2400" lang="en-US"/>
+              <a:t>i</a:t>
+            </a:r>
+            <a:r>
+              <a:rPr dirty="0" sz="2400" lang="en-US"/>
+              <a:t> </a:t>
+            </a:r>
+            <a:r>
+              <a:rPr dirty="0" sz="2400" lang="en-US"/>
+              <a:t>T</a:t>
+            </a:r>
+            <a:r>
+              <a:rPr dirty="0" sz="2400" lang="en-US"/>
+              <a:t>h</a:t>
+            </a:r>
+            <a:r>
+              <a:rPr dirty="0" sz="2400" lang="en-US"/>
+              <a:t>a</a:t>
+            </a:r>
+            <a:r>
+              <a:rPr dirty="0" sz="2400" lang="en-US"/>
+              <a:t>l</a:t>
+            </a:r>
+            <a:r>
+              <a:rPr dirty="0" sz="2400" lang="en-US"/>
+              <a:t>a</a:t>
+            </a:r>
+            <a:r>
+              <a:rPr dirty="0" sz="2400" lang="en-US"/>
+              <a:t>i</a:t>
+            </a:r>
+            <a:r>
+              <a:rPr dirty="0" sz="2400" lang="en-US"/>
+              <a:t>v</a:t>
+            </a:r>
+            <a:r>
+              <a:rPr dirty="0" sz="2400" lang="en-US"/>
+              <a:t>i</a:t>
+            </a:r>
+            <a:r>
+              <a:rPr dirty="0" sz="2400" lang="en-US"/>
+              <a:t> </a:t>
+            </a:r>
+            <a:r>
+              <a:rPr dirty="0" sz="2400" lang="en-US"/>
+              <a:t>A</a:t>
+            </a:r>
+            <a:r>
+              <a:rPr dirty="0" sz="2400" lang="en-US"/>
+              <a:t>m</a:t>
+            </a:r>
+            <a:r>
+              <a:rPr dirty="0" sz="2400" lang="en-US"/>
+              <a:t>m</a:t>
+            </a:r>
+            <a:r>
+              <a:rPr dirty="0" sz="2400" lang="en-US"/>
+              <a:t>a</a:t>
+            </a:r>
+            <a:r>
+              <a:rPr dirty="0" sz="2400" lang="en-US"/>
+              <a:t> </a:t>
+            </a:r>
+            <a:r>
+              <a:rPr dirty="0" sz="2400" lang="en-US"/>
+              <a:t>G</a:t>
+            </a:r>
+            <a:r>
+              <a:rPr dirty="0" sz="2400" lang="en-US"/>
+              <a:t>O</a:t>
+            </a:r>
+            <a:r>
+              <a:rPr dirty="0" sz="2400" lang="en-US"/>
+              <a:t>V</a:t>
+            </a:r>
+            <a:r>
+              <a:rPr dirty="0" sz="2400" lang="en-US"/>
+              <a:t>T</a:t>
+            </a:r>
+            <a:r>
+              <a:rPr dirty="0" sz="2400" lang="en-US"/>
+              <a:t> </a:t>
+            </a:r>
+            <a:r>
+              <a:rPr dirty="0" sz="2400" lang="en-US"/>
+              <a:t>A</a:t>
+            </a:r>
+            <a:r>
+              <a:rPr dirty="0" sz="2400" lang="en-US"/>
+              <a:t>R</a:t>
+            </a:r>
+            <a:r>
+              <a:rPr dirty="0" sz="2400" lang="en-US"/>
+              <a:t>T</a:t>
+            </a:r>
+            <a:r>
+              <a:rPr dirty="0" sz="2400" lang="en-US"/>
+              <a:t>S</a:t>
+            </a:r>
+            <a:r>
+              <a:rPr dirty="0" sz="2400" lang="en-US"/>
+              <a:t> </a:t>
+            </a:r>
+            <a:r>
+              <a:rPr dirty="0" sz="2400" lang="en-US"/>
+              <a:t>AND </a:t>
+            </a:r>
+            <a:r>
+              <a:rPr dirty="0" sz="2400" lang="en-US"/>
+              <a:t>SCIENCE </a:t>
+            </a:r>
+            <a:r>
+              <a:rPr dirty="0" sz="2400" lang="en-US"/>
+              <a:t> </a:t>
+            </a:r>
+            <a:r>
+              <a:rPr dirty="0" sz="2400" lang="en-US"/>
+              <a:t> </a:t>
+            </a:r>
+            <a:r>
+              <a:rPr dirty="0" sz="2400" lang="en-US"/>
+              <a:t> </a:t>
+            </a:r>
+            <a:r>
+              <a:rPr dirty="0" sz="2400" lang="en-US"/>
+              <a:t> </a:t>
+            </a:r>
+            <a:r>
+              <a:rPr dirty="0" sz="2400" lang="en-US"/>
+              <a:t> </a:t>
+            </a:r>
+            <a:r>
+              <a:rPr dirty="0" sz="2400" lang="en-US"/>
+              <a:t> </a:t>
+            </a:r>
+            <a:r>
+              <a:rPr dirty="0" sz="2400" lang="en-US"/>
+              <a:t> </a:t>
+            </a:r>
+            <a:r>
+              <a:rPr dirty="0" sz="2400" lang="en-US"/>
+              <a:t> </a:t>
+            </a:r>
+            <a:r>
+              <a:rPr dirty="0" sz="2400" lang="en-US"/>
+              <a:t> </a:t>
+            </a:r>
+            <a:r>
+              <a:rPr dirty="0" sz="2400" lang="en-US"/>
+              <a:t> </a:t>
+            </a:r>
+            <a:r>
+              <a:rPr dirty="0" sz="2400" lang="en-US"/>
+              <a:t> </a:t>
+            </a:r>
+            <a:r>
+              <a:rPr dirty="0" sz="2400" lang="en-US"/>
+              <a:t>COLLEGE </a:t>
+            </a:r>
+            <a:endParaRPr altLang="en-US" lang="zh-CN"/>
+          </a:p>
+          <a:p>
+            <a:r>
+              <a:rPr altLang="en-US" dirty="0" sz="2400" lang="en-US"/>
+              <a:t>U</a:t>
+            </a:r>
+            <a:r>
+              <a:rPr altLang="en-US" dirty="0" sz="2400" lang="en-US"/>
+              <a:t>N</a:t>
+            </a:r>
+            <a:r>
+              <a:rPr altLang="en-US" dirty="0" sz="2400" lang="en-US"/>
+              <a:t>IVERSITY </a:t>
+            </a:r>
+            <a:r>
+              <a:rPr altLang="en-US" dirty="0" sz="2400" lang="en-US"/>
+              <a:t>:</a:t>
+            </a:r>
+            <a:r>
+              <a:rPr dirty="0" sz="2400" lang="en-US"/>
+              <a:t> </a:t>
+            </a:r>
+            <a:r>
+              <a:rPr dirty="0" sz="2400" lang="en-US"/>
+              <a:t> </a:t>
+            </a:r>
+            <a:r>
+              <a:rPr dirty="0" sz="2400" lang="en-US"/>
+              <a:t> </a:t>
+            </a:r>
+            <a:r>
+              <a:rPr dirty="0" sz="2400" lang="en-US"/>
+              <a:t>B</a:t>
+            </a:r>
+            <a:r>
+              <a:rPr dirty="0" sz="2400" lang="en-US"/>
+              <a:t>H</a:t>
+            </a:r>
+            <a:r>
+              <a:rPr dirty="0" sz="2400" lang="en-US"/>
+              <a:t>A</a:t>
+            </a:r>
+            <a:r>
+              <a:rPr dirty="0" sz="2400" lang="en-US"/>
+              <a:t>R</a:t>
+            </a:r>
+            <a:r>
+              <a:rPr dirty="0" sz="2400" lang="en-US"/>
+              <a:t>A</a:t>
+            </a:r>
+            <a:r>
+              <a:rPr dirty="0" sz="2400" lang="en-US"/>
+              <a:t>THIYAR </a:t>
+            </a:r>
+            <a:r>
+              <a:rPr dirty="0" sz="2400" lang="en-US"/>
+              <a:t>U</a:t>
+            </a:r>
+            <a:r>
+              <a:rPr dirty="0" sz="2400" lang="en-US"/>
+              <a:t>N</a:t>
+            </a:r>
+            <a:r>
+              <a:rPr dirty="0" sz="2400" lang="en-US"/>
+              <a:t>I</a:t>
+            </a:r>
+            <a:r>
+              <a:rPr dirty="0" sz="2400" lang="en-US"/>
+              <a:t>VERS</a:t>
+            </a:r>
+            <a:r>
+              <a:rPr dirty="0" sz="2400" lang="en-US"/>
+              <a:t>ITY </a:t>
+            </a:r>
+            <a:endParaRPr altLang="en-US" lang="zh-CN"/>
+          </a:p>
+          <a:p>
+            <a:r>
+              <a:rPr dirty="0" sz="2400" lang="en-US"/>
               <a:t>           </a:t>
             </a:r>
-            <a:endParaRPr lang="en-IN" sz="2400" dirty="0"/>
+            <a:endParaRPr dirty="0" sz="2400" lang="en-IN"/>
           </a:p>
         </p:txBody>
       </p:sp>
@@ -2784,9 +2953,16 @@
 <file path=ppt/slides/slide10.xml><?xml version="1.0" encoding="utf-8"?>
 <p:sld xmlns:a="http://schemas.openxmlformats.org/drawingml/2006/main" xmlns:r="http://schemas.openxmlformats.org/officeDocument/2006/relationships" xmlns:p="http://schemas.openxmlformats.org/presentationml/2006/main">
   <p:cSld>
+    <p:bg>
+      <p:bgPr>
+        <a:solidFill>
+          <a:srgbClr val="FF6600"/>
+        </a:solidFill>
+      </p:bgPr>
+    </p:bg>
     <p:spTree>
       <p:nvGrpSpPr>
-        <p:cNvPr id="1" name=""/>
+        <p:cNvPr id="26" name=""/>
         <p:cNvGrpSpPr/>
         <p:nvPr/>
       </p:nvGrpSpPr>
@@ -2800,24 +2976,21 @@
       </p:grpSpPr>
       <p:sp>
         <p:nvSpPr>
-          <p:cNvPr id="2" name="object 2"/>
+          <p:cNvPr id="1048605" name="object 2"/>
           <p:cNvSpPr txBox="1"/>
           <p:nvPr/>
         </p:nvSpPr>
         <p:spPr>
           <a:xfrm>
             <a:off x="752475" y="6486037"/>
-            <a:ext cx="1773555" cy="166370"/>
-          </a:xfrm>
-          <a:prstGeom prst="rect">
-            <a:avLst/>
-          </a:prstGeom>
-        </p:spPr>
-        <p:txBody>
-          <a:bodyPr vert="horz" wrap="square" lIns="0" tIns="0" rIns="0" bIns="0" rtlCol="0">
+            <a:ext cx="1773555" cy="161926"/>
+          </a:xfrm>
+          <a:prstGeom prst="rect"/>
+        </p:spPr>
+        <p:txBody>
+          <a:bodyPr bIns="0" lIns="0" rIns="0" rtlCol="0" tIns="0" vert="horz" wrap="square">
             <a:spAutoFit/>
           </a:bodyPr>
-          <a:lstStyle/>
           <a:p>
             <a:pPr>
               <a:lnSpc>
@@ -2825,7 +2998,7 @@
               </a:lnSpc>
             </a:pPr>
             <a:r>
-              <a:rPr sz="1100" spc="20" dirty="0">
+              <a:rPr dirty="0" sz="1100" spc="20">
                 <a:solidFill>
                   <a:srgbClr val="2D83C3"/>
                 </a:solidFill>
@@ -2835,7 +3008,7 @@
               <a:t>3/21/202</a:t>
             </a:r>
             <a:r>
-              <a:rPr sz="1100" spc="10" dirty="0">
+              <a:rPr dirty="0" sz="1100" spc="10">
                 <a:solidFill>
                   <a:srgbClr val="2D83C3"/>
                 </a:solidFill>
@@ -2845,7 +3018,7 @@
               <a:t>4</a:t>
             </a:r>
             <a:r>
-              <a:rPr sz="1100" dirty="0">
+              <a:rPr dirty="0" sz="1100">
                 <a:solidFill>
                   <a:srgbClr val="2D83C3"/>
                 </a:solidFill>
@@ -2855,7 +3028,7 @@
               <a:t> </a:t>
             </a:r>
             <a:r>
-              <a:rPr sz="1100" spc="130" dirty="0">
+              <a:rPr dirty="0" sz="1100" spc="130">
                 <a:solidFill>
                   <a:srgbClr val="2D83C3"/>
                 </a:solidFill>
@@ -2865,7 +3038,7 @@
               <a:t> </a:t>
             </a:r>
             <a:r>
-              <a:rPr sz="1100" b="1" spc="50" dirty="0">
+              <a:rPr b="1" dirty="0" sz="1100" spc="50">
                 <a:solidFill>
                   <a:srgbClr val="2D83C3"/>
                 </a:solidFill>
@@ -2875,7 +3048,7 @@
               <a:t>A</a:t>
             </a:r>
             <a:r>
-              <a:rPr sz="1100" b="1" spc="15" dirty="0">
+              <a:rPr b="1" dirty="0" sz="1100" spc="15">
                 <a:solidFill>
                   <a:srgbClr val="2D83C3"/>
                 </a:solidFill>
@@ -2885,7 +3058,7 @@
               <a:t>nnu</a:t>
             </a:r>
             <a:r>
-              <a:rPr sz="1100" b="1" spc="10" dirty="0">
+              <a:rPr b="1" dirty="0" sz="1100" spc="10">
                 <a:solidFill>
                   <a:srgbClr val="2D83C3"/>
                 </a:solidFill>
@@ -2895,7 +3068,7 @@
               <a:t>al</a:t>
             </a:r>
             <a:r>
-              <a:rPr sz="1100" b="1" spc="-140" dirty="0">
+              <a:rPr b="1" dirty="0" sz="1100" spc="-140">
                 <a:solidFill>
                   <a:srgbClr val="2D83C3"/>
                 </a:solidFill>
@@ -2905,7 +3078,7 @@
               <a:t> </a:t>
             </a:r>
             <a:r>
-              <a:rPr sz="1100" b="1" dirty="0">
+              <a:rPr b="1" dirty="0" sz="1100">
                 <a:solidFill>
                   <a:srgbClr val="2D83C3"/>
                 </a:solidFill>
@@ -2915,7 +3088,7 @@
               <a:t>R</a:t>
             </a:r>
             <a:r>
-              <a:rPr sz="1100" b="1" spc="35" dirty="0">
+              <a:rPr b="1" dirty="0" sz="1100" spc="35">
                 <a:solidFill>
                   <a:srgbClr val="2D83C3"/>
                 </a:solidFill>
@@ -2925,7 +3098,7 @@
               <a:t>e</a:t>
             </a:r>
             <a:r>
-              <a:rPr sz="1100" b="1" spc="90" dirty="0">
+              <a:rPr b="1" dirty="0" sz="1100" spc="90">
                 <a:solidFill>
                   <a:srgbClr val="2D83C3"/>
                 </a:solidFill>
@@ -2935,7 +3108,7 @@
               <a:t>v</a:t>
             </a:r>
             <a:r>
-              <a:rPr sz="1100" b="1" spc="-35" dirty="0">
+              <a:rPr b="1" dirty="0" sz="1100" spc="-35">
                 <a:solidFill>
                   <a:srgbClr val="2D83C3"/>
                 </a:solidFill>
@@ -2945,7 +3118,7 @@
               <a:t>i</a:t>
             </a:r>
             <a:r>
-              <a:rPr sz="1100" b="1" spc="35" dirty="0">
+              <a:rPr b="1" dirty="0" sz="1100" spc="35">
                 <a:solidFill>
                   <a:srgbClr val="2D83C3"/>
                 </a:solidFill>
@@ -2955,7 +3128,7 @@
               <a:t>e</a:t>
             </a:r>
             <a:r>
-              <a:rPr sz="1100" b="1" spc="15" dirty="0">
+              <a:rPr b="1" dirty="0" sz="1100" spc="15">
                 <a:solidFill>
                   <a:srgbClr val="2D83C3"/>
                 </a:solidFill>
@@ -2973,7 +3146,7 @@
       </p:sp>
       <p:sp>
         <p:nvSpPr>
-          <p:cNvPr id="3" name="object 3"/>
+          <p:cNvPr id="1048606" name="object 3"/>
           <p:cNvSpPr/>
           <p:nvPr/>
         </p:nvSpPr>
@@ -2984,9 +3157,7 @@
           </a:xfrm>
           <a:custGeom>
             <a:avLst/>
-            <a:gdLst/>
             <a:ahLst/>
-            <a:cxnLst/>
             <a:rect l="l" t="t" r="r" b="b"/>
             <a:pathLst>
               <a:path w="457200" h="457200">
@@ -3014,16 +3185,13 @@
           </a:solidFill>
         </p:spPr>
         <p:txBody>
-          <a:bodyPr wrap="square" lIns="0" tIns="0" rIns="0" bIns="0" rtlCol="0"/>
-          <a:lstStyle/>
-          <a:p>
-            <a:endParaRPr/>
-          </a:p>
-        </p:txBody>
-      </p:sp>
-      <p:sp>
-        <p:nvSpPr>
-          <p:cNvPr id="4" name="object 4"/>
+          <a:bodyPr bIns="0" lIns="0" rIns="0" rtlCol="0" tIns="0" wrap="square"/>
+          <a:p/>
+        </p:txBody>
+      </p:sp>
+      <p:sp>
+        <p:nvSpPr>
+          <p:cNvPr id="1048607" name="object 4"/>
           <p:cNvSpPr/>
           <p:nvPr/>
         </p:nvSpPr>
@@ -3034,9 +3202,7 @@
           </a:xfrm>
           <a:custGeom>
             <a:avLst/>
-            <a:gdLst/>
             <a:ahLst/>
-            <a:cxnLst/>
             <a:rect l="l" t="t" r="r" b="b"/>
             <a:pathLst>
               <a:path w="314325" h="323850">
@@ -3064,16 +3230,13 @@
           </a:solidFill>
         </p:spPr>
         <p:txBody>
-          <a:bodyPr wrap="square" lIns="0" tIns="0" rIns="0" bIns="0" rtlCol="0"/>
-          <a:lstStyle/>
-          <a:p>
-            <a:endParaRPr/>
-          </a:p>
-        </p:txBody>
-      </p:sp>
-      <p:sp>
-        <p:nvSpPr>
-          <p:cNvPr id="5" name="object 5"/>
+          <a:bodyPr bIns="0" lIns="0" rIns="0" rtlCol="0" tIns="0" wrap="square"/>
+          <a:p/>
+        </p:txBody>
+      </p:sp>
+      <p:sp>
+        <p:nvSpPr>
+          <p:cNvPr id="1048608" name="object 5"/>
           <p:cNvSpPr/>
           <p:nvPr/>
         </p:nvSpPr>
@@ -3084,9 +3247,7 @@
           </a:xfrm>
           <a:custGeom>
             <a:avLst/>
-            <a:gdLst/>
             <a:ahLst/>
-            <a:cxnLst/>
             <a:rect l="l" t="t" r="r" b="b"/>
             <a:pathLst>
               <a:path w="180975" h="180975">
@@ -3114,21 +3275,20 @@
           </a:solidFill>
         </p:spPr>
         <p:txBody>
-          <a:bodyPr wrap="square" lIns="0" tIns="0" rIns="0" bIns="0" rtlCol="0"/>
-          <a:lstStyle/>
-          <a:p>
-            <a:endParaRPr/>
-          </a:p>
+          <a:bodyPr bIns="0" lIns="0" rIns="0" rtlCol="0" tIns="0" wrap="square"/>
+          <a:p/>
         </p:txBody>
       </p:sp>
       <p:pic>
         <p:nvPicPr>
-          <p:cNvPr id="6" name="object 6"/>
-          <p:cNvPicPr/>
+          <p:cNvPr id="2097155" name="object 6"/>
+          <p:cNvPicPr>
+            <a:picLocks/>
+          </p:cNvPicPr>
           <p:nvPr/>
         </p:nvPicPr>
         <p:blipFill>
-          <a:blip r:embed="rId2" cstate="print"/>
+          <a:blip xmlns:r="http://schemas.openxmlformats.org/officeDocument/2006/relationships" r:embed="rId1" cstate="print"/>
           <a:stretch>
             <a:fillRect/>
           </a:stretch>
@@ -3138,14 +3298,12 @@
             <a:off x="66675" y="3381373"/>
             <a:ext cx="2466975" cy="3419475"/>
           </a:xfrm>
-          <a:prstGeom prst="rect">
-            <a:avLst/>
-          </a:prstGeom>
+          <a:prstGeom prst="rect"/>
         </p:spPr>
       </p:pic>
       <p:sp>
         <p:nvSpPr>
-          <p:cNvPr id="7" name="object 7"/>
+          <p:cNvPr id="1048609" name="object 7"/>
           <p:cNvSpPr txBox="1">
             <a:spLocks noGrp="1"/>
           </p:cNvSpPr>
@@ -3156,17 +3314,14 @@
         <p:spPr>
           <a:xfrm>
             <a:off x="739775" y="654938"/>
-            <a:ext cx="8480425" cy="670696"/>
-          </a:xfrm>
-          <a:prstGeom prst="rect">
-            <a:avLst/>
-          </a:prstGeom>
-        </p:spPr>
-        <p:txBody>
-          <a:bodyPr vert="horz" wrap="square" lIns="0" tIns="16510" rIns="0" bIns="0" rtlCol="0">
+            <a:ext cx="8480425" cy="638810"/>
+          </a:xfrm>
+          <a:prstGeom prst="rect"/>
+        </p:spPr>
+        <p:txBody>
+          <a:bodyPr bIns="0" lIns="0" rIns="0" rtlCol="0" tIns="16510" vert="horz" wrap="square">
             <a:spAutoFit/>
           </a:bodyPr>
-          <a:lstStyle/>
           <a:p>
             <a:pPr marL="12700">
               <a:lnSpc>
@@ -3177,16 +3332,16 @@
               </a:spcBef>
             </a:pPr>
             <a:r>
-              <a:rPr lang="en-IN" sz="4250" spc="15" dirty="0"/>
+              <a:rPr dirty="0" sz="4250" lang="en-IN" spc="15"/>
               <a:t>RESULTS AND SCREENSHOTS</a:t>
             </a:r>
-            <a:endParaRPr sz="4250" dirty="0"/>
+            <a:endParaRPr dirty="0" sz="4250"/>
           </a:p>
         </p:txBody>
       </p:sp>
       <p:sp>
         <p:nvSpPr>
-          <p:cNvPr id="8" name="object 8"/>
+          <p:cNvPr id="1048610" name="object 8"/>
           <p:cNvSpPr txBox="1"/>
           <p:nvPr/>
         </p:nvSpPr>
@@ -3195,15 +3350,12 @@
             <a:off x="11277218" y="6473337"/>
             <a:ext cx="228600" cy="191770"/>
           </a:xfrm>
-          <a:prstGeom prst="rect">
-            <a:avLst/>
-          </a:prstGeom>
-        </p:spPr>
-        <p:txBody>
-          <a:bodyPr vert="horz" wrap="square" lIns="0" tIns="6985" rIns="0" bIns="0" rtlCol="0">
+          <a:prstGeom prst="rect"/>
+        </p:spPr>
+        <p:txBody>
+          <a:bodyPr bIns="0" lIns="0" rIns="0" rtlCol="0" tIns="6985" vert="horz" wrap="square">
             <a:spAutoFit/>
           </a:bodyPr>
-          <a:lstStyle/>
           <a:p>
             <a:pPr marL="38100">
               <a:lnSpc>
@@ -3214,7 +3366,7 @@
               </a:spcBef>
             </a:pPr>
             <a:fld id="{81D60167-4931-47E6-BA6A-407CBD079E47}" type="slidenum">
-              <a:rPr sz="1100" spc="10" dirty="0">
+              <a:rPr dirty="0" sz="1100" spc="10">
                 <a:solidFill>
                   <a:srgbClr val="2D936B"/>
                 </a:solidFill>
@@ -3232,13 +3384,7 @@
       </p:sp>
       <p:sp>
         <p:nvSpPr>
-          <p:cNvPr id="9" name="TextBox 8">
-            <a:extLst>
-              <a:ext uri="{FF2B5EF4-FFF2-40B4-BE49-F238E27FC236}">
-                <a16:creationId xmlns:a16="http://schemas.microsoft.com/office/drawing/2014/main" id="{FAD9CEB2-36E1-0550-426B-2FAF97882044}"/>
-              </a:ext>
-            </a:extLst>
-          </p:cNvPr>
+          <p:cNvPr id="1048611" name="TextBox 8"/>
           <p:cNvSpPr txBox="1"/>
           <p:nvPr/>
         </p:nvSpPr>
@@ -3247,22 +3393,19 @@
             <a:off x="2743200" y="2354703"/>
             <a:ext cx="8534018" cy="954107"/>
           </a:xfrm>
-          <a:prstGeom prst="rect">
-            <a:avLst/>
-          </a:prstGeom>
+          <a:prstGeom prst="rect"/>
           <a:noFill/>
         </p:spPr>
         <p:txBody>
-          <a:bodyPr wrap="square" rtlCol="0">
+          <a:bodyPr rtlCol="0" wrap="square">
             <a:spAutoFit/>
           </a:bodyPr>
-          <a:lstStyle/>
           <a:p>
             <a:pPr algn="l">
               <a:buFont typeface="Arial" panose="020B0604020202020204" pitchFamily="34" charset="0"/>
               <a:buChar char="•"/>
             </a:pPr>
-            <a:endParaRPr lang="en-US" sz="2800" b="0" i="0" dirty="0">
+            <a:endParaRPr b="0" dirty="0" sz="2800" i="0" lang="en-US">
               <a:solidFill>
                 <a:srgbClr val="0D0D0D"/>
               </a:solidFill>
@@ -3272,13 +3415,59 @@
             </a:endParaRPr>
           </a:p>
           <a:p>
-            <a:endParaRPr lang="en-IN" sz="2800" dirty="0">
+            <a:endParaRPr dirty="0" sz="2800" lang="en-IN">
               <a:latin typeface="Times New Roman" panose="02020603050405020304" pitchFamily="18" charset="0"/>
               <a:cs typeface="Times New Roman" panose="02020603050405020304" pitchFamily="18" charset="0"/>
             </a:endParaRPr>
           </a:p>
         </p:txBody>
       </p:sp>
+      <p:pic>
+        <p:nvPicPr>
+          <p:cNvPr id="2097190" name=""/>
+          <p:cNvPicPr>
+            <a:picLocks/>
+          </p:cNvPicPr>
+          <p:nvPr/>
+        </p:nvPicPr>
+        <p:blipFill>
+          <a:blip xmlns:r="http://schemas.openxmlformats.org/officeDocument/2006/relationships" r:embed="rId2"/>
+          <a:srcRect l="11062" r="11062"/>
+          <a:stretch>
+            <a:fillRect/>
+          </a:stretch>
+        </p:blipFill>
+        <p:spPr>
+          <a:xfrm rot="21548664">
+            <a:off x="3676735" y="1352368"/>
+            <a:ext cx="2792457" cy="5266588"/>
+          </a:xfrm>
+          <a:prstGeom prst="rect"/>
+        </p:spPr>
+      </p:pic>
+      <p:pic>
+        <p:nvPicPr>
+          <p:cNvPr id="2097191" name=""/>
+          <p:cNvPicPr>
+            <a:picLocks/>
+          </p:cNvPicPr>
+          <p:nvPr/>
+        </p:nvPicPr>
+        <p:blipFill>
+          <a:blip xmlns:r="http://schemas.openxmlformats.org/officeDocument/2006/relationships" r:embed="rId3"/>
+          <a:srcRect t="6142" b="6142"/>
+          <a:stretch>
+            <a:fillRect/>
+          </a:stretch>
+        </p:blipFill>
+        <p:spPr>
+          <a:xfrm>
+            <a:off x="7118196" y="1431987"/>
+            <a:ext cx="2660184" cy="5138726"/>
+          </a:xfrm>
+          <a:prstGeom prst="rect"/>
+        </p:spPr>
+      </p:pic>
     </p:spTree>
   </p:cSld>
   <p:clrMapOvr>
@@ -3290,9 +3479,16 @@
 <file path=ppt/slides/slide11.xml><?xml version="1.0" encoding="utf-8"?>
 <p:sld xmlns:a="http://schemas.openxmlformats.org/drawingml/2006/main" xmlns:r="http://schemas.openxmlformats.org/officeDocument/2006/relationships" xmlns:p="http://schemas.openxmlformats.org/presentationml/2006/main">
   <p:cSld>
+    <p:bg>
+      <p:bgPr>
+        <a:solidFill>
+          <a:srgbClr val="FF6600"/>
+        </a:solidFill>
+      </p:bgPr>
+    </p:bg>
     <p:spTree>
       <p:nvGrpSpPr>
-        <p:cNvPr id="1" name=""/>
+        <p:cNvPr id="25" name=""/>
         <p:cNvGrpSpPr/>
         <p:nvPr/>
       </p:nvGrpSpPr>
@@ -3304,9 +3500,143 @@
           <a:chExt cx="0" cy="0"/>
         </a:xfrm>
       </p:grpSpPr>
-      <p:sp>
-        <p:nvSpPr>
-          <p:cNvPr id="3" name="object 3"/>
+      <p:pic>
+        <p:nvPicPr>
+          <p:cNvPr id="2097178" name=""/>
+          <p:cNvPicPr>
+            <a:picLocks/>
+          </p:cNvPicPr>
+          <p:nvPr/>
+        </p:nvPicPr>
+        <p:blipFill>
+          <a:blip xmlns:r="http://schemas.openxmlformats.org/officeDocument/2006/relationships" r:embed="rId1"/>
+          <a:srcRect l="13042" r="13042"/>
+          <a:stretch>
+            <a:fillRect/>
+          </a:stretch>
+        </p:blipFill>
+        <p:spPr>
+          <a:xfrm rot="0">
+            <a:off x="1078649" y="209312"/>
+            <a:ext cx="3058293" cy="6259137"/>
+          </a:xfrm>
+          <a:prstGeom prst="rect"/>
+        </p:spPr>
+      </p:pic>
+      <p:pic>
+        <p:nvPicPr>
+          <p:cNvPr id="2097179" name=""/>
+          <p:cNvPicPr>
+            <a:picLocks/>
+          </p:cNvPicPr>
+          <p:nvPr/>
+        </p:nvPicPr>
+        <p:blipFill>
+          <a:blip xmlns:r="http://schemas.openxmlformats.org/officeDocument/2006/relationships" r:embed="rId2"/>
+          <a:srcRect l="7125" r="7125"/>
+          <a:stretch>
+            <a:fillRect/>
+          </a:stretch>
+        </p:blipFill>
+        <p:spPr>
+          <a:xfrm rot="0">
+            <a:off x="4566853" y="252236"/>
+            <a:ext cx="2759645" cy="6188304"/>
+          </a:xfrm>
+          <a:prstGeom prst="rect"/>
+        </p:spPr>
+      </p:pic>
+      <p:sp>
+        <p:nvSpPr>
+          <p:cNvPr id="1048705" name=""/>
+          <p:cNvSpPr txBox="1"/>
+          <p:nvPr/>
+        </p:nvSpPr>
+        <p:spPr>
+          <a:xfrm>
+            <a:off x="4096000" y="3219450"/>
+            <a:ext cx="4000000" cy="510540"/>
+          </a:xfrm>
+          <a:prstGeom prst="rect"/>
+        </p:spPr>
+        <p:txBody>
+          <a:bodyPr rtlCol="0" wrap="square">
+            <a:spAutoFit/>
+          </a:bodyPr>
+          <a:p>
+            <a:r>
+              <a:rPr sz="2800" lang="en-US">
+                <a:solidFill>
+                  <a:srgbClr val="000000"/>
+                </a:solidFill>
+              </a:rPr>
+              <a:t/>
+            </a:r>
+            <a:endParaRPr sz="2800" lang="en-US">
+              <a:solidFill>
+                <a:srgbClr val="000000"/>
+              </a:solidFill>
+            </a:endParaRPr>
+          </a:p>
+        </p:txBody>
+      </p:sp>
+      <p:pic>
+        <p:nvPicPr>
+          <p:cNvPr id="2097186" name=""/>
+          <p:cNvPicPr>
+            <a:picLocks/>
+          </p:cNvPicPr>
+          <p:nvPr/>
+        </p:nvPicPr>
+        <p:blipFill>
+          <a:blip xmlns:r="http://schemas.openxmlformats.org/officeDocument/2006/relationships" r:embed="rId3"/>
+          <a:stretch>
+            <a:fillRect/>
+          </a:stretch>
+        </p:blipFill>
+        <p:spPr>
+          <a:xfrm rot="0">
+            <a:off x="8096000" y="300989"/>
+            <a:ext cx="2756253" cy="6042441"/>
+          </a:xfrm>
+          <a:prstGeom prst="rect"/>
+        </p:spPr>
+      </p:pic>
+    </p:spTree>
+  </p:cSld>
+  <p:clrMapOvr>
+    <a:masterClrMapping/>
+  </p:clrMapOvr>
+</p:sld>
+</file>
+
+<file path=ppt/slides/slide12.xml><?xml version="1.0" encoding="utf-8"?>
+<p:sld xmlns:a="http://schemas.openxmlformats.org/drawingml/2006/main" xmlns:r="http://schemas.openxmlformats.org/officeDocument/2006/relationships" xmlns:p="http://schemas.openxmlformats.org/presentationml/2006/main">
+  <p:cSld>
+    <p:bg>
+      <p:bgPr>
+        <a:solidFill>
+          <a:srgbClr val="FF6600"/>
+        </a:solidFill>
+      </p:bgPr>
+    </p:bg>
+    <p:spTree>
+      <p:nvGrpSpPr>
+        <p:cNvPr id="24" name=""/>
+        <p:cNvGrpSpPr/>
+        <p:nvPr/>
+      </p:nvGrpSpPr>
+      <p:grpSpPr>
+        <a:xfrm>
+          <a:off x="0" y="0"/>
+          <a:ext cx="0" cy="0"/>
+          <a:chOff x="0" y="0"/>
+          <a:chExt cx="0" cy="0"/>
+        </a:xfrm>
+      </p:grpSpPr>
+      <p:sp>
+        <p:nvSpPr>
+          <p:cNvPr id="1048599" name="object 3"/>
           <p:cNvSpPr/>
           <p:nvPr/>
         </p:nvSpPr>
@@ -3317,9 +3647,7 @@
           </a:xfrm>
           <a:custGeom>
             <a:avLst/>
-            <a:gdLst/>
             <a:ahLst/>
-            <a:cxnLst/>
             <a:rect l="l" t="t" r="r" b="b"/>
             <a:pathLst>
               <a:path w="457200" h="457200">
@@ -3347,16 +3675,13 @@
           </a:solidFill>
         </p:spPr>
         <p:txBody>
-          <a:bodyPr wrap="square" lIns="0" tIns="0" rIns="0" bIns="0" rtlCol="0"/>
-          <a:lstStyle/>
-          <a:p>
-            <a:endParaRPr/>
-          </a:p>
-        </p:txBody>
-      </p:sp>
-      <p:sp>
-        <p:nvSpPr>
-          <p:cNvPr id="4" name="object 4"/>
+          <a:bodyPr bIns="0" lIns="0" rIns="0" rtlCol="0" tIns="0" wrap="square"/>
+          <a:p/>
+        </p:txBody>
+      </p:sp>
+      <p:sp>
+        <p:nvSpPr>
+          <p:cNvPr id="1048600" name="object 4"/>
           <p:cNvSpPr/>
           <p:nvPr/>
         </p:nvSpPr>
@@ -3367,9 +3692,7 @@
           </a:xfrm>
           <a:custGeom>
             <a:avLst/>
-            <a:gdLst/>
             <a:ahLst/>
-            <a:cxnLst/>
             <a:rect l="l" t="t" r="r" b="b"/>
             <a:pathLst>
               <a:path w="314325" h="323850">
@@ -3397,16 +3720,13 @@
           </a:solidFill>
         </p:spPr>
         <p:txBody>
-          <a:bodyPr wrap="square" lIns="0" tIns="0" rIns="0" bIns="0" rtlCol="0"/>
-          <a:lstStyle/>
-          <a:p>
-            <a:endParaRPr/>
-          </a:p>
-        </p:txBody>
-      </p:sp>
-      <p:sp>
-        <p:nvSpPr>
-          <p:cNvPr id="5" name="object 5"/>
+          <a:bodyPr bIns="0" lIns="0" rIns="0" rtlCol="0" tIns="0" wrap="square"/>
+          <a:p/>
+        </p:txBody>
+      </p:sp>
+      <p:sp>
+        <p:nvSpPr>
+          <p:cNvPr id="1048601" name="object 5"/>
           <p:cNvSpPr/>
           <p:nvPr/>
         </p:nvSpPr>
@@ -3417,9 +3737,7 @@
           </a:xfrm>
           <a:custGeom>
             <a:avLst/>
-            <a:gdLst/>
             <a:ahLst/>
-            <a:cxnLst/>
             <a:rect l="l" t="t" r="r" b="b"/>
             <a:pathLst>
               <a:path w="180975" h="180975">
@@ -3447,21 +3765,20 @@
           </a:solidFill>
         </p:spPr>
         <p:txBody>
-          <a:bodyPr wrap="square" lIns="0" tIns="0" rIns="0" bIns="0" rtlCol="0"/>
-          <a:lstStyle/>
-          <a:p>
-            <a:endParaRPr/>
-          </a:p>
+          <a:bodyPr bIns="0" lIns="0" rIns="0" rtlCol="0" tIns="0" wrap="square"/>
+          <a:p/>
         </p:txBody>
       </p:sp>
       <p:pic>
         <p:nvPicPr>
-          <p:cNvPr id="6" name="object 6"/>
-          <p:cNvPicPr/>
+          <p:cNvPr id="2097152" name="object 6"/>
+          <p:cNvPicPr>
+            <a:picLocks/>
+          </p:cNvPicPr>
           <p:nvPr/>
         </p:nvPicPr>
         <p:blipFill>
-          <a:blip r:embed="rId2" cstate="print"/>
+          <a:blip xmlns:r="http://schemas.openxmlformats.org/officeDocument/2006/relationships" r:embed="rId1" cstate="print"/>
           <a:stretch>
             <a:fillRect/>
           </a:stretch>
@@ -3471,14 +3788,12 @@
             <a:off x="1666875" y="6467475"/>
             <a:ext cx="76200" cy="177800"/>
           </a:xfrm>
-          <a:prstGeom prst="rect">
-            <a:avLst/>
-          </a:prstGeom>
+          <a:prstGeom prst="rect"/>
         </p:spPr>
       </p:pic>
       <p:sp>
         <p:nvSpPr>
-          <p:cNvPr id="7" name="object 7"/>
+          <p:cNvPr id="1048602" name="object 7"/>
           <p:cNvSpPr txBox="1">
             <a:spLocks noGrp="1"/>
           </p:cNvSpPr>
@@ -3491,15 +3806,12 @@
             <a:off x="755332" y="385444"/>
             <a:ext cx="4578668" cy="752129"/>
           </a:xfrm>
-          <a:prstGeom prst="rect">
-            <a:avLst/>
-          </a:prstGeom>
-        </p:spPr>
-        <p:txBody>
-          <a:bodyPr vert="horz" wrap="square" lIns="0" tIns="13335" rIns="0" bIns="0" rtlCol="0">
+          <a:prstGeom prst="rect"/>
+        </p:spPr>
+        <p:txBody>
+          <a:bodyPr bIns="0" lIns="0" rIns="0" rtlCol="0" tIns="13335" vert="horz" wrap="square">
             <a:spAutoFit/>
           </a:bodyPr>
-          <a:lstStyle/>
           <a:p>
             <a:pPr marL="12700">
               <a:lnSpc>
@@ -3510,7 +3822,7 @@
               </a:spcBef>
             </a:pPr>
             <a:r>
-              <a:rPr lang="en-IN" dirty="0"/>
+              <a:rPr dirty="0" lang="en-IN"/>
               <a:t>CONCLUSION</a:t>
             </a:r>
             <a:endParaRPr dirty="0"/>
@@ -3519,7 +3831,7 @@
       </p:sp>
       <p:sp>
         <p:nvSpPr>
-          <p:cNvPr id="9" name="object 9"/>
+          <p:cNvPr id="1048603" name="object 9"/>
           <p:cNvSpPr txBox="1"/>
           <p:nvPr/>
         </p:nvSpPr>
@@ -3528,15 +3840,12 @@
             <a:off x="11277218" y="6473337"/>
             <a:ext cx="228600" cy="191770"/>
           </a:xfrm>
-          <a:prstGeom prst="rect">
-            <a:avLst/>
-          </a:prstGeom>
-        </p:spPr>
-        <p:txBody>
-          <a:bodyPr vert="horz" wrap="square" lIns="0" tIns="6985" rIns="0" bIns="0" rtlCol="0">
+          <a:prstGeom prst="rect"/>
+        </p:spPr>
+        <p:txBody>
+          <a:bodyPr bIns="0" lIns="0" rIns="0" rtlCol="0" tIns="6985" vert="horz" wrap="square">
             <a:spAutoFit/>
           </a:bodyPr>
-          <a:lstStyle/>
           <a:p>
             <a:pPr marL="38100">
               <a:lnSpc>
@@ -3547,18 +3856,198 @@
               </a:spcBef>
             </a:pPr>
             <a:fld id="{81D60167-4931-47E6-BA6A-407CBD079E47}" type="slidenum">
-              <a:rPr sz="1100" spc="10" dirty="0">
+              <a:rPr dirty="0" sz="1100" spc="10">
                 <a:solidFill>
                   <a:srgbClr val="2D936B"/>
                 </a:solidFill>
                 <a:latin typeface="Trebuchet MS"/>
                 <a:cs typeface="Trebuchet MS"/>
               </a:rPr>
-              <a:t>11</a:t>
+              <a:t>12</a:t>
             </a:fld>
             <a:endParaRPr sz="1100">
               <a:latin typeface="Trebuchet MS"/>
               <a:cs typeface="Trebuchet MS"/>
+            </a:endParaRPr>
+          </a:p>
+        </p:txBody>
+      </p:sp>
+      <p:sp>
+        <p:nvSpPr>
+          <p:cNvPr id="1048604" name=""/>
+          <p:cNvSpPr txBox="1"/>
+          <p:nvPr/>
+        </p:nvSpPr>
+        <p:spPr>
+          <a:xfrm>
+            <a:off x="1382465" y="1497330"/>
+            <a:ext cx="7903071" cy="3863340"/>
+          </a:xfrm>
+          <a:prstGeom prst="rect"/>
+        </p:spPr>
+        <p:txBody>
+          <a:bodyPr rtlCol="0" wrap="square">
+            <a:spAutoFit/>
+          </a:bodyPr>
+          <a:p>
+            <a:r>
+              <a:rPr sz="2800" lang="en-US">
+                <a:solidFill>
+                  <a:srgbClr val="000000"/>
+                </a:solidFill>
+              </a:rPr>
+              <a:t>The development of the portfolio </a:t>
+            </a:r>
+            <a:r>
+              <a:rPr sz="2800" lang="en-US">
+                <a:solidFill>
+                  <a:srgbClr val="000000"/>
+                </a:solidFill>
+              </a:rPr>
+              <a:t>p</a:t>
+            </a:r>
+            <a:r>
+              <a:rPr sz="2800" lang="en-US">
+                <a:solidFill>
+                  <a:srgbClr val="000000"/>
+                </a:solidFill>
+              </a:rPr>
+              <a:t>r</a:t>
+            </a:r>
+            <a:r>
+              <a:rPr sz="2800" lang="en-US">
+                <a:solidFill>
+                  <a:srgbClr val="000000"/>
+                </a:solidFill>
+              </a:rPr>
+              <a:t>oject successfully achieved its goal of creating a professional, user-friendly, and visually appealing platform to showcase skills, projects, and experiences. The responsive design ensures accessibility across various devices, while the integration of multimedia elements and third-party links enhances the portfolio's effectiveness and reach.</a:t>
+            </a:r>
+            <a:endParaRPr sz="2800" lang="en-US">
+              <a:solidFill>
+                <a:srgbClr val="000000"/>
+              </a:solidFill>
+            </a:endParaRPr>
+          </a:p>
+        </p:txBody>
+      </p:sp>
+    </p:spTree>
+  </p:cSld>
+  <p:clrMapOvr>
+    <a:masterClrMapping/>
+  </p:clrMapOvr>
+</p:sld>
+</file>
+
+<file path=ppt/slides/slide13.xml><?xml version="1.0" encoding="utf-8"?>
+<p:sld xmlns:a="http://schemas.openxmlformats.org/drawingml/2006/main" xmlns:r="http://schemas.openxmlformats.org/officeDocument/2006/relationships" xmlns:p="http://schemas.openxmlformats.org/presentationml/2006/main">
+  <p:cSld>
+    <p:bg>
+      <p:bgPr>
+        <a:solidFill>
+          <a:srgbClr val="E73B50"/>
+        </a:solidFill>
+      </p:bgPr>
+    </p:bg>
+    <p:spTree>
+      <p:nvGrpSpPr>
+        <p:cNvPr id="22" name=""/>
+        <p:cNvGrpSpPr/>
+        <p:nvPr/>
+      </p:nvGrpSpPr>
+      <p:grpSpPr>
+        <a:xfrm>
+          <a:off x="0" y="0"/>
+          <a:ext cx="0" cy="0"/>
+          <a:chOff x="0" y="0"/>
+          <a:chExt cx="0" cy="0"/>
+        </a:xfrm>
+      </p:grpSpPr>
+      <p:sp>
+        <p:nvSpPr>
+          <p:cNvPr id="1048594" name=""/>
+          <p:cNvSpPr txBox="1"/>
+          <p:nvPr/>
+        </p:nvSpPr>
+        <p:spPr>
+          <a:xfrm>
+            <a:off x="3945855" y="2613661"/>
+            <a:ext cx="4000000" cy="815339"/>
+          </a:xfrm>
+          <a:prstGeom prst="rect"/>
+        </p:spPr>
+        <p:txBody>
+          <a:bodyPr rtlCol="0" wrap="square">
+            <a:spAutoFit/>
+          </a:bodyPr>
+          <a:p>
+            <a:r>
+              <a:rPr sz="4800" lang="en-US">
+                <a:solidFill>
+                  <a:srgbClr val="000000"/>
+                </a:solidFill>
+              </a:rPr>
+              <a:t>T</a:t>
+            </a:r>
+            <a:r>
+              <a:rPr sz="4800" lang="en-US">
+                <a:solidFill>
+                  <a:srgbClr val="000000"/>
+                </a:solidFill>
+              </a:rPr>
+              <a:t>h</a:t>
+            </a:r>
+            <a:r>
+              <a:rPr sz="4800" lang="en-US">
+                <a:solidFill>
+                  <a:srgbClr val="000000"/>
+                </a:solidFill>
+              </a:rPr>
+              <a:t>a</a:t>
+            </a:r>
+            <a:r>
+              <a:rPr sz="4800" lang="en-US">
+                <a:solidFill>
+                  <a:srgbClr val="000000"/>
+                </a:solidFill>
+              </a:rPr>
+              <a:t>n</a:t>
+            </a:r>
+            <a:r>
+              <a:rPr sz="4800" lang="en-US">
+                <a:solidFill>
+                  <a:srgbClr val="000000"/>
+                </a:solidFill>
+              </a:rPr>
+              <a:t>k</a:t>
+            </a:r>
+            <a:r>
+              <a:rPr sz="4800" lang="en-US">
+                <a:solidFill>
+                  <a:srgbClr val="000000"/>
+                </a:solidFill>
+              </a:rPr>
+              <a:t> </a:t>
+            </a:r>
+            <a:r>
+              <a:rPr sz="4800" lang="en-US">
+                <a:solidFill>
+                  <a:srgbClr val="000000"/>
+                </a:solidFill>
+              </a:rPr>
+              <a:t>you </a:t>
+            </a:r>
+            <a:r>
+              <a:rPr sz="4800" lang="en-US">
+                <a:solidFill>
+                  <a:srgbClr val="000000"/>
+                </a:solidFill>
+              </a:rPr>
+              <a:t>🙏🏻</a:t>
+            </a:r>
+            <a:endParaRPr sz="2800" lang="en-US">
+              <a:solidFill>
+                <a:srgbClr val="000000"/>
+              </a:solidFill>
             </a:endParaRPr>
           </a:p>
         </p:txBody>
@@ -3574,9 +4063,16 @@
 <file path=ppt/slides/slide2.xml><?xml version="1.0" encoding="utf-8"?>
 <p:sld xmlns:a="http://schemas.openxmlformats.org/drawingml/2006/main" xmlns:r="http://schemas.openxmlformats.org/officeDocument/2006/relationships" xmlns:p="http://schemas.openxmlformats.org/presentationml/2006/main" showMasterSp="0">
   <p:cSld>
+    <p:bg>
+      <p:bgPr>
+        <a:solidFill>
+          <a:srgbClr val="FF6600"/>
+        </a:solidFill>
+      </p:bgPr>
+    </p:bg>
     <p:spTree>
       <p:nvGrpSpPr>
-        <p:cNvPr id="1" name=""/>
+        <p:cNvPr id="32" name=""/>
         <p:cNvGrpSpPr/>
         <p:nvPr/>
       </p:nvGrpSpPr>
@@ -3590,20 +4086,18 @@
       </p:grpSpPr>
       <p:sp>
         <p:nvSpPr>
-          <p:cNvPr id="2" name="object 2"/>
+          <p:cNvPr id="1048627" name="object 2"/>
           <p:cNvSpPr/>
           <p:nvPr/>
         </p:nvSpPr>
         <p:spPr>
           <a:xfrm>
-            <a:off x="0" y="0"/>
+            <a:off x="0" y="-190500"/>
             <a:ext cx="12192000" cy="6858000"/>
           </a:xfrm>
           <a:custGeom>
             <a:avLst/>
-            <a:gdLst/>
             <a:ahLst/>
-            <a:cxnLst/>
             <a:rect l="l" t="t" r="r" b="b"/>
             <a:pathLst>
               <a:path w="12192000" h="6858000">
@@ -3627,12 +4121,11 @@
             </a:pathLst>
           </a:custGeom>
           <a:solidFill>
-            <a:srgbClr val="F1F1F1"/>
+            <a:srgbClr val="FFCB00"/>
           </a:solidFill>
         </p:spPr>
         <p:txBody>
-          <a:bodyPr wrap="square" lIns="0" tIns="0" rIns="0" bIns="0" rtlCol="0"/>
-          <a:lstStyle/>
+          <a:bodyPr bIns="0" lIns="0" rIns="0" rtlCol="0" tIns="0" wrap="square"/>
           <a:p>
             <a:endParaRPr dirty="0">
               <a:latin typeface="Times New Roman" panose="02020603050405020304" pitchFamily="18" charset="0"/>
@@ -3643,7 +4136,7 @@
       </p:sp>
       <p:grpSp>
         <p:nvGrpSpPr>
-          <p:cNvPr id="3" name="object 3"/>
+          <p:cNvPr id="33" name="object 3"/>
           <p:cNvGrpSpPr/>
           <p:nvPr/>
         </p:nvGrpSpPr>
@@ -3657,7 +4150,7 @@
         </p:grpSpPr>
         <p:sp>
           <p:nvSpPr>
-            <p:cNvPr id="4" name="object 4"/>
+            <p:cNvPr id="1048628" name="object 4"/>
             <p:cNvSpPr/>
             <p:nvPr/>
           </p:nvSpPr>
@@ -3668,9 +4161,7 @@
             </a:xfrm>
             <a:custGeom>
               <a:avLst/>
-              <a:gdLst/>
               <a:ahLst/>
-              <a:cxnLst/>
               <a:rect l="l" t="t" r="r" b="b"/>
               <a:pathLst>
                 <a:path w="1218565" h="6853555">
@@ -3690,16 +4181,13 @@
             </a:ln>
           </p:spPr>
           <p:txBody>
-            <a:bodyPr wrap="square" lIns="0" tIns="0" rIns="0" bIns="0" rtlCol="0"/>
-            <a:lstStyle/>
-            <a:p>
-              <a:endParaRPr/>
-            </a:p>
+            <a:bodyPr bIns="0" lIns="0" rIns="0" rtlCol="0" tIns="0" wrap="square"/>
+            <a:p/>
           </p:txBody>
         </p:sp>
         <p:sp>
           <p:nvSpPr>
-            <p:cNvPr id="5" name="object 5"/>
+            <p:cNvPr id="1048629" name="object 5"/>
             <p:cNvSpPr/>
             <p:nvPr/>
           </p:nvSpPr>
@@ -3710,9 +4198,7 @@
             </a:xfrm>
             <a:custGeom>
               <a:avLst/>
-              <a:gdLst/>
               <a:ahLst/>
-              <a:cxnLst/>
               <a:rect l="l" t="t" r="r" b="b"/>
               <a:pathLst>
                 <a:path w="4743450" h="3163570">
@@ -3732,16 +4218,13 @@
             </a:ln>
           </p:spPr>
           <p:txBody>
-            <a:bodyPr wrap="square" lIns="0" tIns="0" rIns="0" bIns="0" rtlCol="0"/>
-            <a:lstStyle/>
-            <a:p>
-              <a:endParaRPr/>
-            </a:p>
+            <a:bodyPr bIns="0" lIns="0" rIns="0" rtlCol="0" tIns="0" wrap="square"/>
+            <a:p/>
           </p:txBody>
         </p:sp>
         <p:sp>
           <p:nvSpPr>
-            <p:cNvPr id="6" name="object 6"/>
+            <p:cNvPr id="1048630" name="object 6"/>
             <p:cNvSpPr/>
             <p:nvPr/>
           </p:nvSpPr>
@@ -3752,9 +4235,7 @@
             </a:xfrm>
             <a:custGeom>
               <a:avLst/>
-              <a:gdLst/>
               <a:ahLst/>
-              <a:cxnLst/>
               <a:rect l="l" t="t" r="r" b="b"/>
               <a:pathLst>
                 <a:path w="3009900" h="6858000">
@@ -3784,16 +4265,13 @@
             </a:solidFill>
           </p:spPr>
           <p:txBody>
-            <a:bodyPr wrap="square" lIns="0" tIns="0" rIns="0" bIns="0" rtlCol="0"/>
-            <a:lstStyle/>
-            <a:p>
-              <a:endParaRPr/>
-            </a:p>
+            <a:bodyPr bIns="0" lIns="0" rIns="0" rtlCol="0" tIns="0" wrap="square"/>
+            <a:p/>
           </p:txBody>
         </p:sp>
         <p:sp>
           <p:nvSpPr>
-            <p:cNvPr id="7" name="object 7"/>
+            <p:cNvPr id="1048631" name="object 7"/>
             <p:cNvSpPr/>
             <p:nvPr/>
           </p:nvSpPr>
@@ -3804,9 +4282,7 @@
             </a:xfrm>
             <a:custGeom>
               <a:avLst/>
-              <a:gdLst/>
               <a:ahLst/>
-              <a:cxnLst/>
               <a:rect l="l" t="t" r="r" b="b"/>
               <a:pathLst>
                 <a:path w="2589529" h="6858000">
@@ -3836,16 +4312,13 @@
             </a:solidFill>
           </p:spPr>
           <p:txBody>
-            <a:bodyPr wrap="square" lIns="0" tIns="0" rIns="0" bIns="0" rtlCol="0"/>
-            <a:lstStyle/>
-            <a:p>
-              <a:endParaRPr/>
-            </a:p>
+            <a:bodyPr bIns="0" lIns="0" rIns="0" rtlCol="0" tIns="0" wrap="square"/>
+            <a:p/>
           </p:txBody>
         </p:sp>
         <p:sp>
           <p:nvSpPr>
-            <p:cNvPr id="8" name="object 8"/>
+            <p:cNvPr id="1048632" name="object 8"/>
             <p:cNvSpPr/>
             <p:nvPr/>
           </p:nvSpPr>
@@ -3856,9 +4329,7 @@
             </a:xfrm>
             <a:custGeom>
               <a:avLst/>
-              <a:gdLst/>
               <a:ahLst/>
-              <a:cxnLst/>
               <a:rect l="l" t="t" r="r" b="b"/>
               <a:pathLst>
                 <a:path w="3257550" h="3810000">
@@ -3885,16 +4356,13 @@
             </a:solidFill>
           </p:spPr>
           <p:txBody>
-            <a:bodyPr wrap="square" lIns="0" tIns="0" rIns="0" bIns="0" rtlCol="0"/>
-            <a:lstStyle/>
-            <a:p>
-              <a:endParaRPr/>
-            </a:p>
+            <a:bodyPr bIns="0" lIns="0" rIns="0" rtlCol="0" tIns="0" wrap="square"/>
+            <a:p/>
           </p:txBody>
         </p:sp>
         <p:sp>
           <p:nvSpPr>
-            <p:cNvPr id="9" name="object 9"/>
+            <p:cNvPr id="1048633" name="object 9"/>
             <p:cNvSpPr/>
             <p:nvPr/>
           </p:nvSpPr>
@@ -3905,9 +4373,7 @@
             </a:xfrm>
             <a:custGeom>
               <a:avLst/>
-              <a:gdLst/>
               <a:ahLst/>
-              <a:cxnLst/>
               <a:rect l="l" t="t" r="r" b="b"/>
               <a:pathLst>
                 <a:path w="2854325" h="6858000">
@@ -3937,16 +4403,13 @@
             </a:solidFill>
           </p:spPr>
           <p:txBody>
-            <a:bodyPr wrap="square" lIns="0" tIns="0" rIns="0" bIns="0" rtlCol="0"/>
-            <a:lstStyle/>
-            <a:p>
-              <a:endParaRPr/>
-            </a:p>
+            <a:bodyPr bIns="0" lIns="0" rIns="0" rtlCol="0" tIns="0" wrap="square"/>
+            <a:p/>
           </p:txBody>
         </p:sp>
         <p:sp>
           <p:nvSpPr>
-            <p:cNvPr id="10" name="object 10"/>
+            <p:cNvPr id="1048634" name="object 10"/>
             <p:cNvSpPr/>
             <p:nvPr/>
           </p:nvSpPr>
@@ -3957,9 +4420,7 @@
             </a:xfrm>
             <a:custGeom>
               <a:avLst/>
-              <a:gdLst/>
               <a:ahLst/>
-              <a:cxnLst/>
               <a:rect l="l" t="t" r="r" b="b"/>
               <a:pathLst>
                 <a:path w="1295400" h="6858000">
@@ -3989,16 +4450,13 @@
             </a:solidFill>
           </p:spPr>
           <p:txBody>
-            <a:bodyPr wrap="square" lIns="0" tIns="0" rIns="0" bIns="0" rtlCol="0"/>
-            <a:lstStyle/>
-            <a:p>
-              <a:endParaRPr/>
-            </a:p>
+            <a:bodyPr bIns="0" lIns="0" rIns="0" rtlCol="0" tIns="0" wrap="square"/>
+            <a:p/>
           </p:txBody>
         </p:sp>
         <p:sp>
           <p:nvSpPr>
-            <p:cNvPr id="11" name="object 11"/>
+            <p:cNvPr id="1048635" name="object 11"/>
             <p:cNvSpPr/>
             <p:nvPr/>
           </p:nvSpPr>
@@ -4009,9 +4467,7 @@
             </a:xfrm>
             <a:custGeom>
               <a:avLst/>
-              <a:gdLst/>
               <a:ahLst/>
-              <a:cxnLst/>
               <a:rect l="l" t="t" r="r" b="b"/>
               <a:pathLst>
                 <a:path w="1256029" h="6858000">
@@ -4041,16 +4497,13 @@
             </a:solidFill>
           </p:spPr>
           <p:txBody>
-            <a:bodyPr wrap="square" lIns="0" tIns="0" rIns="0" bIns="0" rtlCol="0"/>
-            <a:lstStyle/>
-            <a:p>
-              <a:endParaRPr/>
-            </a:p>
+            <a:bodyPr bIns="0" lIns="0" rIns="0" rtlCol="0" tIns="0" wrap="square"/>
+            <a:p/>
           </p:txBody>
         </p:sp>
         <p:sp>
           <p:nvSpPr>
-            <p:cNvPr id="12" name="object 12"/>
+            <p:cNvPr id="1048636" name="object 12"/>
             <p:cNvSpPr/>
             <p:nvPr/>
           </p:nvSpPr>
@@ -4061,9 +4514,7 @@
             </a:xfrm>
             <a:custGeom>
               <a:avLst/>
-              <a:gdLst/>
               <a:ahLst/>
-              <a:cxnLst/>
               <a:rect l="l" t="t" r="r" b="b"/>
               <a:pathLst>
                 <a:path w="1819275" h="3267075">
@@ -4090,17 +4541,14 @@
             </a:solidFill>
           </p:spPr>
           <p:txBody>
-            <a:bodyPr wrap="square" lIns="0" tIns="0" rIns="0" bIns="0" rtlCol="0"/>
-            <a:lstStyle/>
-            <a:p>
-              <a:endParaRPr/>
-            </a:p>
+            <a:bodyPr bIns="0" lIns="0" rIns="0" rtlCol="0" tIns="0" wrap="square"/>
+            <a:p/>
           </p:txBody>
         </p:sp>
       </p:grpSp>
       <p:sp>
         <p:nvSpPr>
-          <p:cNvPr id="13" name="object 13"/>
+          <p:cNvPr id="1048637" name="object 13"/>
           <p:cNvSpPr/>
           <p:nvPr/>
         </p:nvSpPr>
@@ -4111,9 +4559,7 @@
           </a:xfrm>
           <a:custGeom>
             <a:avLst/>
-            <a:gdLst/>
             <a:ahLst/>
-            <a:cxnLst/>
             <a:rect l="l" t="t" r="r" b="b"/>
             <a:pathLst>
               <a:path w="447675" h="2847975">
@@ -4140,16 +4586,13 @@
           </a:solidFill>
         </p:spPr>
         <p:txBody>
-          <a:bodyPr wrap="square" lIns="0" tIns="0" rIns="0" bIns="0" rtlCol="0"/>
-          <a:lstStyle/>
-          <a:p>
-            <a:endParaRPr/>
-          </a:p>
-        </p:txBody>
-      </p:sp>
-      <p:sp>
-        <p:nvSpPr>
-          <p:cNvPr id="14" name="object 14"/>
+          <a:bodyPr bIns="0" lIns="0" rIns="0" rtlCol="0" tIns="0" wrap="square"/>
+          <a:p/>
+        </p:txBody>
+      </p:sp>
+      <p:sp>
+        <p:nvSpPr>
+          <p:cNvPr id="1048638" name="object 14"/>
           <p:cNvSpPr/>
           <p:nvPr/>
         </p:nvSpPr>
@@ -4160,9 +4603,7 @@
           </a:xfrm>
           <a:custGeom>
             <a:avLst/>
-            <a:gdLst/>
             <a:ahLst/>
-            <a:cxnLst/>
             <a:rect l="l" t="t" r="r" b="b"/>
             <a:pathLst>
               <a:path w="457200" h="457200">
@@ -4190,16 +4631,13 @@
           </a:solidFill>
         </p:spPr>
         <p:txBody>
-          <a:bodyPr wrap="square" lIns="0" tIns="0" rIns="0" bIns="0" rtlCol="0"/>
-          <a:lstStyle/>
-          <a:p>
-            <a:endParaRPr/>
-          </a:p>
-        </p:txBody>
-      </p:sp>
-      <p:sp>
-        <p:nvSpPr>
-          <p:cNvPr id="15" name="object 15"/>
+          <a:bodyPr bIns="0" lIns="0" rIns="0" rtlCol="0" tIns="0" wrap="square"/>
+          <a:p/>
+        </p:txBody>
+      </p:sp>
+      <p:sp>
+        <p:nvSpPr>
+          <p:cNvPr id="1048639" name="object 15"/>
           <p:cNvSpPr/>
           <p:nvPr/>
         </p:nvSpPr>
@@ -4210,9 +4648,7 @@
           </a:xfrm>
           <a:custGeom>
             <a:avLst/>
-            <a:gdLst/>
             <a:ahLst/>
-            <a:cxnLst/>
             <a:rect l="l" t="t" r="r" b="b"/>
             <a:pathLst>
               <a:path w="314325" h="323850">
@@ -4240,16 +4676,13 @@
           </a:solidFill>
         </p:spPr>
         <p:txBody>
-          <a:bodyPr wrap="square" lIns="0" tIns="0" rIns="0" bIns="0" rtlCol="0"/>
-          <a:lstStyle/>
-          <a:p>
-            <a:endParaRPr/>
-          </a:p>
-        </p:txBody>
-      </p:sp>
-      <p:sp>
-        <p:nvSpPr>
-          <p:cNvPr id="16" name="object 16"/>
+          <a:bodyPr bIns="0" lIns="0" rIns="0" rtlCol="0" tIns="0" wrap="square"/>
+          <a:p/>
+        </p:txBody>
+      </p:sp>
+      <p:sp>
+        <p:nvSpPr>
+          <p:cNvPr id="1048640" name="object 16"/>
           <p:cNvSpPr/>
           <p:nvPr/>
         </p:nvSpPr>
@@ -4260,9 +4693,7 @@
           </a:xfrm>
           <a:custGeom>
             <a:avLst/>
-            <a:gdLst/>
             <a:ahLst/>
-            <a:cxnLst/>
             <a:rect l="l" t="t" r="r" b="b"/>
             <a:pathLst>
               <a:path w="180975" h="180975">
@@ -4290,16 +4721,13 @@
           </a:solidFill>
         </p:spPr>
         <p:txBody>
-          <a:bodyPr wrap="square" lIns="0" tIns="0" rIns="0" bIns="0" rtlCol="0"/>
-          <a:lstStyle/>
-          <a:p>
-            <a:endParaRPr/>
-          </a:p>
-        </p:txBody>
-      </p:sp>
-      <p:sp>
-        <p:nvSpPr>
-          <p:cNvPr id="17" name="object 17"/>
+          <a:bodyPr bIns="0" lIns="0" rIns="0" rtlCol="0" tIns="0" wrap="square"/>
+          <a:p/>
+        </p:txBody>
+      </p:sp>
+      <p:sp>
+        <p:nvSpPr>
+          <p:cNvPr id="1048641" name="object 17"/>
           <p:cNvSpPr txBox="1">
             <a:spLocks noGrp="1"/>
           </p:cNvSpPr>
@@ -4308,19 +4736,16 @@
           </p:nvPr>
         </p:nvSpPr>
         <p:spPr>
-          <a:xfrm>
-            <a:off x="739775" y="829627"/>
-            <a:ext cx="3909695" cy="678180"/>
-          </a:xfrm>
-          <a:prstGeom prst="rect">
-            <a:avLst/>
-          </a:prstGeom>
-        </p:spPr>
-        <p:txBody>
-          <a:bodyPr vert="horz" wrap="square" lIns="0" tIns="16510" rIns="0" bIns="0" rtlCol="0">
+          <a:xfrm rot="21586662">
+            <a:off x="319136" y="2018664"/>
+            <a:ext cx="9283741" cy="1261111"/>
+          </a:xfrm>
+          <a:prstGeom prst="rect"/>
+        </p:spPr>
+        <p:txBody>
+          <a:bodyPr bIns="0" lIns="0" rIns="0" rtlCol="0" tIns="16510" vert="horz" wrap="square">
             <a:spAutoFit/>
           </a:bodyPr>
-          <a:lstStyle/>
           <a:p>
             <a:pPr marL="12700">
               <a:lnSpc>
@@ -4331,16 +4756,91 @@
               </a:spcBef>
             </a:pPr>
             <a:r>
-              <a:rPr sz="4250" spc="5" dirty="0"/>
+              <a:rPr dirty="0" sz="4250" spc="5"/>
               <a:t>PROJECT</a:t>
             </a:r>
             <a:r>
-              <a:rPr sz="4250" spc="-85" dirty="0"/>
+              <a:rPr dirty="0" sz="4250" spc="-85"/>
               <a:t> </a:t>
             </a:r>
             <a:r>
-              <a:rPr sz="4250" spc="25" dirty="0"/>
+              <a:rPr dirty="0" sz="4250" spc="25"/>
               <a:t>TITLE</a:t>
+            </a:r>
+            <a:br>
+              <a:rPr dirty="0" sz="4250" lang="en-US" spc="25"/>
+            </a:br>
+            <a:r>
+              <a:rPr dirty="0" sz="4250" lang="en-US" spc="25"/>
+              <a:t>M</a:t>
+            </a:r>
+            <a:r>
+              <a:rPr dirty="0" sz="4250" lang="en-US" spc="25"/>
+              <a:t>O</a:t>
+            </a:r>
+            <a:r>
+              <a:rPr dirty="0" sz="4250" lang="en-US" spc="25"/>
+              <a:t>H</a:t>
+            </a:r>
+            <a:r>
+              <a:rPr dirty="0" sz="4250" lang="en-US" spc="25"/>
+              <a:t>A</a:t>
+            </a:r>
+            <a:r>
+              <a:rPr dirty="0" sz="4250" lang="en-US" spc="25"/>
+              <a:t>N</a:t>
+            </a:r>
+            <a:r>
+              <a:rPr dirty="0" sz="4250" lang="en-US" spc="25"/>
+              <a:t> </a:t>
+            </a:r>
+            <a:r>
+              <a:rPr dirty="0" sz="4250" lang="en-US" spc="25"/>
+              <a:t>P</a:t>
+            </a:r>
+            <a:r>
+              <a:rPr dirty="0" sz="4250" lang="en-US" spc="25"/>
+              <a:t>R</a:t>
+            </a:r>
+            <a:r>
+              <a:rPr dirty="0" sz="4250" lang="en-US" spc="25"/>
+              <a:t>I</a:t>
+            </a:r>
+            <a:r>
+              <a:rPr dirty="0" sz="4250" lang="en-US" spc="25"/>
+              <a:t>Y</a:t>
+            </a:r>
+            <a:r>
+              <a:rPr dirty="0" sz="4250" lang="en-US" spc="25"/>
+              <a:t>A</a:t>
+            </a:r>
+            <a:r>
+              <a:rPr dirty="0" sz="4250" lang="en-US" spc="25"/>
+              <a:t> </a:t>
+            </a:r>
+            <a:r>
+              <a:rPr dirty="0" sz="4250" lang="en-US" spc="25"/>
+              <a:t>P</a:t>
+            </a:r>
+            <a:r>
+              <a:rPr dirty="0" sz="4250" lang="en-US" spc="25"/>
+              <a:t>O</a:t>
+            </a:r>
+            <a:r>
+              <a:rPr dirty="0" sz="4250" lang="en-US" spc="25"/>
+              <a:t>R</a:t>
+            </a:r>
+            <a:r>
+              <a:rPr dirty="0" sz="4250" lang="en-US" spc="25"/>
+              <a:t>T</a:t>
+            </a:r>
+            <a:r>
+              <a:rPr dirty="0" sz="4250" lang="en-US" spc="25"/>
+              <a:t>F</a:t>
+            </a:r>
+            <a:r>
+              <a:rPr dirty="0" sz="4250" lang="en-US" spc="25"/>
+              <a:t>OLIO </a:t>
             </a:r>
             <a:endParaRPr sz="4250"/>
           </a:p>
@@ -4348,7 +4848,7 @@
       </p:sp>
       <p:grpSp>
         <p:nvGrpSpPr>
-          <p:cNvPr id="18" name="object 18"/>
+          <p:cNvPr id="34" name="object 18"/>
           <p:cNvGrpSpPr/>
           <p:nvPr/>
         </p:nvGrpSpPr>
@@ -4362,12 +4862,14 @@
         </p:grpSpPr>
         <p:pic>
           <p:nvPicPr>
-            <p:cNvPr id="19" name="object 19"/>
-            <p:cNvPicPr/>
+            <p:cNvPr id="2097160" name="object 19"/>
+            <p:cNvPicPr>
+              <a:picLocks/>
+            </p:cNvPicPr>
             <p:nvPr/>
           </p:nvPicPr>
           <p:blipFill>
-            <a:blip r:embed="rId2" cstate="print"/>
+            <a:blip xmlns:r="http://schemas.openxmlformats.org/officeDocument/2006/relationships" r:embed="rId1" cstate="print"/>
             <a:stretch>
               <a:fillRect/>
             </a:stretch>
@@ -4377,19 +4879,19 @@
               <a:off x="676275" y="6467475"/>
               <a:ext cx="2143125" cy="200025"/>
             </a:xfrm>
-            <a:prstGeom prst="rect">
-              <a:avLst/>
-            </a:prstGeom>
+            <a:prstGeom prst="rect"/>
           </p:spPr>
         </p:pic>
         <p:pic>
           <p:nvPicPr>
-            <p:cNvPr id="20" name="object 20"/>
-            <p:cNvPicPr/>
+            <p:cNvPr id="2097161" name="object 20"/>
+            <p:cNvPicPr>
+              <a:picLocks/>
+            </p:cNvPicPr>
             <p:nvPr/>
           </p:nvPicPr>
           <p:blipFill>
-            <a:blip r:embed="rId3" cstate="print"/>
+            <a:blip xmlns:r="http://schemas.openxmlformats.org/officeDocument/2006/relationships" r:embed="rId2" cstate="print"/>
             <a:stretch>
               <a:fillRect/>
             </a:stretch>
@@ -4399,15 +4901,13 @@
               <a:off x="466725" y="6410325"/>
               <a:ext cx="3705225" cy="295275"/>
             </a:xfrm>
-            <a:prstGeom prst="rect">
-              <a:avLst/>
-            </a:prstGeom>
+            <a:prstGeom prst="rect"/>
           </p:spPr>
         </p:pic>
       </p:grpSp>
       <p:sp>
         <p:nvSpPr>
-          <p:cNvPr id="22" name="object 22"/>
+          <p:cNvPr id="1048642" name="object 22"/>
           <p:cNvSpPr txBox="1">
             <a:spLocks noGrp="1"/>
           </p:cNvSpPr>
@@ -4416,15 +4916,12 @@
           </p:nvPr>
         </p:nvSpPr>
         <p:spPr>
-          <a:prstGeom prst="rect">
-            <a:avLst/>
-          </a:prstGeom>
-        </p:spPr>
-        <p:txBody>
-          <a:bodyPr vert="horz" wrap="square" lIns="0" tIns="6985" rIns="0" bIns="0" rtlCol="0">
+          <a:prstGeom prst="rect"/>
+        </p:spPr>
+        <p:txBody>
+          <a:bodyPr bIns="0" lIns="0" rIns="0" rtlCol="0" tIns="6985" vert="horz" wrap="square">
             <a:spAutoFit/>
           </a:bodyPr>
-          <a:lstStyle/>
           <a:p>
             <a:pPr marL="38100">
               <a:lnSpc>
@@ -4435,10 +4932,10 @@
               </a:spcBef>
             </a:pPr>
             <a:fld id="{81D60167-4931-47E6-BA6A-407CBD079E47}" type="slidenum">
-              <a:rPr spc="10" dirty="0"/>
+              <a:rPr dirty="0" spc="10"/>
               <a:t>2</a:t>
             </a:fld>
-            <a:endParaRPr spc="10" dirty="0"/>
+            <a:endParaRPr dirty="0" spc="10"/>
           </a:p>
         </p:txBody>
       </p:sp>
@@ -4453,9 +4950,16 @@
 <file path=ppt/slides/slide3.xml><?xml version="1.0" encoding="utf-8"?>
 <p:sld xmlns:a="http://schemas.openxmlformats.org/drawingml/2006/main" xmlns:r="http://schemas.openxmlformats.org/officeDocument/2006/relationships" xmlns:p="http://schemas.openxmlformats.org/presentationml/2006/main" showMasterSp="0">
   <p:cSld>
+    <p:bg>
+      <p:bgPr>
+        <a:solidFill>
+          <a:srgbClr val="E73B50"/>
+        </a:solidFill>
+      </p:bgPr>
+    </p:bg>
     <p:spTree>
       <p:nvGrpSpPr>
-        <p:cNvPr id="1" name=""/>
+        <p:cNvPr id="35" name=""/>
         <p:cNvGrpSpPr/>
         <p:nvPr/>
       </p:nvGrpSpPr>
@@ -4469,7 +4973,7 @@
       </p:grpSpPr>
       <p:sp>
         <p:nvSpPr>
-          <p:cNvPr id="2" name="object 2"/>
+          <p:cNvPr id="1048643" name="object 2"/>
           <p:cNvSpPr/>
           <p:nvPr/>
         </p:nvSpPr>
@@ -4480,9 +4984,7 @@
           </a:xfrm>
           <a:custGeom>
             <a:avLst/>
-            <a:gdLst/>
             <a:ahLst/>
-            <a:cxnLst/>
             <a:rect l="l" t="t" r="r" b="b"/>
             <a:pathLst>
               <a:path w="12192000" h="6858000">
@@ -4506,12 +5008,11 @@
             </a:pathLst>
           </a:custGeom>
           <a:solidFill>
-            <a:srgbClr val="F1F1F1"/>
+            <a:srgbClr val="02A5E3"/>
           </a:solidFill>
         </p:spPr>
         <p:txBody>
-          <a:bodyPr wrap="square" lIns="0" tIns="0" rIns="0" bIns="0" rtlCol="0"/>
-          <a:lstStyle/>
+          <a:bodyPr bIns="0" lIns="0" rIns="0" rtlCol="0" tIns="0" wrap="square"/>
           <a:p>
             <a:endParaRPr dirty="0"/>
           </a:p>
@@ -4519,7 +5020,7 @@
       </p:sp>
       <p:grpSp>
         <p:nvGrpSpPr>
-          <p:cNvPr id="3" name="object 3"/>
+          <p:cNvPr id="36" name="object 3"/>
           <p:cNvGrpSpPr/>
           <p:nvPr/>
         </p:nvGrpSpPr>
@@ -4533,7 +5034,7 @@
         </p:grpSpPr>
         <p:sp>
           <p:nvSpPr>
-            <p:cNvPr id="4" name="object 4"/>
+            <p:cNvPr id="1048644" name="object 4"/>
             <p:cNvSpPr/>
             <p:nvPr/>
           </p:nvSpPr>
@@ -4544,9 +5045,7 @@
             </a:xfrm>
             <a:custGeom>
               <a:avLst/>
-              <a:gdLst/>
               <a:ahLst/>
-              <a:cxnLst/>
               <a:rect l="l" t="t" r="r" b="b"/>
               <a:pathLst>
                 <a:path w="1218565" h="6853555">
@@ -4566,16 +5065,13 @@
             </a:ln>
           </p:spPr>
           <p:txBody>
-            <a:bodyPr wrap="square" lIns="0" tIns="0" rIns="0" bIns="0" rtlCol="0"/>
-            <a:lstStyle/>
-            <a:p>
-              <a:endParaRPr/>
-            </a:p>
+            <a:bodyPr bIns="0" lIns="0" rIns="0" rtlCol="0" tIns="0" wrap="square"/>
+            <a:p/>
           </p:txBody>
         </p:sp>
         <p:sp>
           <p:nvSpPr>
-            <p:cNvPr id="5" name="object 5"/>
+            <p:cNvPr id="1048645" name="object 5"/>
             <p:cNvSpPr/>
             <p:nvPr/>
           </p:nvSpPr>
@@ -4586,9 +5082,7 @@
             </a:xfrm>
             <a:custGeom>
               <a:avLst/>
-              <a:gdLst/>
               <a:ahLst/>
-              <a:cxnLst/>
               <a:rect l="l" t="t" r="r" b="b"/>
               <a:pathLst>
                 <a:path w="4743450" h="3163570">
@@ -4608,16 +5102,13 @@
             </a:ln>
           </p:spPr>
           <p:txBody>
-            <a:bodyPr wrap="square" lIns="0" tIns="0" rIns="0" bIns="0" rtlCol="0"/>
-            <a:lstStyle/>
-            <a:p>
-              <a:endParaRPr/>
-            </a:p>
+            <a:bodyPr bIns="0" lIns="0" rIns="0" rtlCol="0" tIns="0" wrap="square"/>
+            <a:p/>
           </p:txBody>
         </p:sp>
         <p:sp>
           <p:nvSpPr>
-            <p:cNvPr id="6" name="object 6"/>
+            <p:cNvPr id="1048646" name="object 6"/>
             <p:cNvSpPr/>
             <p:nvPr/>
           </p:nvSpPr>
@@ -4628,9 +5119,7 @@
             </a:xfrm>
             <a:custGeom>
               <a:avLst/>
-              <a:gdLst/>
               <a:ahLst/>
-              <a:cxnLst/>
               <a:rect l="l" t="t" r="r" b="b"/>
               <a:pathLst>
                 <a:path w="3009900" h="6858000">
@@ -4660,16 +5149,13 @@
             </a:solidFill>
           </p:spPr>
           <p:txBody>
-            <a:bodyPr wrap="square" lIns="0" tIns="0" rIns="0" bIns="0" rtlCol="0"/>
-            <a:lstStyle/>
-            <a:p>
-              <a:endParaRPr/>
-            </a:p>
+            <a:bodyPr bIns="0" lIns="0" rIns="0" rtlCol="0" tIns="0" wrap="square"/>
+            <a:p/>
           </p:txBody>
         </p:sp>
         <p:sp>
           <p:nvSpPr>
-            <p:cNvPr id="7" name="object 7"/>
+            <p:cNvPr id="1048647" name="object 7"/>
             <p:cNvSpPr/>
             <p:nvPr/>
           </p:nvSpPr>
@@ -4680,9 +5166,7 @@
             </a:xfrm>
             <a:custGeom>
               <a:avLst/>
-              <a:gdLst/>
               <a:ahLst/>
-              <a:cxnLst/>
               <a:rect l="l" t="t" r="r" b="b"/>
               <a:pathLst>
                 <a:path w="2589529" h="6858000">
@@ -4712,16 +5196,13 @@
             </a:solidFill>
           </p:spPr>
           <p:txBody>
-            <a:bodyPr wrap="square" lIns="0" tIns="0" rIns="0" bIns="0" rtlCol="0"/>
-            <a:lstStyle/>
-            <a:p>
-              <a:endParaRPr/>
-            </a:p>
+            <a:bodyPr bIns="0" lIns="0" rIns="0" rtlCol="0" tIns="0" wrap="square"/>
+            <a:p/>
           </p:txBody>
         </p:sp>
         <p:sp>
           <p:nvSpPr>
-            <p:cNvPr id="8" name="object 8"/>
+            <p:cNvPr id="1048648" name="object 8"/>
             <p:cNvSpPr/>
             <p:nvPr/>
           </p:nvSpPr>
@@ -4732,9 +5213,7 @@
             </a:xfrm>
             <a:custGeom>
               <a:avLst/>
-              <a:gdLst/>
               <a:ahLst/>
-              <a:cxnLst/>
               <a:rect l="l" t="t" r="r" b="b"/>
               <a:pathLst>
                 <a:path w="3257550" h="3810000">
@@ -4761,16 +5240,13 @@
             </a:solidFill>
           </p:spPr>
           <p:txBody>
-            <a:bodyPr wrap="square" lIns="0" tIns="0" rIns="0" bIns="0" rtlCol="0"/>
-            <a:lstStyle/>
-            <a:p>
-              <a:endParaRPr/>
-            </a:p>
+            <a:bodyPr bIns="0" lIns="0" rIns="0" rtlCol="0" tIns="0" wrap="square"/>
+            <a:p/>
           </p:txBody>
         </p:sp>
         <p:sp>
           <p:nvSpPr>
-            <p:cNvPr id="9" name="object 9"/>
+            <p:cNvPr id="1048649" name="object 9"/>
             <p:cNvSpPr/>
             <p:nvPr/>
           </p:nvSpPr>
@@ -4781,9 +5257,7 @@
             </a:xfrm>
             <a:custGeom>
               <a:avLst/>
-              <a:gdLst/>
               <a:ahLst/>
-              <a:cxnLst/>
               <a:rect l="l" t="t" r="r" b="b"/>
               <a:pathLst>
                 <a:path w="2854325" h="6858000">
@@ -4813,16 +5287,13 @@
             </a:solidFill>
           </p:spPr>
           <p:txBody>
-            <a:bodyPr wrap="square" lIns="0" tIns="0" rIns="0" bIns="0" rtlCol="0"/>
-            <a:lstStyle/>
-            <a:p>
-              <a:endParaRPr/>
-            </a:p>
+            <a:bodyPr bIns="0" lIns="0" rIns="0" rtlCol="0" tIns="0" wrap="square"/>
+            <a:p/>
           </p:txBody>
         </p:sp>
         <p:sp>
           <p:nvSpPr>
-            <p:cNvPr id="10" name="object 10"/>
+            <p:cNvPr id="1048650" name="object 10"/>
             <p:cNvSpPr/>
             <p:nvPr/>
           </p:nvSpPr>
@@ -4833,9 +5304,7 @@
             </a:xfrm>
             <a:custGeom>
               <a:avLst/>
-              <a:gdLst/>
               <a:ahLst/>
-              <a:cxnLst/>
               <a:rect l="l" t="t" r="r" b="b"/>
               <a:pathLst>
                 <a:path w="1295400" h="6858000">
@@ -4865,16 +5334,13 @@
             </a:solidFill>
           </p:spPr>
           <p:txBody>
-            <a:bodyPr wrap="square" lIns="0" tIns="0" rIns="0" bIns="0" rtlCol="0"/>
-            <a:lstStyle/>
-            <a:p>
-              <a:endParaRPr/>
-            </a:p>
+            <a:bodyPr bIns="0" lIns="0" rIns="0" rtlCol="0" tIns="0" wrap="square"/>
+            <a:p/>
           </p:txBody>
         </p:sp>
         <p:sp>
           <p:nvSpPr>
-            <p:cNvPr id="11" name="object 11"/>
+            <p:cNvPr id="1048651" name="object 11"/>
             <p:cNvSpPr/>
             <p:nvPr/>
           </p:nvSpPr>
@@ -4885,9 +5351,7 @@
             </a:xfrm>
             <a:custGeom>
               <a:avLst/>
-              <a:gdLst/>
               <a:ahLst/>
-              <a:cxnLst/>
               <a:rect l="l" t="t" r="r" b="b"/>
               <a:pathLst>
                 <a:path w="1256029" h="6858000">
@@ -4917,16 +5381,13 @@
             </a:solidFill>
           </p:spPr>
           <p:txBody>
-            <a:bodyPr wrap="square" lIns="0" tIns="0" rIns="0" bIns="0" rtlCol="0"/>
-            <a:lstStyle/>
-            <a:p>
-              <a:endParaRPr/>
-            </a:p>
+            <a:bodyPr bIns="0" lIns="0" rIns="0" rtlCol="0" tIns="0" wrap="square"/>
+            <a:p/>
           </p:txBody>
         </p:sp>
         <p:sp>
           <p:nvSpPr>
-            <p:cNvPr id="12" name="object 12"/>
+            <p:cNvPr id="1048652" name="object 12"/>
             <p:cNvSpPr/>
             <p:nvPr/>
           </p:nvSpPr>
@@ -4937,9 +5398,7 @@
             </a:xfrm>
             <a:custGeom>
               <a:avLst/>
-              <a:gdLst/>
               <a:ahLst/>
-              <a:cxnLst/>
               <a:rect l="l" t="t" r="r" b="b"/>
               <a:pathLst>
                 <a:path w="1819275" h="3267075">
@@ -4966,17 +5425,14 @@
             </a:solidFill>
           </p:spPr>
           <p:txBody>
-            <a:bodyPr wrap="square" lIns="0" tIns="0" rIns="0" bIns="0" rtlCol="0"/>
-            <a:lstStyle/>
-            <a:p>
-              <a:endParaRPr/>
-            </a:p>
+            <a:bodyPr bIns="0" lIns="0" rIns="0" rtlCol="0" tIns="0" wrap="square"/>
+            <a:p/>
           </p:txBody>
         </p:sp>
       </p:grpSp>
       <p:sp>
         <p:nvSpPr>
-          <p:cNvPr id="13" name="object 13"/>
+          <p:cNvPr id="1048653" name="object 13"/>
           <p:cNvSpPr/>
           <p:nvPr/>
         </p:nvSpPr>
@@ -4987,9 +5443,7 @@
           </a:xfrm>
           <a:custGeom>
             <a:avLst/>
-            <a:gdLst/>
             <a:ahLst/>
-            <a:cxnLst/>
             <a:rect l="l" t="t" r="r" b="b"/>
             <a:pathLst>
               <a:path w="447675" h="2847975">
@@ -5016,33 +5470,27 @@
           </a:solidFill>
         </p:spPr>
         <p:txBody>
-          <a:bodyPr wrap="square" lIns="0" tIns="0" rIns="0" bIns="0" rtlCol="0"/>
-          <a:lstStyle/>
-          <a:p>
-            <a:endParaRPr/>
-          </a:p>
-        </p:txBody>
-      </p:sp>
-      <p:sp>
-        <p:nvSpPr>
-          <p:cNvPr id="14" name="object 14"/>
+          <a:bodyPr bIns="0" lIns="0" rIns="0" rtlCol="0" tIns="0" wrap="square"/>
+          <a:p/>
+        </p:txBody>
+      </p:sp>
+      <p:sp>
+        <p:nvSpPr>
+          <p:cNvPr id="1048654" name="object 14"/>
           <p:cNvSpPr txBox="1"/>
           <p:nvPr/>
         </p:nvSpPr>
         <p:spPr>
           <a:xfrm>
             <a:off x="752475" y="6486037"/>
-            <a:ext cx="1773555" cy="166370"/>
-          </a:xfrm>
-          <a:prstGeom prst="rect">
-            <a:avLst/>
-          </a:prstGeom>
-        </p:spPr>
-        <p:txBody>
-          <a:bodyPr vert="horz" wrap="square" lIns="0" tIns="0" rIns="0" bIns="0" rtlCol="0">
+            <a:ext cx="1773555" cy="161926"/>
+          </a:xfrm>
+          <a:prstGeom prst="rect"/>
+        </p:spPr>
+        <p:txBody>
+          <a:bodyPr bIns="0" lIns="0" rIns="0" rtlCol="0" tIns="0" vert="horz" wrap="square">
             <a:spAutoFit/>
           </a:bodyPr>
-          <a:lstStyle/>
           <a:p>
             <a:pPr>
               <a:lnSpc>
@@ -5050,7 +5498,7 @@
               </a:lnSpc>
             </a:pPr>
             <a:r>
-              <a:rPr sz="1100" spc="20" dirty="0">
+              <a:rPr dirty="0" sz="1100" spc="20">
                 <a:solidFill>
                   <a:srgbClr val="2D83C3"/>
                 </a:solidFill>
@@ -5060,7 +5508,7 @@
               <a:t>3/21/202</a:t>
             </a:r>
             <a:r>
-              <a:rPr sz="1100" spc="10" dirty="0">
+              <a:rPr dirty="0" sz="1100" spc="10">
                 <a:solidFill>
                   <a:srgbClr val="2D83C3"/>
                 </a:solidFill>
@@ -5070,7 +5518,7 @@
               <a:t>4</a:t>
             </a:r>
             <a:r>
-              <a:rPr sz="1100" dirty="0">
+              <a:rPr dirty="0" sz="1100">
                 <a:solidFill>
                   <a:srgbClr val="2D83C3"/>
                 </a:solidFill>
@@ -5080,7 +5528,7 @@
               <a:t> </a:t>
             </a:r>
             <a:r>
-              <a:rPr sz="1100" spc="130" dirty="0">
+              <a:rPr dirty="0" sz="1100" spc="130">
                 <a:solidFill>
                   <a:srgbClr val="2D83C3"/>
                 </a:solidFill>
@@ -5090,7 +5538,7 @@
               <a:t> </a:t>
             </a:r>
             <a:r>
-              <a:rPr sz="1100" b="1" spc="50" dirty="0">
+              <a:rPr b="1" dirty="0" sz="1100" spc="50">
                 <a:solidFill>
                   <a:srgbClr val="2D83C3"/>
                 </a:solidFill>
@@ -5100,7 +5548,7 @@
               <a:t>A</a:t>
             </a:r>
             <a:r>
-              <a:rPr sz="1100" b="1" spc="15" dirty="0">
+              <a:rPr b="1" dirty="0" sz="1100" spc="15">
                 <a:solidFill>
                   <a:srgbClr val="2D83C3"/>
                 </a:solidFill>
@@ -5110,7 +5558,7 @@
               <a:t>nnu</a:t>
             </a:r>
             <a:r>
-              <a:rPr sz="1100" b="1" spc="10" dirty="0">
+              <a:rPr b="1" dirty="0" sz="1100" spc="10">
                 <a:solidFill>
                   <a:srgbClr val="2D83C3"/>
                 </a:solidFill>
@@ -5120,7 +5568,7 @@
               <a:t>al</a:t>
             </a:r>
             <a:r>
-              <a:rPr sz="1100" b="1" spc="-140" dirty="0">
+              <a:rPr b="1" dirty="0" sz="1100" spc="-140">
                 <a:solidFill>
                   <a:srgbClr val="2D83C3"/>
                 </a:solidFill>
@@ -5130,7 +5578,7 @@
               <a:t> </a:t>
             </a:r>
             <a:r>
-              <a:rPr sz="1100" b="1" dirty="0">
+              <a:rPr b="1" dirty="0" sz="1100">
                 <a:solidFill>
                   <a:srgbClr val="2D83C3"/>
                 </a:solidFill>
@@ -5140,7 +5588,7 @@
               <a:t>R</a:t>
             </a:r>
             <a:r>
-              <a:rPr sz="1100" b="1" spc="35" dirty="0">
+              <a:rPr b="1" dirty="0" sz="1100" spc="35">
                 <a:solidFill>
                   <a:srgbClr val="2D83C3"/>
                 </a:solidFill>
@@ -5150,7 +5598,7 @@
               <a:t>e</a:t>
             </a:r>
             <a:r>
-              <a:rPr sz="1100" b="1" spc="90" dirty="0">
+              <a:rPr b="1" dirty="0" sz="1100" spc="90">
                 <a:solidFill>
                   <a:srgbClr val="2D83C3"/>
                 </a:solidFill>
@@ -5160,7 +5608,7 @@
               <a:t>v</a:t>
             </a:r>
             <a:r>
-              <a:rPr sz="1100" b="1" spc="-35" dirty="0">
+              <a:rPr b="1" dirty="0" sz="1100" spc="-35">
                 <a:solidFill>
                   <a:srgbClr val="2D83C3"/>
                 </a:solidFill>
@@ -5170,7 +5618,7 @@
               <a:t>i</a:t>
             </a:r>
             <a:r>
-              <a:rPr sz="1100" b="1" spc="35" dirty="0">
+              <a:rPr b="1" dirty="0" sz="1100" spc="35">
                 <a:solidFill>
                   <a:srgbClr val="2D83C3"/>
                 </a:solidFill>
@@ -5180,7 +5628,7 @@
               <a:t>e</a:t>
             </a:r>
             <a:r>
-              <a:rPr sz="1100" b="1" spc="15" dirty="0">
+              <a:rPr b="1" dirty="0" sz="1100" spc="15">
                 <a:solidFill>
                   <a:srgbClr val="2D83C3"/>
                 </a:solidFill>
@@ -5198,7 +5646,7 @@
       </p:sp>
       <p:sp>
         <p:nvSpPr>
-          <p:cNvPr id="15" name="object 15"/>
+          <p:cNvPr id="1048655" name="object 15"/>
           <p:cNvSpPr/>
           <p:nvPr/>
         </p:nvSpPr>
@@ -5209,9 +5657,7 @@
           </a:xfrm>
           <a:custGeom>
             <a:avLst/>
-            <a:gdLst/>
             <a:ahLst/>
-            <a:cxnLst/>
             <a:rect l="l" t="t" r="r" b="b"/>
             <a:pathLst>
               <a:path w="361950" h="361950">
@@ -5299,16 +5745,13 @@
           </a:solidFill>
         </p:spPr>
         <p:txBody>
-          <a:bodyPr wrap="square" lIns="0" tIns="0" rIns="0" bIns="0" rtlCol="0"/>
-          <a:lstStyle/>
-          <a:p>
-            <a:endParaRPr/>
-          </a:p>
-        </p:txBody>
-      </p:sp>
-      <p:sp>
-        <p:nvSpPr>
-          <p:cNvPr id="16" name="object 16"/>
+          <a:bodyPr bIns="0" lIns="0" rIns="0" rtlCol="0" tIns="0" wrap="square"/>
+          <a:p/>
+        </p:txBody>
+      </p:sp>
+      <p:sp>
+        <p:nvSpPr>
+          <p:cNvPr id="1048656" name="object 16"/>
           <p:cNvSpPr/>
           <p:nvPr/>
         </p:nvSpPr>
@@ -5319,9 +5762,7 @@
           </a:xfrm>
           <a:custGeom>
             <a:avLst/>
-            <a:gdLst/>
             <a:ahLst/>
-            <a:cxnLst/>
             <a:rect l="l" t="t" r="r" b="b"/>
             <a:pathLst>
               <a:path w="647700" h="647700">
@@ -5469,21 +5910,20 @@
           </a:solidFill>
         </p:spPr>
         <p:txBody>
-          <a:bodyPr wrap="square" lIns="0" tIns="0" rIns="0" bIns="0" rtlCol="0"/>
-          <a:lstStyle/>
-          <a:p>
-            <a:endParaRPr/>
-          </a:p>
+          <a:bodyPr bIns="0" lIns="0" rIns="0" rtlCol="0" tIns="0" wrap="square"/>
+          <a:p/>
         </p:txBody>
       </p:sp>
       <p:pic>
         <p:nvPicPr>
-          <p:cNvPr id="17" name="object 17"/>
-          <p:cNvPicPr/>
+          <p:cNvPr id="2097162" name="object 17"/>
+          <p:cNvPicPr>
+            <a:picLocks/>
+          </p:cNvPicPr>
           <p:nvPr/>
         </p:nvPicPr>
         <p:blipFill>
-          <a:blip r:embed="rId2" cstate="print"/>
+          <a:blip xmlns:r="http://schemas.openxmlformats.org/officeDocument/2006/relationships" r:embed="rId1" cstate="print"/>
           <a:stretch>
             <a:fillRect/>
           </a:stretch>
@@ -5493,14 +5933,12 @@
             <a:off x="10687050" y="6134100"/>
             <a:ext cx="247650" cy="247650"/>
           </a:xfrm>
-          <a:prstGeom prst="rect">
-            <a:avLst/>
-          </a:prstGeom>
+          <a:prstGeom prst="rect"/>
         </p:spPr>
       </p:pic>
       <p:grpSp>
         <p:nvGrpSpPr>
-          <p:cNvPr id="18" name="object 18"/>
+          <p:cNvPr id="37" name="object 18"/>
           <p:cNvGrpSpPr/>
           <p:nvPr/>
         </p:nvGrpSpPr>
@@ -5514,12 +5952,14 @@
         </p:grpSpPr>
         <p:pic>
           <p:nvPicPr>
-            <p:cNvPr id="19" name="object 19"/>
-            <p:cNvPicPr/>
+            <p:cNvPr id="2097163" name="object 19"/>
+            <p:cNvPicPr>
+              <a:picLocks/>
+            </p:cNvPicPr>
             <p:nvPr/>
           </p:nvPicPr>
           <p:blipFill>
-            <a:blip r:embed="rId3" cstate="print"/>
+            <a:blip xmlns:r="http://schemas.openxmlformats.org/officeDocument/2006/relationships" r:embed="rId2" cstate="print"/>
             <a:stretch>
               <a:fillRect/>
             </a:stretch>
@@ -5529,19 +5969,19 @@
               <a:off x="466725" y="6410325"/>
               <a:ext cx="3705225" cy="295275"/>
             </a:xfrm>
-            <a:prstGeom prst="rect">
-              <a:avLst/>
-            </a:prstGeom>
+            <a:prstGeom prst="rect"/>
           </p:spPr>
         </p:pic>
         <p:pic>
           <p:nvPicPr>
-            <p:cNvPr id="20" name="object 20"/>
-            <p:cNvPicPr/>
+            <p:cNvPr id="2097164" name="object 20"/>
+            <p:cNvPicPr>
+              <a:picLocks/>
+            </p:cNvPicPr>
             <p:nvPr/>
           </p:nvPicPr>
           <p:blipFill>
-            <a:blip r:embed="rId4" cstate="print"/>
+            <a:blip xmlns:r="http://schemas.openxmlformats.org/officeDocument/2006/relationships" r:embed="rId3" cstate="print"/>
             <a:stretch>
               <a:fillRect/>
             </a:stretch>
@@ -5551,15 +5991,13 @@
               <a:off x="47625" y="3819523"/>
               <a:ext cx="1733550" cy="3009898"/>
             </a:xfrm>
-            <a:prstGeom prst="rect">
-              <a:avLst/>
-            </a:prstGeom>
+            <a:prstGeom prst="rect"/>
           </p:spPr>
         </p:pic>
       </p:grpSp>
       <p:sp>
         <p:nvSpPr>
-          <p:cNvPr id="21" name="object 21"/>
+          <p:cNvPr id="1048657" name="object 21"/>
           <p:cNvSpPr txBox="1">
             <a:spLocks noGrp="1"/>
           </p:cNvSpPr>
@@ -5570,17 +6008,14 @@
         <p:spPr>
           <a:xfrm>
             <a:off x="739775" y="445388"/>
-            <a:ext cx="2357120" cy="758190"/>
-          </a:xfrm>
-          <a:prstGeom prst="rect">
-            <a:avLst/>
-          </a:prstGeom>
-        </p:spPr>
-        <p:txBody>
-          <a:bodyPr vert="horz" wrap="square" lIns="0" tIns="13335" rIns="0" bIns="0" rtlCol="0">
+            <a:ext cx="4240081" cy="737236"/>
+          </a:xfrm>
+          <a:prstGeom prst="rect"/>
+        </p:spPr>
+        <p:txBody>
+          <a:bodyPr bIns="0" lIns="0" rIns="0" rtlCol="0" tIns="13335" vert="horz" wrap="square">
             <a:spAutoFit/>
           </a:bodyPr>
-          <a:lstStyle/>
           <a:p>
             <a:pPr marL="12700">
               <a:lnSpc>
@@ -5591,19 +6026,19 @@
               </a:spcBef>
             </a:pPr>
             <a:r>
-              <a:rPr spc="25" dirty="0"/>
+              <a:rPr dirty="0" spc="25"/>
               <a:t>A</a:t>
             </a:r>
             <a:r>
-              <a:rPr spc="-5" dirty="0"/>
+              <a:rPr dirty="0" spc="-5"/>
               <a:t>G</a:t>
             </a:r>
             <a:r>
-              <a:rPr spc="-35" dirty="0"/>
+              <a:rPr dirty="0" spc="-35"/>
               <a:t>E</a:t>
             </a:r>
             <a:r>
-              <a:rPr spc="15" dirty="0"/>
+              <a:rPr dirty="0" spc="15"/>
               <a:t>N</a:t>
             </a:r>
             <a:r>
@@ -5615,7 +6050,7 @@
       </p:sp>
       <p:sp>
         <p:nvSpPr>
-          <p:cNvPr id="22" name="object 22"/>
+          <p:cNvPr id="1048658" name="object 22"/>
           <p:cNvSpPr txBox="1">
             <a:spLocks noGrp="1"/>
           </p:cNvSpPr>
@@ -5624,15 +6059,12 @@
           </p:nvPr>
         </p:nvSpPr>
         <p:spPr>
-          <a:prstGeom prst="rect">
-            <a:avLst/>
-          </a:prstGeom>
-        </p:spPr>
-        <p:txBody>
-          <a:bodyPr vert="horz" wrap="square" lIns="0" tIns="6985" rIns="0" bIns="0" rtlCol="0">
+          <a:prstGeom prst="rect"/>
+        </p:spPr>
+        <p:txBody>
+          <a:bodyPr bIns="0" lIns="0" rIns="0" rtlCol="0" tIns="6985" vert="horz" wrap="square">
             <a:spAutoFit/>
           </a:bodyPr>
-          <a:lstStyle/>
           <a:p>
             <a:pPr marL="38100">
               <a:lnSpc>
@@ -5643,43 +6075,34 @@
               </a:spcBef>
             </a:pPr>
             <a:fld id="{81D60167-4931-47E6-BA6A-407CBD079E47}" type="slidenum">
-              <a:rPr spc="10" dirty="0"/>
+              <a:rPr dirty="0" spc="10"/>
               <a:t>3</a:t>
             </a:fld>
-            <a:endParaRPr spc="10" dirty="0"/>
+            <a:endParaRPr dirty="0" spc="10"/>
           </a:p>
         </p:txBody>
       </p:sp>
       <p:sp>
         <p:nvSpPr>
-          <p:cNvPr id="23" name="TextBox 22">
-            <a:extLst>
-              <a:ext uri="{FF2B5EF4-FFF2-40B4-BE49-F238E27FC236}">
-                <a16:creationId xmlns:a16="http://schemas.microsoft.com/office/drawing/2014/main" id="{D0827FA3-A9D4-0FE5-45BE-664C8C920E82}"/>
-              </a:ext>
-            </a:extLst>
-          </p:cNvPr>
+          <p:cNvPr id="1048659" name="TextBox 22"/>
           <p:cNvSpPr txBox="1"/>
           <p:nvPr/>
         </p:nvSpPr>
         <p:spPr>
           <a:xfrm>
             <a:off x="2509807" y="1041533"/>
-            <a:ext cx="5029200" cy="4832092"/>
-          </a:xfrm>
-          <a:prstGeom prst="rect">
-            <a:avLst/>
-          </a:prstGeom>
+            <a:ext cx="5029200" cy="4701540"/>
+          </a:xfrm>
+          <a:prstGeom prst="rect"/>
           <a:noFill/>
         </p:spPr>
         <p:txBody>
-          <a:bodyPr wrap="square" rtlCol="0">
+          <a:bodyPr rtlCol="0" wrap="square">
             <a:spAutoFit/>
           </a:bodyPr>
-          <a:lstStyle/>
           <a:p>
             <a:pPr algn="l"/>
-            <a:endParaRPr lang="en-US" sz="2800" b="0" i="0" dirty="0">
+            <a:endParaRPr b="0" dirty="0" sz="2800" i="0" lang="en-US">
               <a:solidFill>
                 <a:srgbClr val="0D0D0D"/>
               </a:solidFill>
@@ -5694,7 +6117,7 @@
               <a:buAutoNum type="arabicPeriod"/>
             </a:pPr>
             <a:r>
-              <a:rPr lang="en-US" sz="2800" b="0" i="0" dirty="0">
+              <a:rPr b="0" dirty="0" sz="2800" i="0" lang="en-US">
                 <a:solidFill>
                   <a:srgbClr val="0D0D0D"/>
                 </a:solidFill>
@@ -5711,7 +6134,7 @@
               <a:buAutoNum type="arabicPeriod"/>
             </a:pPr>
             <a:r>
-              <a:rPr lang="en-US" sz="2800" b="0" i="0" dirty="0">
+              <a:rPr b="0" dirty="0" sz="2800" i="0" lang="en-US">
                 <a:solidFill>
                   <a:srgbClr val="0D0D0D"/>
                 </a:solidFill>
@@ -5728,7 +6151,7 @@
               <a:buAutoNum type="arabicPeriod"/>
             </a:pPr>
             <a:r>
-              <a:rPr lang="en-US" sz="2800" b="0" i="0" dirty="0">
+              <a:rPr b="0" dirty="0" sz="2800" i="0" lang="en-US">
                 <a:solidFill>
                   <a:srgbClr val="0D0D0D"/>
                 </a:solidFill>
@@ -5745,7 +6168,7 @@
               <a:buAutoNum type="arabicPeriod"/>
             </a:pPr>
             <a:r>
-              <a:rPr lang="en-US" sz="2800" dirty="0">
+              <a:rPr dirty="0" sz="2800" lang="en-US">
                 <a:solidFill>
                   <a:srgbClr val="0D0D0D"/>
                 </a:solidFill>
@@ -5754,7 +6177,7 @@
               </a:rPr>
               <a:t>Tools and Technologies</a:t>
             </a:r>
-            <a:endParaRPr lang="en-US" sz="2800" b="0" i="0" dirty="0">
+            <a:endParaRPr b="0" dirty="0" sz="2800" i="0" lang="en-US">
               <a:solidFill>
                 <a:srgbClr val="0D0D0D"/>
               </a:solidFill>
@@ -5769,7 +6192,7 @@
               <a:buAutoNum type="arabicPeriod"/>
             </a:pPr>
             <a:r>
-              <a:rPr lang="en-US" sz="2800" b="0" i="0" dirty="0">
+              <a:rPr b="0" dirty="0" sz="2800" i="0" lang="en-US">
                 <a:solidFill>
                   <a:srgbClr val="0D0D0D"/>
                 </a:solidFill>
@@ -5786,7 +6209,7 @@
               <a:buAutoNum type="arabicPeriod"/>
             </a:pPr>
             <a:r>
-              <a:rPr lang="en-US" sz="2800" dirty="0">
+              <a:rPr dirty="0" sz="2800" lang="en-US">
                 <a:solidFill>
                   <a:srgbClr val="0D0D0D"/>
                 </a:solidFill>
@@ -5795,7 +6218,7 @@
               </a:rPr>
               <a:t>Features and Functionality</a:t>
             </a:r>
-            <a:endParaRPr lang="en-US" sz="2800" b="0" i="0" dirty="0">
+            <a:endParaRPr b="0" dirty="0" sz="2800" i="0" lang="en-US">
               <a:solidFill>
                 <a:srgbClr val="0D0D0D"/>
               </a:solidFill>
@@ -5810,7 +6233,7 @@
               <a:buAutoNum type="arabicPeriod"/>
             </a:pPr>
             <a:r>
-              <a:rPr lang="en-US" sz="2800" b="0" i="0" dirty="0">
+              <a:rPr b="0" dirty="0" sz="2800" i="0" lang="en-US">
                 <a:solidFill>
                   <a:srgbClr val="0D0D0D"/>
                 </a:solidFill>
@@ -5821,7 +6244,7 @@
               <a:t>Results and </a:t>
             </a:r>
             <a:r>
-              <a:rPr lang="en-US" sz="2800" dirty="0">
+              <a:rPr dirty="0" sz="2800" lang="en-US">
                 <a:solidFill>
                   <a:srgbClr val="0D0D0D"/>
                 </a:solidFill>
@@ -5830,7 +6253,7 @@
               </a:rPr>
               <a:t>Screenshots</a:t>
             </a:r>
-            <a:endParaRPr lang="en-US" sz="2800" b="0" i="0" dirty="0">
+            <a:endParaRPr b="0" dirty="0" sz="2800" i="0" lang="en-US">
               <a:solidFill>
                 <a:srgbClr val="0D0D0D"/>
               </a:solidFill>
@@ -5845,7 +6268,7 @@
               <a:buAutoNum type="arabicPeriod"/>
             </a:pPr>
             <a:r>
-              <a:rPr lang="en-US" sz="2800" b="0" i="0" dirty="0">
+              <a:rPr b="0" dirty="0" sz="2800" i="0" lang="en-US">
                 <a:solidFill>
                   <a:srgbClr val="0D0D0D"/>
                 </a:solidFill>
@@ -5862,7 +6285,7 @@
               <a:buAutoNum type="arabicPeriod"/>
             </a:pPr>
             <a:r>
-              <a:rPr lang="en-US" sz="2800" dirty="0" err="1">
+              <a:rPr dirty="0" sz="2800" lang="en-US" err="1">
                 <a:solidFill>
                   <a:srgbClr val="0D0D0D"/>
                 </a:solidFill>
@@ -5872,7 +6295,7 @@
               <a:t>Github</a:t>
             </a:r>
             <a:r>
-              <a:rPr lang="en-US" sz="2800" dirty="0">
+              <a:rPr dirty="0" sz="2800" lang="en-US">
                 <a:solidFill>
                   <a:srgbClr val="0D0D0D"/>
                 </a:solidFill>
@@ -5881,7 +6304,7 @@
               </a:rPr>
               <a:t> Link</a:t>
             </a:r>
-            <a:endParaRPr lang="en-US" sz="2800" b="0" i="0" dirty="0">
+            <a:endParaRPr b="0" dirty="0" sz="2800" i="0" lang="en-US">
               <a:solidFill>
                 <a:srgbClr val="0D0D0D"/>
               </a:solidFill>
@@ -5891,7 +6314,7 @@
             </a:endParaRPr>
           </a:p>
           <a:p>
-            <a:endParaRPr lang="en-IN" sz="2800" dirty="0">
+            <a:endParaRPr dirty="0" sz="2800" lang="en-IN">
               <a:latin typeface="Times New Roman" panose="02020603050405020304" pitchFamily="18" charset="0"/>
               <a:cs typeface="Times New Roman" panose="02020603050405020304" pitchFamily="18" charset="0"/>
             </a:endParaRPr>
@@ -5909,9 +6332,16 @@
 <file path=ppt/slides/slide4.xml><?xml version="1.0" encoding="utf-8"?>
 <p:sld xmlns:a="http://schemas.openxmlformats.org/drawingml/2006/main" xmlns:r="http://schemas.openxmlformats.org/officeDocument/2006/relationships" xmlns:p="http://schemas.openxmlformats.org/presentationml/2006/main">
   <p:cSld>
+    <p:bg>
+      <p:bgPr>
+        <a:solidFill>
+          <a:srgbClr val="FF6600"/>
+        </a:solidFill>
+      </p:bgPr>
+    </p:bg>
     <p:spTree>
       <p:nvGrpSpPr>
-        <p:cNvPr id="1" name=""/>
+        <p:cNvPr id="38" name=""/>
         <p:cNvGrpSpPr/>
         <p:nvPr/>
       </p:nvGrpSpPr>
@@ -5925,7 +6355,7 @@
       </p:grpSpPr>
       <p:grpSp>
         <p:nvGrpSpPr>
-          <p:cNvPr id="2" name="object 2"/>
+          <p:cNvPr id="39" name="object 2"/>
           <p:cNvGrpSpPr/>
           <p:nvPr/>
         </p:nvGrpSpPr>
@@ -5939,7 +6369,7 @@
         </p:grpSpPr>
         <p:sp>
           <p:nvSpPr>
-            <p:cNvPr id="3" name="object 3"/>
+            <p:cNvPr id="1048660" name="object 3"/>
             <p:cNvSpPr/>
             <p:nvPr/>
           </p:nvSpPr>
@@ -5950,9 +6380,7 @@
             </a:xfrm>
             <a:custGeom>
               <a:avLst/>
-              <a:gdLst/>
               <a:ahLst/>
-              <a:cxnLst/>
               <a:rect l="l" t="t" r="r" b="b"/>
               <a:pathLst>
                 <a:path w="457200" h="457200">
@@ -5980,16 +6408,13 @@
             </a:solidFill>
           </p:spPr>
           <p:txBody>
-            <a:bodyPr wrap="square" lIns="0" tIns="0" rIns="0" bIns="0" rtlCol="0"/>
-            <a:lstStyle/>
-            <a:p>
-              <a:endParaRPr/>
-            </a:p>
+            <a:bodyPr bIns="0" lIns="0" rIns="0" rtlCol="0" tIns="0" wrap="square"/>
+            <a:p/>
           </p:txBody>
         </p:sp>
         <p:sp>
           <p:nvSpPr>
-            <p:cNvPr id="4" name="object 4"/>
+            <p:cNvPr id="1048661" name="object 4"/>
             <p:cNvSpPr/>
             <p:nvPr/>
           </p:nvSpPr>
@@ -6000,9 +6425,7 @@
             </a:xfrm>
             <a:custGeom>
               <a:avLst/>
-              <a:gdLst/>
               <a:ahLst/>
-              <a:cxnLst/>
               <a:rect l="l" t="t" r="r" b="b"/>
               <a:pathLst>
                 <a:path w="180975" h="180975">
@@ -6030,21 +6453,20 @@
             </a:solidFill>
           </p:spPr>
           <p:txBody>
-            <a:bodyPr wrap="square" lIns="0" tIns="0" rIns="0" bIns="0" rtlCol="0"/>
-            <a:lstStyle/>
-            <a:p>
-              <a:endParaRPr/>
-            </a:p>
+            <a:bodyPr bIns="0" lIns="0" rIns="0" rtlCol="0" tIns="0" wrap="square"/>
+            <a:p/>
           </p:txBody>
         </p:sp>
         <p:pic>
           <p:nvPicPr>
-            <p:cNvPr id="5" name="object 5"/>
-            <p:cNvPicPr/>
+            <p:cNvPr id="2097165" name="object 5"/>
+            <p:cNvPicPr>
+              <a:picLocks/>
+            </p:cNvPicPr>
             <p:nvPr/>
           </p:nvPicPr>
           <p:blipFill>
-            <a:blip r:embed="rId2" cstate="print"/>
+            <a:blip xmlns:r="http://schemas.openxmlformats.org/officeDocument/2006/relationships" r:embed="rId1" cstate="print"/>
             <a:stretch>
               <a:fillRect/>
             </a:stretch>
@@ -6054,15 +6476,13 @@
               <a:off x="7991475" y="2933700"/>
               <a:ext cx="2762250" cy="3257550"/>
             </a:xfrm>
-            <a:prstGeom prst="rect">
-              <a:avLst/>
-            </a:prstGeom>
+            <a:prstGeom prst="rect"/>
           </p:spPr>
         </p:pic>
       </p:grpSp>
       <p:sp>
         <p:nvSpPr>
-          <p:cNvPr id="6" name="object 6"/>
+          <p:cNvPr id="1048662" name="object 6"/>
           <p:cNvSpPr/>
           <p:nvPr/>
         </p:nvSpPr>
@@ -6073,9 +6493,7 @@
           </a:xfrm>
           <a:custGeom>
             <a:avLst/>
-            <a:gdLst/>
             <a:ahLst/>
-            <a:cxnLst/>
             <a:rect l="l" t="t" r="r" b="b"/>
             <a:pathLst>
               <a:path w="314325" h="323850">
@@ -6103,16 +6521,13 @@
           </a:solidFill>
         </p:spPr>
         <p:txBody>
-          <a:bodyPr wrap="square" lIns="0" tIns="0" rIns="0" bIns="0" rtlCol="0"/>
-          <a:lstStyle/>
-          <a:p>
-            <a:endParaRPr/>
-          </a:p>
-        </p:txBody>
-      </p:sp>
-      <p:sp>
-        <p:nvSpPr>
-          <p:cNvPr id="7" name="object 7"/>
+          <a:bodyPr bIns="0" lIns="0" rIns="0" rtlCol="0" tIns="0" wrap="square"/>
+          <a:p/>
+        </p:txBody>
+      </p:sp>
+      <p:sp>
+        <p:nvSpPr>
+          <p:cNvPr id="1048663" name="object 7"/>
           <p:cNvSpPr txBox="1">
             <a:spLocks noGrp="1"/>
           </p:cNvSpPr>
@@ -6122,18 +6537,15 @@
         </p:nvSpPr>
         <p:spPr>
           <a:xfrm>
-            <a:off x="834072" y="575055"/>
-            <a:ext cx="5636895" cy="678180"/>
-          </a:xfrm>
-          <a:prstGeom prst="rect">
-            <a:avLst/>
-          </a:prstGeom>
-        </p:spPr>
-        <p:txBody>
-          <a:bodyPr vert="horz" wrap="square" lIns="0" tIns="16510" rIns="0" bIns="0" rtlCol="0">
+            <a:off x="238667" y="1104411"/>
+            <a:ext cx="7752808" cy="5045710"/>
+          </a:xfrm>
+          <a:prstGeom prst="rect"/>
+        </p:spPr>
+        <p:txBody>
+          <a:bodyPr bIns="0" lIns="0" rIns="0" rtlCol="0" tIns="16510" vert="horz" wrap="square">
             <a:spAutoFit/>
           </a:bodyPr>
-          <a:lstStyle/>
           <a:p>
             <a:pPr marL="12700">
               <a:lnSpc>
@@ -6143,73 +6555,89 @@
                 <a:spcPts val="130"/>
               </a:spcBef>
               <a:tabLst>
-                <a:tab pos="2727960" algn="l"/>
+                <a:tab algn="l" pos="2727960"/>
               </a:tabLst>
             </a:pPr>
             <a:r>
-              <a:rPr sz="4250" spc="-20" dirty="0"/>
+              <a:rPr dirty="0" sz="2800" spc="-20"/>
               <a:t>P</a:t>
             </a:r>
             <a:r>
-              <a:rPr sz="4250" spc="15" dirty="0"/>
+              <a:rPr dirty="0" sz="2800" spc="15"/>
               <a:t>ROB</a:t>
             </a:r>
             <a:r>
-              <a:rPr sz="4250" spc="55" dirty="0"/>
+              <a:rPr dirty="0" sz="2800" spc="55"/>
               <a:t>L</a:t>
             </a:r>
             <a:r>
-              <a:rPr sz="4250" spc="-20" dirty="0"/>
+              <a:rPr dirty="0" sz="2800" spc="-20"/>
               <a:t>E</a:t>
             </a:r>
             <a:r>
-              <a:rPr sz="4250" spc="20" dirty="0"/>
+              <a:rPr dirty="0" sz="2800" lang="en-US" spc="20"/>
               <a:t>M</a:t>
             </a:r>
             <a:r>
-              <a:rPr sz="4250" dirty="0"/>
-              <a:t>	</a:t>
-            </a:r>
-            <a:r>
-              <a:rPr sz="4250" spc="10" dirty="0"/>
+              <a:rPr dirty="0" sz="2800" lang="en-US" spc="20"/>
+              <a:t> </a:t>
+            </a:r>
+            <a:r>
+              <a:rPr dirty="0" sz="2800" spc="10"/>
               <a:t>S</a:t>
             </a:r>
             <a:r>
-              <a:rPr sz="4250" spc="-370" dirty="0"/>
+              <a:rPr dirty="0" sz="2800" spc="-370"/>
               <a:t>T</a:t>
             </a:r>
             <a:r>
-              <a:rPr sz="4250" spc="-375" dirty="0"/>
+              <a:rPr dirty="0" sz="2800" spc="-375"/>
               <a:t>A</a:t>
             </a:r>
             <a:r>
-              <a:rPr sz="4250" spc="15" dirty="0"/>
+              <a:rPr dirty="0" sz="2800" spc="15"/>
               <a:t>T</a:t>
             </a:r>
             <a:r>
-              <a:rPr sz="4250" spc="-10" dirty="0"/>
+              <a:rPr dirty="0" sz="2800" spc="-10"/>
               <a:t>E</a:t>
             </a:r>
             <a:r>
-              <a:rPr sz="4250" spc="-20" dirty="0"/>
+              <a:rPr dirty="0" sz="2800" spc="-20"/>
               <a:t>ME</a:t>
             </a:r>
             <a:r>
-              <a:rPr sz="4250" spc="10" dirty="0"/>
-              <a:t>NT</a:t>
-            </a:r>
+              <a:rPr dirty="0" sz="2800" spc="10"/>
+              <a:t>N</a:t>
+            </a:r>
+            <a:r>
+              <a:rPr dirty="0" sz="2800" lang="en-US" spc="10"/>
+              <a:t>T</a:t>
+            </a:r>
+            <a:br>
+              <a:rPr dirty="0" sz="2800" lang="en-US" spc="10"/>
+            </a:br>
+            <a:r>
+              <a:rPr dirty="0" sz="2800" lang="en-US" spc="10"/>
+              <a:t>Students often struggle to present their academic achievements, skills, and projects in a structured and professional manner. Traditional resumes fail to capture creativity, practical skills, and hands-on experiences, making it difficult for students to stand out in academic or career opportunities. There is a need for a digital portfolio solution that allows students to effectively showcase their competencies, projects, and growth.</a:t>
+            </a:r>
+            <a:br>
+              <a:rPr dirty="0" sz="2800" lang="en-US" spc="10"/>
+            </a:br>
             <a:endParaRPr sz="4250"/>
           </a:p>
         </p:txBody>
       </p:sp>
       <p:pic>
         <p:nvPicPr>
-          <p:cNvPr id="8" name="object 8"/>
-          <p:cNvPicPr/>
+          <p:cNvPr id="2097166" name="object 8"/>
+          <p:cNvPicPr>
+            <a:picLocks/>
+          </p:cNvPicPr>
           <p:nvPr/>
         </p:nvPicPr>
         <p:blipFill>
-          <a:blip r:embed="rId3" cstate="print"/>
+          <a:blip xmlns:r="http://schemas.openxmlformats.org/officeDocument/2006/relationships" r:embed="rId2" cstate="print"/>
           <a:stretch>
             <a:fillRect/>
           </a:stretch>
@@ -6219,14 +6647,12 @@
             <a:off x="676275" y="6467475"/>
             <a:ext cx="2143125" cy="200025"/>
           </a:xfrm>
-          <a:prstGeom prst="rect">
-            <a:avLst/>
-          </a:prstGeom>
+          <a:prstGeom prst="rect"/>
         </p:spPr>
       </p:pic>
       <p:sp>
         <p:nvSpPr>
-          <p:cNvPr id="10" name="object 10"/>
+          <p:cNvPr id="1048664" name="object 10"/>
           <p:cNvSpPr txBox="1">
             <a:spLocks noGrp="1"/>
           </p:cNvSpPr>
@@ -6235,15 +6661,12 @@
           </p:nvPr>
         </p:nvSpPr>
         <p:spPr>
-          <a:prstGeom prst="rect">
-            <a:avLst/>
-          </a:prstGeom>
-        </p:spPr>
-        <p:txBody>
-          <a:bodyPr vert="horz" wrap="square" lIns="0" tIns="6985" rIns="0" bIns="0" rtlCol="0">
+          <a:prstGeom prst="rect"/>
+        </p:spPr>
+        <p:txBody>
+          <a:bodyPr bIns="0" lIns="0" rIns="0" rtlCol="0" tIns="6985" vert="horz" wrap="square">
             <a:spAutoFit/>
           </a:bodyPr>
-          <a:lstStyle/>
           <a:p>
             <a:pPr marL="38100">
               <a:lnSpc>
@@ -6254,10 +6677,10 @@
               </a:spcBef>
             </a:pPr>
             <a:fld id="{81D60167-4931-47E6-BA6A-407CBD079E47}" type="slidenum">
-              <a:rPr spc="10" dirty="0"/>
+              <a:rPr dirty="0" spc="10"/>
               <a:t>4</a:t>
             </a:fld>
-            <a:endParaRPr spc="10" dirty="0"/>
+            <a:endParaRPr dirty="0" spc="10"/>
           </a:p>
         </p:txBody>
       </p:sp>
@@ -6272,9 +6695,16 @@
 <file path=ppt/slides/slide5.xml><?xml version="1.0" encoding="utf-8"?>
 <p:sld xmlns:a="http://schemas.openxmlformats.org/drawingml/2006/main" xmlns:r="http://schemas.openxmlformats.org/officeDocument/2006/relationships" xmlns:p="http://schemas.openxmlformats.org/presentationml/2006/main">
   <p:cSld>
+    <p:bg>
+      <p:bgPr>
+        <a:solidFill>
+          <a:srgbClr val="FF6600"/>
+        </a:solidFill>
+      </p:bgPr>
+    </p:bg>
     <p:spTree>
       <p:nvGrpSpPr>
-        <p:cNvPr id="1" name=""/>
+        <p:cNvPr id="40" name=""/>
         <p:cNvGrpSpPr/>
         <p:nvPr/>
       </p:nvGrpSpPr>
@@ -6288,7 +6718,7 @@
       </p:grpSpPr>
       <p:grpSp>
         <p:nvGrpSpPr>
-          <p:cNvPr id="2" name="object 2"/>
+          <p:cNvPr id="41" name="object 2"/>
           <p:cNvGrpSpPr/>
           <p:nvPr/>
         </p:nvGrpSpPr>
@@ -6302,7 +6732,7 @@
         </p:grpSpPr>
         <p:sp>
           <p:nvSpPr>
-            <p:cNvPr id="3" name="object 3"/>
+            <p:cNvPr id="1048665" name="object 3"/>
             <p:cNvSpPr/>
             <p:nvPr/>
           </p:nvSpPr>
@@ -6313,9 +6743,7 @@
             </a:xfrm>
             <a:custGeom>
               <a:avLst/>
-              <a:gdLst/>
               <a:ahLst/>
-              <a:cxnLst/>
               <a:rect l="l" t="t" r="r" b="b"/>
               <a:pathLst>
                 <a:path w="457200" h="457200">
@@ -6343,16 +6771,13 @@
             </a:solidFill>
           </p:spPr>
           <p:txBody>
-            <a:bodyPr wrap="square" lIns="0" tIns="0" rIns="0" bIns="0" rtlCol="0"/>
-            <a:lstStyle/>
-            <a:p>
-              <a:endParaRPr/>
-            </a:p>
+            <a:bodyPr bIns="0" lIns="0" rIns="0" rtlCol="0" tIns="0" wrap="square"/>
+            <a:p/>
           </p:txBody>
         </p:sp>
         <p:sp>
           <p:nvSpPr>
-            <p:cNvPr id="4" name="object 4"/>
+            <p:cNvPr id="1048666" name="object 4"/>
             <p:cNvSpPr/>
             <p:nvPr/>
           </p:nvSpPr>
@@ -6363,9 +6788,7 @@
             </a:xfrm>
             <a:custGeom>
               <a:avLst/>
-              <a:gdLst/>
               <a:ahLst/>
-              <a:cxnLst/>
               <a:rect l="l" t="t" r="r" b="b"/>
               <a:pathLst>
                 <a:path w="180975" h="180975">
@@ -6393,21 +6816,20 @@
             </a:solidFill>
           </p:spPr>
           <p:txBody>
-            <a:bodyPr wrap="square" lIns="0" tIns="0" rIns="0" bIns="0" rtlCol="0"/>
-            <a:lstStyle/>
-            <a:p>
-              <a:endParaRPr/>
-            </a:p>
+            <a:bodyPr bIns="0" lIns="0" rIns="0" rtlCol="0" tIns="0" wrap="square"/>
+            <a:p/>
           </p:txBody>
         </p:sp>
         <p:pic>
           <p:nvPicPr>
-            <p:cNvPr id="5" name="object 5"/>
-            <p:cNvPicPr/>
+            <p:cNvPr id="2097167" name="object 5"/>
+            <p:cNvPicPr>
+              <a:picLocks/>
+            </p:cNvPicPr>
             <p:nvPr/>
           </p:nvPicPr>
           <p:blipFill>
-            <a:blip r:embed="rId2" cstate="print"/>
+            <a:blip xmlns:r="http://schemas.openxmlformats.org/officeDocument/2006/relationships" r:embed="rId1" cstate="print"/>
             <a:stretch>
               <a:fillRect/>
             </a:stretch>
@@ -6417,15 +6839,13 @@
               <a:off x="8658225" y="2647950"/>
               <a:ext cx="3533775" cy="3810000"/>
             </a:xfrm>
-            <a:prstGeom prst="rect">
-              <a:avLst/>
-            </a:prstGeom>
+            <a:prstGeom prst="rect"/>
           </p:spPr>
         </p:pic>
       </p:grpSp>
       <p:sp>
         <p:nvSpPr>
-          <p:cNvPr id="6" name="object 6"/>
+          <p:cNvPr id="1048667" name="object 6"/>
           <p:cNvSpPr/>
           <p:nvPr/>
         </p:nvSpPr>
@@ -6436,9 +6856,7 @@
           </a:xfrm>
           <a:custGeom>
             <a:avLst/>
-            <a:gdLst/>
             <a:ahLst/>
-            <a:cxnLst/>
             <a:rect l="l" t="t" r="r" b="b"/>
             <a:pathLst>
               <a:path w="314325" h="323850">
@@ -6466,16 +6884,13 @@
           </a:solidFill>
         </p:spPr>
         <p:txBody>
-          <a:bodyPr wrap="square" lIns="0" tIns="0" rIns="0" bIns="0" rtlCol="0"/>
-          <a:lstStyle/>
-          <a:p>
-            <a:endParaRPr/>
-          </a:p>
-        </p:txBody>
-      </p:sp>
-      <p:sp>
-        <p:nvSpPr>
-          <p:cNvPr id="7" name="object 7"/>
+          <a:bodyPr bIns="0" lIns="0" rIns="0" rtlCol="0" tIns="0" wrap="square"/>
+          <a:p/>
+        </p:txBody>
+      </p:sp>
+      <p:sp>
+        <p:nvSpPr>
+          <p:cNvPr id="1048668" name="object 7"/>
           <p:cNvSpPr txBox="1">
             <a:spLocks noGrp="1"/>
           </p:cNvSpPr>
@@ -6485,18 +6900,15 @@
         </p:nvSpPr>
         <p:spPr>
           <a:xfrm>
-            <a:off x="739775" y="829627"/>
-            <a:ext cx="5263515" cy="678180"/>
-          </a:xfrm>
-          <a:prstGeom prst="rect">
-            <a:avLst/>
-          </a:prstGeom>
-        </p:spPr>
-        <p:txBody>
-          <a:bodyPr vert="horz" wrap="square" lIns="0" tIns="16510" rIns="0" bIns="0" rtlCol="0">
+            <a:off x="579908" y="469265"/>
+            <a:ext cx="8078316" cy="5350510"/>
+          </a:xfrm>
+          <a:prstGeom prst="rect"/>
+        </p:spPr>
+        <p:txBody>
+          <a:bodyPr bIns="0" lIns="0" rIns="0" rtlCol="0" tIns="16510" vert="horz" wrap="square">
             <a:spAutoFit/>
           </a:bodyPr>
-          <a:lstStyle/>
           <a:p>
             <a:pPr marL="12700">
               <a:lnSpc>
@@ -6506,16 +6918,47 @@
                 <a:spcPts val="130"/>
               </a:spcBef>
               <a:tabLst>
-                <a:tab pos="2642870" algn="l"/>
+                <a:tab algn="l" pos="2642870"/>
               </a:tabLst>
             </a:pPr>
             <a:r>
-              <a:rPr sz="4250" spc="5" dirty="0"/>
-              <a:t>PROJECT	</a:t>
-            </a:r>
-            <a:r>
-              <a:rPr sz="4250" spc="-20" dirty="0"/>
+              <a:rPr dirty="0" sz="3600" spc="5"/>
+              <a:t>PROJECT</a:t>
+            </a:r>
+            <a:r>
+              <a:rPr dirty="0" sz="3600" lang="en-US" spc="5"/>
+              <a:t> </a:t>
+            </a:r>
+            <a:r>
+              <a:rPr dirty="0" sz="3600" spc="-20"/>
               <a:t>OVERVIEW</a:t>
+            </a:r>
+            <a:br>
+              <a:rPr dirty="0" sz="700" lang="en-US" spc="-20"/>
+            </a:br>
+            <a:r>
+              <a:rPr dirty="0" sz="3600" lang="en-US" spc="-20"/>
+              <a:t>B</a:t>
+            </a:r>
+            <a:r>
+              <a:rPr dirty="0" sz="3600" lang="en-US" spc="-20"/>
+              <a:t>y</a:t>
+            </a:r>
+            <a:r>
+              <a:rPr dirty="0" sz="3600" lang="en-US" spc="-20"/>
+              <a:t> </a:t>
+            </a:r>
+            <a:r>
+              <a:rPr dirty="0" sz="3600" lang="en-US" spc="-20"/>
+              <a:t>d</a:t>
+            </a:r>
+            <a:r>
+              <a:rPr dirty="0" sz="3600" lang="en-US" spc="-20"/>
+              <a:t>e</a:t>
+            </a:r>
+            <a:r>
+              <a:rPr dirty="0" sz="3600" lang="en-US" spc="-20"/>
+              <a:t>veloping this portfolio system, students will have a personalized digital identity that goes beyond a traditional CV, enhancing their chances of securing opportunities in competitive environments. It will also provide academic institutions and recruiters with a reliable and holistic view of a student’s potential</a:t>
             </a:r>
             <a:endParaRPr sz="4250"/>
           </a:p>
@@ -6523,12 +6966,14 @@
       </p:sp>
       <p:pic>
         <p:nvPicPr>
-          <p:cNvPr id="8" name="object 8"/>
-          <p:cNvPicPr/>
+          <p:cNvPr id="2097168" name="object 8"/>
+          <p:cNvPicPr>
+            <a:picLocks/>
+          </p:cNvPicPr>
           <p:nvPr/>
         </p:nvPicPr>
         <p:blipFill>
-          <a:blip r:embed="rId3" cstate="print"/>
+          <a:blip xmlns:r="http://schemas.openxmlformats.org/officeDocument/2006/relationships" r:embed="rId2" cstate="print"/>
           <a:stretch>
             <a:fillRect/>
           </a:stretch>
@@ -6538,14 +6983,12 @@
             <a:off x="676275" y="6467475"/>
             <a:ext cx="2143125" cy="200025"/>
           </a:xfrm>
-          <a:prstGeom prst="rect">
-            <a:avLst/>
-          </a:prstGeom>
+          <a:prstGeom prst="rect"/>
         </p:spPr>
       </p:pic>
       <p:sp>
         <p:nvSpPr>
-          <p:cNvPr id="10" name="object 10"/>
+          <p:cNvPr id="1048669" name="object 10"/>
           <p:cNvSpPr txBox="1">
             <a:spLocks noGrp="1"/>
           </p:cNvSpPr>
@@ -6554,15 +6997,12 @@
           </p:nvPr>
         </p:nvSpPr>
         <p:spPr>
-          <a:prstGeom prst="rect">
-            <a:avLst/>
-          </a:prstGeom>
-        </p:spPr>
-        <p:txBody>
-          <a:bodyPr vert="horz" wrap="square" lIns="0" tIns="6985" rIns="0" bIns="0" rtlCol="0">
+          <a:prstGeom prst="rect"/>
+        </p:spPr>
+        <p:txBody>
+          <a:bodyPr bIns="0" lIns="0" rIns="0" rtlCol="0" tIns="6985" vert="horz" wrap="square">
             <a:spAutoFit/>
           </a:bodyPr>
-          <a:lstStyle/>
           <a:p>
             <a:pPr marL="38100">
               <a:lnSpc>
@@ -6573,10 +7013,10 @@
               </a:spcBef>
             </a:pPr>
             <a:fld id="{81D60167-4931-47E6-BA6A-407CBD079E47}" type="slidenum">
-              <a:rPr spc="10" dirty="0"/>
+              <a:rPr dirty="0" spc="10"/>
               <a:t>5</a:t>
             </a:fld>
-            <a:endParaRPr spc="10" dirty="0"/>
+            <a:endParaRPr dirty="0" spc="10"/>
           </a:p>
         </p:txBody>
       </p:sp>
@@ -6591,9 +7031,16 @@
 <file path=ppt/slides/slide6.xml><?xml version="1.0" encoding="utf-8"?>
 <p:sld xmlns:a="http://schemas.openxmlformats.org/drawingml/2006/main" xmlns:r="http://schemas.openxmlformats.org/officeDocument/2006/relationships" xmlns:p="http://schemas.openxmlformats.org/presentationml/2006/main">
   <p:cSld>
+    <p:bg>
+      <p:bgPr>
+        <a:solidFill>
+          <a:srgbClr val="FF6600"/>
+        </a:solidFill>
+      </p:bgPr>
+    </p:bg>
     <p:spTree>
       <p:nvGrpSpPr>
-        <p:cNvPr id="1" name=""/>
+        <p:cNvPr id="42" name=""/>
         <p:cNvGrpSpPr/>
         <p:nvPr/>
       </p:nvGrpSpPr>
@@ -6607,7 +7054,7 @@
       </p:grpSpPr>
       <p:sp>
         <p:nvSpPr>
-          <p:cNvPr id="2" name="object 2"/>
+          <p:cNvPr id="1048670" name="object 2"/>
           <p:cNvSpPr/>
           <p:nvPr/>
         </p:nvSpPr>
@@ -6618,9 +7065,7 @@
           </a:xfrm>
           <a:custGeom>
             <a:avLst/>
-            <a:gdLst/>
             <a:ahLst/>
-            <a:cxnLst/>
             <a:rect l="l" t="t" r="r" b="b"/>
             <a:pathLst>
               <a:path w="457200" h="457200">
@@ -6648,16 +7093,13 @@
           </a:solidFill>
         </p:spPr>
         <p:txBody>
-          <a:bodyPr wrap="square" lIns="0" tIns="0" rIns="0" bIns="0" rtlCol="0"/>
-          <a:lstStyle/>
-          <a:p>
-            <a:endParaRPr/>
-          </a:p>
-        </p:txBody>
-      </p:sp>
-      <p:sp>
-        <p:nvSpPr>
-          <p:cNvPr id="3" name="object 3"/>
+          <a:bodyPr bIns="0" lIns="0" rIns="0" rtlCol="0" tIns="0" wrap="square"/>
+          <a:p/>
+        </p:txBody>
+      </p:sp>
+      <p:sp>
+        <p:nvSpPr>
+          <p:cNvPr id="1048671" name="object 3"/>
           <p:cNvSpPr/>
           <p:nvPr/>
         </p:nvSpPr>
@@ -6668,9 +7110,7 @@
           </a:xfrm>
           <a:custGeom>
             <a:avLst/>
-            <a:gdLst/>
             <a:ahLst/>
-            <a:cxnLst/>
             <a:rect l="l" t="t" r="r" b="b"/>
             <a:pathLst>
               <a:path w="314325" h="323850">
@@ -6698,16 +7138,13 @@
           </a:solidFill>
         </p:spPr>
         <p:txBody>
-          <a:bodyPr wrap="square" lIns="0" tIns="0" rIns="0" bIns="0" rtlCol="0"/>
-          <a:lstStyle/>
-          <a:p>
-            <a:endParaRPr/>
-          </a:p>
-        </p:txBody>
-      </p:sp>
-      <p:sp>
-        <p:nvSpPr>
-          <p:cNvPr id="4" name="object 4"/>
+          <a:bodyPr bIns="0" lIns="0" rIns="0" rtlCol="0" tIns="0" wrap="square"/>
+          <a:p/>
+        </p:txBody>
+      </p:sp>
+      <p:sp>
+        <p:nvSpPr>
+          <p:cNvPr id="1048672" name="object 4"/>
           <p:cNvSpPr/>
           <p:nvPr/>
         </p:nvSpPr>
@@ -6718,9 +7155,7 @@
           </a:xfrm>
           <a:custGeom>
             <a:avLst/>
-            <a:gdLst/>
             <a:ahLst/>
-            <a:cxnLst/>
             <a:rect l="l" t="t" r="r" b="b"/>
             <a:pathLst>
               <a:path w="180975" h="180975">
@@ -6748,16 +7183,13 @@
           </a:solidFill>
         </p:spPr>
         <p:txBody>
-          <a:bodyPr wrap="square" lIns="0" tIns="0" rIns="0" bIns="0" rtlCol="0"/>
-          <a:lstStyle/>
-          <a:p>
-            <a:endParaRPr/>
-          </a:p>
-        </p:txBody>
-      </p:sp>
-      <p:sp>
-        <p:nvSpPr>
-          <p:cNvPr id="5" name="object 5"/>
+          <a:bodyPr bIns="0" lIns="0" rIns="0" rtlCol="0" tIns="0" wrap="square"/>
+          <a:p/>
+        </p:txBody>
+      </p:sp>
+      <p:sp>
+        <p:nvSpPr>
+          <p:cNvPr id="1048673" name="object 5"/>
           <p:cNvSpPr txBox="1">
             <a:spLocks noGrp="1"/>
           </p:cNvSpPr>
@@ -6768,17 +7200,14 @@
         <p:spPr>
           <a:xfrm>
             <a:off x="699452" y="891793"/>
-            <a:ext cx="5014595" cy="518159"/>
-          </a:xfrm>
-          <a:prstGeom prst="rect">
-            <a:avLst/>
-          </a:prstGeom>
-        </p:spPr>
-        <p:txBody>
-          <a:bodyPr vert="horz" wrap="square" lIns="0" tIns="16510" rIns="0" bIns="0" rtlCol="0">
+            <a:ext cx="5014595" cy="499110"/>
+          </a:xfrm>
+          <a:prstGeom prst="rect"/>
+        </p:spPr>
+        <p:txBody>
+          <a:bodyPr bIns="0" lIns="0" rIns="0" rtlCol="0" tIns="16510" vert="horz" wrap="square">
             <a:spAutoFit/>
           </a:bodyPr>
-          <a:lstStyle/>
           <a:p>
             <a:pPr marL="12700">
               <a:lnSpc>
@@ -6789,83 +7218,83 @@
               </a:spcBef>
             </a:pPr>
             <a:r>
-              <a:rPr sz="3200" spc="25" dirty="0"/>
+              <a:rPr dirty="0" sz="3200" spc="25"/>
               <a:t>W</a:t>
             </a:r>
             <a:r>
-              <a:rPr sz="3200" spc="-20" dirty="0"/>
+              <a:rPr dirty="0" sz="3200" spc="-20"/>
               <a:t>H</a:t>
             </a:r>
             <a:r>
-              <a:rPr sz="3200" spc="20" dirty="0"/>
+              <a:rPr dirty="0" sz="3200" spc="20"/>
               <a:t>O</a:t>
             </a:r>
             <a:r>
-              <a:rPr sz="3200" spc="-235" dirty="0"/>
+              <a:rPr dirty="0" sz="3200" spc="-235"/>
               <a:t> </a:t>
             </a:r>
             <a:r>
-              <a:rPr sz="3200" spc="-10" dirty="0"/>
+              <a:rPr dirty="0" sz="3200" spc="-10"/>
               <a:t>AR</a:t>
             </a:r>
             <a:r>
-              <a:rPr sz="3200" spc="15" dirty="0"/>
+              <a:rPr dirty="0" sz="3200" spc="15"/>
               <a:t>E</a:t>
             </a:r>
             <a:r>
-              <a:rPr sz="3200" spc="-35" dirty="0"/>
+              <a:rPr dirty="0" sz="3200" spc="-35"/>
               <a:t> </a:t>
             </a:r>
             <a:r>
-              <a:rPr sz="3200" spc="-10" dirty="0"/>
+              <a:rPr dirty="0" sz="3200" spc="-10"/>
               <a:t>T</a:t>
             </a:r>
             <a:r>
-              <a:rPr sz="3200" spc="-15" dirty="0"/>
+              <a:rPr dirty="0" sz="3200" spc="-15"/>
               <a:t>H</a:t>
             </a:r>
             <a:r>
-              <a:rPr sz="3200" spc="15" dirty="0"/>
+              <a:rPr dirty="0" sz="3200" spc="15"/>
               <a:t>E</a:t>
             </a:r>
             <a:r>
-              <a:rPr sz="3200" spc="-35" dirty="0"/>
+              <a:rPr dirty="0" sz="3200" spc="-35"/>
               <a:t> </a:t>
             </a:r>
             <a:r>
-              <a:rPr sz="3200" spc="-20" dirty="0"/>
+              <a:rPr dirty="0" sz="3200" spc="-20"/>
               <a:t>E</a:t>
             </a:r>
             <a:r>
-              <a:rPr sz="3200" spc="30" dirty="0"/>
+              <a:rPr dirty="0" sz="3200" spc="30"/>
               <a:t>N</a:t>
             </a:r>
             <a:r>
-              <a:rPr sz="3200" spc="15" dirty="0"/>
+              <a:rPr dirty="0" sz="3200" spc="15"/>
               <a:t>D</a:t>
             </a:r>
             <a:r>
-              <a:rPr sz="3200" spc="-45" dirty="0"/>
+              <a:rPr dirty="0" sz="3200" spc="-45"/>
               <a:t> </a:t>
             </a:r>
             <a:r>
-              <a:rPr sz="3200" dirty="0"/>
+              <a:rPr dirty="0" sz="3200"/>
               <a:t>U</a:t>
             </a:r>
             <a:r>
-              <a:rPr sz="3200" spc="10" dirty="0"/>
+              <a:rPr dirty="0" sz="3200" spc="10"/>
               <a:t>S</a:t>
             </a:r>
             <a:r>
-              <a:rPr sz="3200" spc="-25" dirty="0"/>
+              <a:rPr dirty="0" sz="3200" spc="-25"/>
               <a:t>E</a:t>
             </a:r>
             <a:r>
-              <a:rPr sz="3200" spc="-10" dirty="0"/>
+              <a:rPr dirty="0" sz="3200" spc="-10"/>
               <a:t>R</a:t>
             </a:r>
             <a:r>
-              <a:rPr sz="3200" spc="5" dirty="0"/>
+              <a:rPr dirty="0" sz="3200" spc="5"/>
               <a:t>S?</a:t>
             </a:r>
             <a:endParaRPr sz="3200"/>
@@ -6874,12 +7303,14 @@
       </p:sp>
       <p:pic>
         <p:nvPicPr>
-          <p:cNvPr id="6" name="object 6"/>
-          <p:cNvPicPr/>
+          <p:cNvPr id="2097169" name="object 6"/>
+          <p:cNvPicPr>
+            <a:picLocks/>
+          </p:cNvPicPr>
           <p:nvPr/>
         </p:nvPicPr>
         <p:blipFill>
-          <a:blip r:embed="rId2" cstate="print"/>
+          <a:blip xmlns:r="http://schemas.openxmlformats.org/officeDocument/2006/relationships" r:embed="rId1" cstate="print"/>
           <a:stretch>
             <a:fillRect/>
           </a:stretch>
@@ -6889,14 +7320,12 @@
             <a:off x="723900" y="6172200"/>
             <a:ext cx="2181225" cy="485775"/>
           </a:xfrm>
-          <a:prstGeom prst="rect">
-            <a:avLst/>
-          </a:prstGeom>
+          <a:prstGeom prst="rect"/>
         </p:spPr>
       </p:pic>
       <p:sp>
         <p:nvSpPr>
-          <p:cNvPr id="8" name="object 8"/>
+          <p:cNvPr id="1048674" name="object 8"/>
           <p:cNvSpPr txBox="1">
             <a:spLocks noGrp="1"/>
           </p:cNvSpPr>
@@ -6905,15 +7334,12 @@
           </p:nvPr>
         </p:nvSpPr>
         <p:spPr>
-          <a:prstGeom prst="rect">
-            <a:avLst/>
-          </a:prstGeom>
-        </p:spPr>
-        <p:txBody>
-          <a:bodyPr vert="horz" wrap="square" lIns="0" tIns="6985" rIns="0" bIns="0" rtlCol="0">
+          <a:prstGeom prst="rect"/>
+        </p:spPr>
+        <p:txBody>
+          <a:bodyPr bIns="0" lIns="0" rIns="0" rtlCol="0" tIns="6985" vert="horz" wrap="square">
             <a:spAutoFit/>
           </a:bodyPr>
-          <a:lstStyle/>
           <a:p>
             <a:pPr marL="38100">
               <a:lnSpc>
@@ -6924,10 +7350,68 @@
               </a:spcBef>
             </a:pPr>
             <a:fld id="{81D60167-4931-47E6-BA6A-407CBD079E47}" type="slidenum">
-              <a:rPr spc="10" dirty="0"/>
+              <a:rPr dirty="0" spc="10"/>
               <a:t>6</a:t>
             </a:fld>
-            <a:endParaRPr spc="10" dirty="0"/>
+            <a:endParaRPr dirty="0" spc="10"/>
+          </a:p>
+        </p:txBody>
+      </p:sp>
+      <p:sp>
+        <p:nvSpPr>
+          <p:cNvPr id="1048675" name=""/>
+          <p:cNvSpPr txBox="1"/>
+          <p:nvPr/>
+        </p:nvSpPr>
+        <p:spPr>
+          <a:xfrm>
+            <a:off x="699451" y="2471863"/>
+            <a:ext cx="7804739" cy="3393440"/>
+          </a:xfrm>
+          <a:prstGeom prst="rect"/>
+        </p:spPr>
+        <p:txBody>
+          <a:bodyPr rtlCol="0" wrap="square">
+            <a:spAutoFit/>
+          </a:bodyPr>
+          <a:p>
+            <a:r>
+              <a:rPr sz="4400" lang="en-US">
+                <a:solidFill>
+                  <a:srgbClr val="000000"/>
+                </a:solidFill>
+              </a:rPr>
+              <a:t>Primary End Users: Students</a:t>
+            </a:r>
+            <a:endParaRPr sz="2800" lang="en-US">
+              <a:solidFill>
+                <a:srgbClr val="000000"/>
+              </a:solidFill>
+            </a:endParaRPr>
+          </a:p>
+          <a:p>
+            <a:r>
+              <a:rPr sz="4400" lang="en-US">
+                <a:solidFill>
+                  <a:srgbClr val="000000"/>
+                </a:solidFill>
+              </a:rPr>
+              <a:t>S</a:t>
+            </a:r>
+            <a:r>
+              <a:rPr sz="4400" lang="en-US">
+                <a:solidFill>
+                  <a:srgbClr val="000000"/>
+                </a:solidFill>
+              </a:rPr>
+              <a:t>econdary End Users: Employers, recruiters, faculty, mentors, admission officers
+</a:t>
+            </a:r>
+            <a:endParaRPr sz="2800" lang="en-US">
+              <a:solidFill>
+                <a:srgbClr val="000000"/>
+              </a:solidFill>
+            </a:endParaRPr>
           </a:p>
         </p:txBody>
       </p:sp>
@@ -6942,9 +7426,16 @@
 <file path=ppt/slides/slide7.xml><?xml version="1.0" encoding="utf-8"?>
 <p:sld xmlns:a="http://schemas.openxmlformats.org/drawingml/2006/main" xmlns:r="http://schemas.openxmlformats.org/officeDocument/2006/relationships" xmlns:p="http://schemas.openxmlformats.org/presentationml/2006/main">
   <p:cSld>
+    <p:bg>
+      <p:bgPr>
+        <a:solidFill>
+          <a:srgbClr val="FF6600"/>
+        </a:solidFill>
+      </p:bgPr>
+    </p:bg>
     <p:spTree>
       <p:nvGrpSpPr>
-        <p:cNvPr id="1" name=""/>
+        <p:cNvPr id="43" name=""/>
         <p:cNvGrpSpPr/>
         <p:nvPr/>
       </p:nvGrpSpPr>
@@ -6958,12 +7449,14 @@
       </p:grpSpPr>
       <p:pic>
         <p:nvPicPr>
-          <p:cNvPr id="2" name="object 2"/>
-          <p:cNvPicPr/>
+          <p:cNvPr id="2097170" name="object 2"/>
+          <p:cNvPicPr>
+            <a:picLocks/>
+          </p:cNvPicPr>
           <p:nvPr/>
         </p:nvPicPr>
         <p:blipFill>
-          <a:blip r:embed="rId2" cstate="print"/>
+          <a:blip xmlns:r="http://schemas.openxmlformats.org/officeDocument/2006/relationships" r:embed="rId1" cstate="print"/>
           <a:stretch>
             <a:fillRect/>
           </a:stretch>
@@ -6973,14 +7466,12 @@
             <a:off x="0" y="1476375"/>
             <a:ext cx="2695574" cy="3248025"/>
           </a:xfrm>
-          <a:prstGeom prst="rect">
-            <a:avLst/>
-          </a:prstGeom>
+          <a:prstGeom prst="rect"/>
         </p:spPr>
       </p:pic>
       <p:sp>
         <p:nvSpPr>
-          <p:cNvPr id="3" name="object 3"/>
+          <p:cNvPr id="1048676" name="object 3"/>
           <p:cNvSpPr/>
           <p:nvPr/>
         </p:nvSpPr>
@@ -6991,9 +7482,7 @@
           </a:xfrm>
           <a:custGeom>
             <a:avLst/>
-            <a:gdLst/>
             <a:ahLst/>
-            <a:cxnLst/>
             <a:rect l="l" t="t" r="r" b="b"/>
             <a:pathLst>
               <a:path w="457200" h="457200">
@@ -7021,16 +7510,13 @@
           </a:solidFill>
         </p:spPr>
         <p:txBody>
-          <a:bodyPr wrap="square" lIns="0" tIns="0" rIns="0" bIns="0" rtlCol="0"/>
-          <a:lstStyle/>
-          <a:p>
-            <a:endParaRPr/>
-          </a:p>
-        </p:txBody>
-      </p:sp>
-      <p:sp>
-        <p:nvSpPr>
-          <p:cNvPr id="4" name="object 4"/>
+          <a:bodyPr bIns="0" lIns="0" rIns="0" rtlCol="0" tIns="0" wrap="square"/>
+          <a:p/>
+        </p:txBody>
+      </p:sp>
+      <p:sp>
+        <p:nvSpPr>
+          <p:cNvPr id="1048677" name="object 4"/>
           <p:cNvSpPr/>
           <p:nvPr/>
         </p:nvSpPr>
@@ -7041,9 +7527,7 @@
           </a:xfrm>
           <a:custGeom>
             <a:avLst/>
-            <a:gdLst/>
             <a:ahLst/>
-            <a:cxnLst/>
             <a:rect l="l" t="t" r="r" b="b"/>
             <a:pathLst>
               <a:path w="314325" h="323850">
@@ -7071,16 +7555,13 @@
           </a:solidFill>
         </p:spPr>
         <p:txBody>
-          <a:bodyPr wrap="square" lIns="0" tIns="0" rIns="0" bIns="0" rtlCol="0"/>
-          <a:lstStyle/>
-          <a:p>
-            <a:endParaRPr/>
-          </a:p>
-        </p:txBody>
-      </p:sp>
-      <p:sp>
-        <p:nvSpPr>
-          <p:cNvPr id="5" name="object 5"/>
+          <a:bodyPr bIns="0" lIns="0" rIns="0" rtlCol="0" tIns="0" wrap="square"/>
+          <a:p/>
+        </p:txBody>
+      </p:sp>
+      <p:sp>
+        <p:nvSpPr>
+          <p:cNvPr id="1048678" name="object 5"/>
           <p:cNvSpPr/>
           <p:nvPr/>
         </p:nvSpPr>
@@ -7091,9 +7572,7 @@
           </a:xfrm>
           <a:custGeom>
             <a:avLst/>
-            <a:gdLst/>
             <a:ahLst/>
-            <a:cxnLst/>
             <a:rect l="l" t="t" r="r" b="b"/>
             <a:pathLst>
               <a:path w="180975" h="180975">
@@ -7121,16 +7600,13 @@
           </a:solidFill>
         </p:spPr>
         <p:txBody>
-          <a:bodyPr wrap="square" lIns="0" tIns="0" rIns="0" bIns="0" rtlCol="0"/>
-          <a:lstStyle/>
-          <a:p>
-            <a:endParaRPr/>
-          </a:p>
-        </p:txBody>
-      </p:sp>
-      <p:sp>
-        <p:nvSpPr>
-          <p:cNvPr id="6" name="object 6"/>
+          <a:bodyPr bIns="0" lIns="0" rIns="0" rtlCol="0" tIns="0" wrap="square"/>
+          <a:p/>
+        </p:txBody>
+      </p:sp>
+      <p:sp>
+        <p:nvSpPr>
+          <p:cNvPr id="1048679" name="object 6"/>
           <p:cNvSpPr txBox="1">
             <a:spLocks noGrp="1"/>
           </p:cNvSpPr>
@@ -7141,17 +7617,14 @@
         <p:spPr>
           <a:xfrm>
             <a:off x="558165" y="857885"/>
-            <a:ext cx="9763125" cy="575310"/>
-          </a:xfrm>
-          <a:prstGeom prst="rect">
-            <a:avLst/>
-          </a:prstGeom>
-        </p:spPr>
-        <p:txBody>
-          <a:bodyPr vert="horz" wrap="square" lIns="0" tIns="13335" rIns="0" bIns="0" rtlCol="0">
+            <a:ext cx="9763125" cy="546736"/>
+          </a:xfrm>
+          <a:prstGeom prst="rect"/>
+        </p:spPr>
+        <p:txBody>
+          <a:bodyPr bIns="0" lIns="0" rIns="0" rtlCol="0" tIns="13335" vert="horz" wrap="square">
             <a:spAutoFit/>
           </a:bodyPr>
-          <a:lstStyle/>
           <a:p>
             <a:pPr marL="12700">
               <a:lnSpc>
@@ -7162,21 +7635,23 @@
               </a:spcBef>
             </a:pPr>
             <a:r>
-              <a:rPr lang="en-IN" sz="3600" spc="10" dirty="0"/>
+              <a:rPr dirty="0" sz="3600" lang="en-IN" spc="10"/>
               <a:t>TOOLS AND TECHNIQUES</a:t>
             </a:r>
-            <a:endParaRPr sz="3600" dirty="0"/>
+            <a:endParaRPr dirty="0" sz="3600"/>
           </a:p>
         </p:txBody>
       </p:sp>
       <p:pic>
         <p:nvPicPr>
-          <p:cNvPr id="7" name="object 7"/>
-          <p:cNvPicPr/>
+          <p:cNvPr id="2097171" name="object 7"/>
+          <p:cNvPicPr>
+            <a:picLocks/>
+          </p:cNvPicPr>
           <p:nvPr/>
         </p:nvPicPr>
         <p:blipFill>
-          <a:blip r:embed="rId3" cstate="print"/>
+          <a:blip xmlns:r="http://schemas.openxmlformats.org/officeDocument/2006/relationships" r:embed="rId2" cstate="print"/>
           <a:stretch>
             <a:fillRect/>
           </a:stretch>
@@ -7186,14 +7661,12 @@
             <a:off x="676275" y="6467475"/>
             <a:ext cx="2143125" cy="200025"/>
           </a:xfrm>
-          <a:prstGeom prst="rect">
-            <a:avLst/>
-          </a:prstGeom>
+          <a:prstGeom prst="rect"/>
         </p:spPr>
       </p:pic>
       <p:sp>
         <p:nvSpPr>
-          <p:cNvPr id="9" name="object 9"/>
+          <p:cNvPr id="1048680" name="object 9"/>
           <p:cNvSpPr txBox="1">
             <a:spLocks noGrp="1"/>
           </p:cNvSpPr>
@@ -7202,15 +7675,12 @@
           </p:nvPr>
         </p:nvSpPr>
         <p:spPr>
-          <a:prstGeom prst="rect">
-            <a:avLst/>
-          </a:prstGeom>
-        </p:spPr>
-        <p:txBody>
-          <a:bodyPr vert="horz" wrap="square" lIns="0" tIns="6985" rIns="0" bIns="0" rtlCol="0">
+          <a:prstGeom prst="rect"/>
+        </p:spPr>
+        <p:txBody>
+          <a:bodyPr bIns="0" lIns="0" rIns="0" rtlCol="0" tIns="6985" vert="horz" wrap="square">
             <a:spAutoFit/>
           </a:bodyPr>
-          <a:lstStyle/>
           <a:p>
             <a:pPr marL="38100">
               <a:lnSpc>
@@ -7221,10 +7691,244 @@
               </a:spcBef>
             </a:pPr>
             <a:fld id="{81D60167-4931-47E6-BA6A-407CBD079E47}" type="slidenum">
-              <a:rPr spc="10" dirty="0"/>
+              <a:rPr dirty="0" spc="10"/>
               <a:t>7</a:t>
             </a:fld>
-            <a:endParaRPr spc="10" dirty="0"/>
+            <a:endParaRPr dirty="0" spc="10"/>
+          </a:p>
+        </p:txBody>
+      </p:sp>
+      <p:sp>
+        <p:nvSpPr>
+          <p:cNvPr id="1048681" name=""/>
+          <p:cNvSpPr txBox="1"/>
+          <p:nvPr/>
+        </p:nvSpPr>
+        <p:spPr>
+          <a:xfrm>
+            <a:off x="2251713" y="2310128"/>
+            <a:ext cx="9822522" cy="2263140"/>
+          </a:xfrm>
+          <a:prstGeom prst="rect"/>
+        </p:spPr>
+        <p:txBody>
+          <a:bodyPr rtlCol="0" wrap="square">
+            <a:spAutoFit/>
+          </a:bodyPr>
+          <a:p>
+            <a:r>
+              <a:rPr sz="4800" lang="en-US">
+                <a:solidFill>
+                  <a:srgbClr val="36363D"/>
+                </a:solidFill>
+              </a:rPr>
+              <a:t>Tools: </a:t>
+            </a:r>
+            <a:r>
+              <a:rPr sz="4800" lang="en-US">
+                <a:solidFill>
+                  <a:srgbClr val="36363D"/>
+                </a:solidFill>
+              </a:rPr>
+              <a:t>t</a:t>
+            </a:r>
+            <a:r>
+              <a:rPr sz="4800" lang="en-US">
+                <a:solidFill>
+                  <a:srgbClr val="36363D"/>
+                </a:solidFill>
+              </a:rPr>
+              <a:t>r</a:t>
+            </a:r>
+            <a:r>
+              <a:rPr sz="4800" lang="en-US">
+                <a:solidFill>
+                  <a:srgbClr val="36363D"/>
+                </a:solidFill>
+              </a:rPr>
+              <a:t>e</a:t>
+            </a:r>
+            <a:r>
+              <a:rPr sz="4800" lang="en-US">
+                <a:solidFill>
+                  <a:srgbClr val="36363D"/>
+                </a:solidFill>
+              </a:rPr>
+              <a:t>b</a:t>
+            </a:r>
+            <a:r>
+              <a:rPr sz="4800" lang="en-US">
+                <a:solidFill>
+                  <a:srgbClr val="36363D"/>
+                </a:solidFill>
+              </a:rPr>
+              <a:t>e</a:t>
+            </a:r>
+            <a:r>
+              <a:rPr sz="4800" lang="en-US">
+                <a:solidFill>
+                  <a:srgbClr val="36363D"/>
+                </a:solidFill>
+              </a:rPr>
+              <a:t>d</a:t>
+            </a:r>
+            <a:r>
+              <a:rPr sz="4800" lang="en-US">
+                <a:solidFill>
+                  <a:srgbClr val="36363D"/>
+                </a:solidFill>
+              </a:rPr>
+              <a:t>i</a:t>
+            </a:r>
+            <a:r>
+              <a:rPr sz="4800" lang="en-US">
+                <a:solidFill>
+                  <a:srgbClr val="36363D"/>
+                </a:solidFill>
+              </a:rPr>
+              <a:t>t</a:t>
+            </a:r>
+            <a:endParaRPr sz="2800" lang="en-US">
+              <a:solidFill>
+                <a:srgbClr val="36363D"/>
+              </a:solidFill>
+            </a:endParaRPr>
+          </a:p>
+          <a:p>
+            <a:r>
+              <a:rPr sz="4800" lang="en-US">
+                <a:solidFill>
+                  <a:srgbClr val="36363D"/>
+                </a:solidFill>
+              </a:rPr>
+              <a:t>
+Techniques: </a:t>
+            </a:r>
+            <a:r>
+              <a:rPr sz="4800" lang="en-US">
+                <a:solidFill>
+                  <a:srgbClr val="36363D"/>
+                </a:solidFill>
+              </a:rPr>
+              <a:t>h</a:t>
+            </a:r>
+            <a:r>
+              <a:rPr sz="4800" lang="en-US">
+                <a:solidFill>
+                  <a:srgbClr val="36363D"/>
+                </a:solidFill>
+              </a:rPr>
+              <a:t>t</a:t>
+            </a:r>
+            <a:r>
+              <a:rPr sz="4800" lang="en-US">
+                <a:solidFill>
+                  <a:srgbClr val="36363D"/>
+                </a:solidFill>
+              </a:rPr>
+              <a:t>m</a:t>
+            </a:r>
+            <a:r>
+              <a:rPr sz="4800" lang="en-US">
+                <a:solidFill>
+                  <a:srgbClr val="36363D"/>
+                </a:solidFill>
+              </a:rPr>
+              <a:t>l</a:t>
+            </a:r>
+            <a:r>
+              <a:rPr sz="4800" lang="en-US">
+                <a:solidFill>
+                  <a:srgbClr val="36363D"/>
+                </a:solidFill>
+              </a:rPr>
+              <a:t>,</a:t>
+            </a:r>
+            <a:r>
+              <a:rPr sz="4800" lang="en-US">
+                <a:solidFill>
+                  <a:srgbClr val="36363D"/>
+                </a:solidFill>
+              </a:rPr>
+              <a:t>c</a:t>
+            </a:r>
+            <a:r>
+              <a:rPr sz="4800" lang="en-US">
+                <a:solidFill>
+                  <a:srgbClr val="36363D"/>
+                </a:solidFill>
+              </a:rPr>
+              <a:t>s</a:t>
+            </a:r>
+            <a:r>
+              <a:rPr sz="4800" lang="en-US">
+                <a:solidFill>
+                  <a:srgbClr val="36363D"/>
+                </a:solidFill>
+              </a:rPr>
+              <a:t>s</a:t>
+            </a:r>
+            <a:r>
+              <a:rPr sz="4800" lang="en-US">
+                <a:solidFill>
+                  <a:srgbClr val="36363D"/>
+                </a:solidFill>
+              </a:rPr>
+              <a:t>,</a:t>
+            </a:r>
+            <a:r>
+              <a:rPr sz="4800" lang="en-US">
+                <a:solidFill>
+                  <a:srgbClr val="36363D"/>
+                </a:solidFill>
+              </a:rPr>
+              <a:t>j</a:t>
+            </a:r>
+            <a:r>
+              <a:rPr sz="4800" lang="en-US">
+                <a:solidFill>
+                  <a:srgbClr val="36363D"/>
+                </a:solidFill>
+              </a:rPr>
+              <a:t>a</a:t>
+            </a:r>
+            <a:r>
+              <a:rPr sz="4800" lang="en-US">
+                <a:solidFill>
+                  <a:srgbClr val="36363D"/>
+                </a:solidFill>
+              </a:rPr>
+              <a:t>v</a:t>
+            </a:r>
+            <a:r>
+              <a:rPr sz="4800" lang="en-US">
+                <a:solidFill>
+                  <a:srgbClr val="36363D"/>
+                </a:solidFill>
+              </a:rPr>
+              <a:t>a</a:t>
+            </a:r>
+            <a:r>
+              <a:rPr sz="4800" lang="en-US">
+                <a:solidFill>
+                  <a:srgbClr val="36363D"/>
+                </a:solidFill>
+              </a:rPr>
+              <a:t> </a:t>
+            </a:r>
+            <a:r>
+              <a:rPr sz="4800" lang="en-US">
+                <a:solidFill>
+                  <a:srgbClr val="36363D"/>
+                </a:solidFill>
+              </a:rPr>
+              <a:t>script </a:t>
+            </a:r>
+            <a:endParaRPr sz="2800" lang="en-US">
+              <a:solidFill>
+                <a:srgbClr val="36363D"/>
+              </a:solidFill>
+            </a:endParaRPr>
           </a:p>
         </p:txBody>
       </p:sp>
@@ -7239,9 +7943,16 @@
 <file path=ppt/slides/slide8.xml><?xml version="1.0" encoding="utf-8"?>
 <p:sld xmlns:a="http://schemas.openxmlformats.org/drawingml/2006/main" xmlns:r="http://schemas.openxmlformats.org/officeDocument/2006/relationships" xmlns:p="http://schemas.openxmlformats.org/presentationml/2006/main">
   <p:cSld>
+    <p:bg>
+      <p:bgPr>
+        <a:solidFill>
+          <a:srgbClr val="FF6600"/>
+        </a:solidFill>
+      </p:bgPr>
+    </p:bg>
     <p:spTree>
       <p:nvGrpSpPr>
-        <p:cNvPr id="1" name=""/>
+        <p:cNvPr id="44" name=""/>
         <p:cNvGrpSpPr/>
         <p:nvPr/>
       </p:nvGrpSpPr>
@@ -7255,7 +7966,7 @@
       </p:grpSpPr>
       <p:sp>
         <p:nvSpPr>
-          <p:cNvPr id="5" name="object 5"/>
+          <p:cNvPr id="1048682" name="object 5"/>
           <p:cNvSpPr/>
           <p:nvPr/>
         </p:nvSpPr>
@@ -7266,9 +7977,7 @@
           </a:xfrm>
           <a:custGeom>
             <a:avLst/>
-            <a:gdLst/>
             <a:ahLst/>
-            <a:cxnLst/>
             <a:rect l="l" t="t" r="r" b="b"/>
             <a:pathLst>
               <a:path w="180975" h="180975">
@@ -7296,21 +8005,20 @@
           </a:solidFill>
         </p:spPr>
         <p:txBody>
-          <a:bodyPr wrap="square" lIns="0" tIns="0" rIns="0" bIns="0" rtlCol="0"/>
-          <a:lstStyle/>
-          <a:p>
-            <a:endParaRPr/>
-          </a:p>
+          <a:bodyPr bIns="0" lIns="0" rIns="0" rtlCol="0" tIns="0" wrap="square"/>
+          <a:p/>
         </p:txBody>
       </p:sp>
       <p:pic>
         <p:nvPicPr>
-          <p:cNvPr id="6" name="object 6"/>
-          <p:cNvPicPr/>
+          <p:cNvPr id="2097172" name="object 6"/>
+          <p:cNvPicPr>
+            <a:picLocks/>
+          </p:cNvPicPr>
           <p:nvPr/>
         </p:nvPicPr>
         <p:blipFill>
-          <a:blip r:embed="rId2" cstate="print"/>
+          <a:blip xmlns:r="http://schemas.openxmlformats.org/officeDocument/2006/relationships" r:embed="rId1" cstate="print"/>
           <a:stretch>
             <a:fillRect/>
           </a:stretch>
@@ -7320,14 +8028,12 @@
             <a:off x="1666875" y="6467475"/>
             <a:ext cx="76200" cy="177800"/>
           </a:xfrm>
-          <a:prstGeom prst="rect">
-            <a:avLst/>
-          </a:prstGeom>
+          <a:prstGeom prst="rect"/>
         </p:spPr>
       </p:pic>
       <p:sp>
         <p:nvSpPr>
-          <p:cNvPr id="9" name="object 9"/>
+          <p:cNvPr id="1048683" name="object 9"/>
           <p:cNvSpPr txBox="1"/>
           <p:nvPr/>
         </p:nvSpPr>
@@ -7336,15 +8042,12 @@
             <a:off x="11277218" y="6473337"/>
             <a:ext cx="228600" cy="191770"/>
           </a:xfrm>
-          <a:prstGeom prst="rect">
-            <a:avLst/>
-          </a:prstGeom>
-        </p:spPr>
-        <p:txBody>
-          <a:bodyPr vert="horz" wrap="square" lIns="0" tIns="6985" rIns="0" bIns="0" rtlCol="0">
+          <a:prstGeom prst="rect"/>
+        </p:spPr>
+        <p:txBody>
+          <a:bodyPr bIns="0" lIns="0" rIns="0" rtlCol="0" tIns="6985" vert="horz" wrap="square">
             <a:spAutoFit/>
           </a:bodyPr>
-          <a:lstStyle/>
           <a:p>
             <a:pPr marL="38100">
               <a:lnSpc>
@@ -7355,7 +8058,7 @@
               </a:spcBef>
             </a:pPr>
             <a:fld id="{81D60167-4931-47E6-BA6A-407CBD079E47}" type="slidenum">
-              <a:rPr sz="1100" spc="10" dirty="0">
+              <a:rPr dirty="0" sz="1100" spc="10">
                 <a:solidFill>
                   <a:srgbClr val="2D936B"/>
                 </a:solidFill>
@@ -7373,7 +8076,7 @@
       </p:sp>
       <p:sp>
         <p:nvSpPr>
-          <p:cNvPr id="8" name="object 8"/>
+          <p:cNvPr id="1048684" name="object 8"/>
           <p:cNvSpPr txBox="1"/>
           <p:nvPr/>
         </p:nvSpPr>
@@ -7382,15 +8085,12 @@
             <a:off x="739775" y="291147"/>
             <a:ext cx="8794750" cy="629018"/>
           </a:xfrm>
-          <a:prstGeom prst="rect">
-            <a:avLst/>
-          </a:prstGeom>
-        </p:spPr>
-        <p:txBody>
-          <a:bodyPr vert="horz" wrap="square" lIns="0" tIns="13335" rIns="0" bIns="0" rtlCol="0">
+          <a:prstGeom prst="rect"/>
+        </p:spPr>
+        <p:txBody>
+          <a:bodyPr bIns="0" lIns="0" rIns="0" rtlCol="0" tIns="13335" vert="horz" wrap="square">
             <a:spAutoFit/>
           </a:bodyPr>
-          <a:lstStyle/>
           <a:p>
             <a:pPr marL="12700">
               <a:lnSpc>
@@ -7401,13 +8101,13 @@
               </a:spcBef>
             </a:pPr>
             <a:r>
-              <a:rPr lang="en-IN" sz="4000" b="1" spc="15" dirty="0">
+              <a:rPr b="1" dirty="0" sz="4000" lang="en-IN" spc="15">
                 <a:latin typeface="Trebuchet MS"/>
                 <a:cs typeface="Trebuchet MS"/>
               </a:rPr>
               <a:t>POTFOLIO DESIGN AND LAYOUT</a:t>
             </a:r>
-            <a:endParaRPr sz="4000" dirty="0">
+            <a:endParaRPr dirty="0" sz="4000">
               <a:latin typeface="Trebuchet MS"/>
               <a:cs typeface="Trebuchet MS"/>
             </a:endParaRPr>
@@ -7416,7 +8116,7 @@
       </p:sp>
       <p:sp>
         <p:nvSpPr>
-          <p:cNvPr id="14" name="object 3"/>
+          <p:cNvPr id="1048685" name="object 3"/>
           <p:cNvSpPr/>
           <p:nvPr/>
         </p:nvSpPr>
@@ -7427,9 +8127,7 @@
           </a:xfrm>
           <a:custGeom>
             <a:avLst/>
-            <a:gdLst/>
             <a:ahLst/>
-            <a:cxnLst/>
             <a:rect l="l" t="t" r="r" b="b"/>
             <a:pathLst>
               <a:path w="457200" h="457200">
@@ -7457,13 +8155,33 @@
           </a:solidFill>
         </p:spPr>
         <p:txBody>
-          <a:bodyPr wrap="square" lIns="0" tIns="0" rIns="0" bIns="0" rtlCol="0"/>
-          <a:lstStyle/>
-          <a:p>
-            <a:endParaRPr/>
-          </a:p>
-        </p:txBody>
-      </p:sp>
+          <a:bodyPr bIns="0" lIns="0" rIns="0" rtlCol="0" tIns="0" wrap="square"/>
+          <a:p/>
+        </p:txBody>
+      </p:sp>
+      <p:pic>
+        <p:nvPicPr>
+          <p:cNvPr id="2097194" name=""/>
+          <p:cNvPicPr>
+            <a:picLocks/>
+          </p:cNvPicPr>
+          <p:nvPr/>
+        </p:nvPicPr>
+        <p:blipFill>
+          <a:blip xmlns:r="http://schemas.openxmlformats.org/officeDocument/2006/relationships" r:embed="rId2"/>
+          <a:srcRect l="11062" r="11062"/>
+          <a:stretch>
+            <a:fillRect/>
+          </a:stretch>
+        </p:blipFill>
+        <p:spPr>
+          <a:xfrm rot="21548664">
+            <a:off x="3676735" y="1352368"/>
+            <a:ext cx="2792457" cy="5266588"/>
+          </a:xfrm>
+          <a:prstGeom prst="rect"/>
+        </p:spPr>
+      </p:pic>
     </p:spTree>
   </p:cSld>
   <p:clrMapOvr>
@@ -7475,9 +8193,16 @@
 <file path=ppt/slides/slide9.xml><?xml version="1.0" encoding="utf-8"?>
 <p:sld xmlns:a="http://schemas.openxmlformats.org/drawingml/2006/main" xmlns:r="http://schemas.openxmlformats.org/officeDocument/2006/relationships" xmlns:p="http://schemas.openxmlformats.org/presentationml/2006/main">
   <p:cSld>
+    <p:bg>
+      <p:bgPr>
+        <a:solidFill>
+          <a:srgbClr val="FF6600"/>
+        </a:solidFill>
+      </p:bgPr>
+    </p:bg>
     <p:spTree>
       <p:nvGrpSpPr>
-        <p:cNvPr id="1" name=""/>
+        <p:cNvPr id="45" name=""/>
         <p:cNvGrpSpPr/>
         <p:nvPr/>
       </p:nvGrpSpPr>
@@ -7491,38 +8216,1136 @@
       </p:grpSpPr>
       <p:sp>
         <p:nvSpPr>
-          <p:cNvPr id="2" name="Title 1">
-            <a:extLst>
-              <a:ext uri="{FF2B5EF4-FFF2-40B4-BE49-F238E27FC236}">
-                <a16:creationId xmlns:a16="http://schemas.microsoft.com/office/drawing/2014/main" id="{6E06195E-16D6-79D8-7A9F-F8EB1FE9E212}"/>
-              </a:ext>
-            </a:extLst>
-          </p:cNvPr>
-          <p:cNvSpPr>
-            <a:spLocks noGrp="1"/>
-          </p:cNvSpPr>
-          <p:nvPr>
-            <p:ph type="title"/>
-          </p:nvPr>
-        </p:nvSpPr>
-        <p:spPr/>
-        <p:txBody>
-          <a:bodyPr/>
-          <a:lstStyle/>
+          <p:cNvPr id="1048686" name=""/>
+          <p:cNvSpPr txBox="1"/>
+          <p:nvPr/>
+        </p:nvSpPr>
+        <p:spPr>
+          <a:xfrm rot="12165">
+            <a:off x="11787" y="1031238"/>
+            <a:ext cx="11541641" cy="6682739"/>
+          </a:xfrm>
+          <a:prstGeom prst="rect"/>
+        </p:spPr>
+        <p:txBody>
+          <a:bodyPr rtlCol="0" wrap="square">
+            <a:spAutoFit/>
+          </a:bodyPr>
           <a:p>
-            <a:r>
-              <a:rPr lang="en-IN" dirty="0"/>
-              <a:t>FEATURES AND FUNCTIONALITY</a:t>
-            </a:r>
+            <a:endParaRPr sz="2800" lang="en-US">
+              <a:solidFill>
+                <a:srgbClr val="000000"/>
+              </a:solidFill>
+            </a:endParaRPr>
           </a:p>
+          <a:p>
+            <a:r>
+              <a:rPr sz="3600" lang="en-US">
+                <a:solidFill>
+                  <a:srgbClr val="000000"/>
+                </a:solidFill>
+              </a:rPr>
+              <a:t>•</a:t>
+            </a:r>
+            <a:r>
+              <a:rPr sz="3600" lang="en-US">
+                <a:solidFill>
+                  <a:srgbClr val="000000"/>
+                </a:solidFill>
+              </a:rPr>
+              <a:t>Homepage: Welcome, brief intro &amp; navigation</a:t>
+            </a:r>
+            <a:endParaRPr sz="2800" lang="en-US">
+              <a:solidFill>
+                <a:srgbClr val="000000"/>
+              </a:solidFill>
+            </a:endParaRPr>
+          </a:p>
+          <a:p>
+            <a:r>
+              <a:rPr sz="3600" lang="en-US">
+                <a:solidFill>
+                  <a:srgbClr val="000000"/>
+                </a:solidFill>
+              </a:rPr>
+              <a:t>•</a:t>
+            </a:r>
+            <a:r>
+              <a:rPr sz="3600" lang="en-US">
+                <a:solidFill>
+                  <a:srgbClr val="000000"/>
+                </a:solidFill>
+              </a:rPr>
+              <a:t>About Me:Studying Details</a:t>
+            </a:r>
+            <a:endParaRPr sz="2800" lang="en-US">
+              <a:solidFill>
+                <a:srgbClr val="000000"/>
+              </a:solidFill>
+            </a:endParaRPr>
+          </a:p>
+          <a:p>
+            <a:r>
+              <a:rPr sz="3600" lang="en-US">
+                <a:solidFill>
+                  <a:srgbClr val="000000"/>
+                </a:solidFill>
+              </a:rPr>
+              <a:t>•</a:t>
+            </a:r>
+            <a:r>
+              <a:rPr sz="3600" lang="en-US">
+                <a:solidFill>
+                  <a:srgbClr val="000000"/>
+                </a:solidFill>
+              </a:rPr>
+              <a:t>C</a:t>
+            </a:r>
+            <a:r>
+              <a:rPr sz="3600" lang="en-US">
+                <a:solidFill>
+                  <a:srgbClr val="000000"/>
+                </a:solidFill>
+              </a:rPr>
+              <a:t>e</a:t>
+            </a:r>
+            <a:r>
+              <a:rPr sz="3600" lang="en-US">
+                <a:solidFill>
+                  <a:srgbClr val="000000"/>
+                </a:solidFill>
+              </a:rPr>
+              <a:t>r</a:t>
+            </a:r>
+            <a:r>
+              <a:rPr sz="3600" lang="en-US">
+                <a:solidFill>
+                  <a:srgbClr val="000000"/>
+                </a:solidFill>
+              </a:rPr>
+              <a:t>tificate</a:t>
+            </a:r>
+            <a:r>
+              <a:rPr sz="3600" lang="en-US">
+                <a:solidFill>
+                  <a:srgbClr val="000000"/>
+                </a:solidFill>
+              </a:rPr>
+              <a:t>:</a:t>
+            </a:r>
+            <a:r>
+              <a:rPr sz="3600" lang="en-US">
+                <a:solidFill>
+                  <a:srgbClr val="000000"/>
+                </a:solidFill>
+              </a:rPr>
+              <a:t> </a:t>
+            </a:r>
+            <a:r>
+              <a:rPr sz="3600" lang="en-US">
+                <a:solidFill>
+                  <a:srgbClr val="000000"/>
+                </a:solidFill>
+              </a:rPr>
+              <a:t>W</a:t>
+            </a:r>
+            <a:r>
+              <a:rPr sz="3600" lang="en-US">
+                <a:solidFill>
+                  <a:srgbClr val="000000"/>
+                </a:solidFill>
+              </a:rPr>
+              <a:t>e</a:t>
+            </a:r>
+            <a:r>
+              <a:rPr sz="3600" lang="en-US">
+                <a:solidFill>
+                  <a:srgbClr val="000000"/>
+                </a:solidFill>
+              </a:rPr>
+              <a:t> </a:t>
+            </a:r>
+            <a:r>
+              <a:rPr sz="3600" lang="en-US">
+                <a:solidFill>
+                  <a:srgbClr val="000000"/>
+                </a:solidFill>
+              </a:rPr>
+              <a:t>d</a:t>
+            </a:r>
+            <a:r>
+              <a:rPr sz="3600" lang="en-US">
+                <a:solidFill>
+                  <a:srgbClr val="000000"/>
+                </a:solidFill>
+              </a:rPr>
+              <a:t>e</a:t>
+            </a:r>
+            <a:r>
+              <a:rPr sz="3600" lang="en-US">
+                <a:solidFill>
+                  <a:srgbClr val="000000"/>
+                </a:solidFill>
+              </a:rPr>
+              <a:t>v</a:t>
+            </a:r>
+            <a:r>
+              <a:rPr sz="3600" lang="en-US">
+                <a:solidFill>
+                  <a:srgbClr val="000000"/>
+                </a:solidFill>
+              </a:rPr>
+              <a:t>elop</a:t>
+            </a:r>
+            <a:r>
+              <a:rPr sz="3600" lang="en-US">
+                <a:solidFill>
+                  <a:srgbClr val="000000"/>
+                </a:solidFill>
+              </a:rPr>
+              <a:t>e</a:t>
+            </a:r>
+            <a:r>
+              <a:rPr sz="3600" lang="en-US">
+                <a:solidFill>
+                  <a:srgbClr val="000000"/>
+                </a:solidFill>
+              </a:rPr>
+              <a:t>d</a:t>
+            </a:r>
+            <a:r>
+              <a:rPr sz="3600" lang="en-US">
+                <a:solidFill>
+                  <a:srgbClr val="000000"/>
+                </a:solidFill>
+              </a:rPr>
+              <a:t> </a:t>
+            </a:r>
+            <a:r>
+              <a:rPr sz="3600" lang="en-US">
+                <a:solidFill>
+                  <a:srgbClr val="000000"/>
+                </a:solidFill>
+              </a:rPr>
+              <a:t>f</a:t>
+            </a:r>
+            <a:r>
+              <a:rPr sz="3600" lang="en-US">
+                <a:solidFill>
+                  <a:srgbClr val="000000"/>
+                </a:solidFill>
+              </a:rPr>
+              <a:t>u</a:t>
+            </a:r>
+            <a:r>
+              <a:rPr sz="3600" lang="en-US">
+                <a:solidFill>
+                  <a:srgbClr val="000000"/>
+                </a:solidFill>
+              </a:rPr>
+              <a:t>n</a:t>
+            </a:r>
+            <a:r>
+              <a:rPr sz="3600" lang="en-US">
+                <a:solidFill>
+                  <a:srgbClr val="000000"/>
+                </a:solidFill>
+              </a:rPr>
+              <a:t>d</a:t>
+            </a:r>
+            <a:r>
+              <a:rPr sz="3600" lang="en-US">
+                <a:solidFill>
+                  <a:srgbClr val="000000"/>
+                </a:solidFill>
+              </a:rPr>
+              <a:t>a</a:t>
+            </a:r>
+            <a:r>
+              <a:rPr sz="3600" lang="en-US">
+                <a:solidFill>
+                  <a:srgbClr val="000000"/>
+                </a:solidFill>
+              </a:rPr>
+              <a:t>mental </a:t>
+            </a:r>
+            <a:endParaRPr sz="2800" lang="en-US">
+              <a:solidFill>
+                <a:srgbClr val="000000"/>
+              </a:solidFill>
+            </a:endParaRPr>
+          </a:p>
+          <a:p>
+            <a:r>
+              <a:rPr sz="3600" lang="en-US">
+                <a:solidFill>
+                  <a:srgbClr val="000000"/>
+                </a:solidFill>
+              </a:rPr>
+              <a:t>•</a:t>
+            </a:r>
+            <a:r>
+              <a:rPr sz="3600" lang="en-US">
+                <a:solidFill>
+                  <a:srgbClr val="000000"/>
+                </a:solidFill>
+              </a:rPr>
+              <a:t>E</a:t>
+            </a:r>
+            <a:r>
+              <a:rPr sz="3600" lang="en-US">
+                <a:solidFill>
+                  <a:srgbClr val="000000"/>
+                </a:solidFill>
+              </a:rPr>
+              <a:t>d</a:t>
+            </a:r>
+            <a:r>
+              <a:rPr sz="3600" lang="en-US">
+                <a:solidFill>
+                  <a:srgbClr val="000000"/>
+                </a:solidFill>
+              </a:rPr>
+              <a:t>u</a:t>
+            </a:r>
+            <a:r>
+              <a:rPr sz="3600" lang="en-US">
+                <a:solidFill>
+                  <a:srgbClr val="000000"/>
+                </a:solidFill>
+              </a:rPr>
+              <a:t>cation</a:t>
+            </a:r>
+            <a:r>
+              <a:rPr sz="3600" lang="en-US">
+                <a:solidFill>
+                  <a:srgbClr val="000000"/>
+                </a:solidFill>
+              </a:rPr>
+              <a:t>:</a:t>
+            </a:r>
+            <a:r>
+              <a:rPr sz="3600" lang="en-US">
+                <a:solidFill>
+                  <a:srgbClr val="000000"/>
+                </a:solidFill>
+              </a:rPr>
+              <a:t> </a:t>
+            </a:r>
+            <a:r>
+              <a:rPr sz="3600" lang="en-US">
+                <a:solidFill>
+                  <a:srgbClr val="000000"/>
+                </a:solidFill>
+              </a:rPr>
+              <a:t>B</a:t>
+            </a:r>
+            <a:r>
+              <a:rPr sz="3600" lang="en-US">
+                <a:solidFill>
+                  <a:srgbClr val="000000"/>
+                </a:solidFill>
+              </a:rPr>
+              <a:t>.</a:t>
+            </a:r>
+            <a:r>
+              <a:rPr sz="3600" lang="en-US">
+                <a:solidFill>
+                  <a:srgbClr val="000000"/>
+                </a:solidFill>
+              </a:rPr>
+              <a:t>s</a:t>
+            </a:r>
+            <a:r>
+              <a:rPr sz="3600" lang="en-US">
+                <a:solidFill>
+                  <a:srgbClr val="000000"/>
+                </a:solidFill>
+              </a:rPr>
+              <a:t>c</a:t>
+            </a:r>
+            <a:r>
+              <a:rPr sz="3600" lang="en-US">
+                <a:solidFill>
+                  <a:srgbClr val="000000"/>
+                </a:solidFill>
+              </a:rPr>
+              <a:t> </a:t>
+            </a:r>
+            <a:r>
+              <a:rPr sz="3600" lang="en-US">
+                <a:solidFill>
+                  <a:srgbClr val="000000"/>
+                </a:solidFill>
+              </a:rPr>
+              <a:t>C</a:t>
+            </a:r>
+            <a:r>
+              <a:rPr sz="3600" lang="en-US">
+                <a:solidFill>
+                  <a:srgbClr val="000000"/>
+                </a:solidFill>
+              </a:rPr>
+              <a:t>o</a:t>
+            </a:r>
+            <a:r>
+              <a:rPr sz="3600" lang="en-US">
+                <a:solidFill>
+                  <a:srgbClr val="000000"/>
+                </a:solidFill>
+              </a:rPr>
+              <a:t>m</a:t>
+            </a:r>
+            <a:r>
+              <a:rPr sz="3600" lang="en-US">
+                <a:solidFill>
+                  <a:srgbClr val="000000"/>
+                </a:solidFill>
+              </a:rPr>
+              <a:t>p</a:t>
+            </a:r>
+            <a:r>
+              <a:rPr sz="3600" lang="en-US">
+                <a:solidFill>
+                  <a:srgbClr val="000000"/>
+                </a:solidFill>
+              </a:rPr>
+              <a:t>u</a:t>
+            </a:r>
+            <a:r>
+              <a:rPr sz="3600" lang="en-US">
+                <a:solidFill>
+                  <a:srgbClr val="000000"/>
+                </a:solidFill>
+              </a:rPr>
+              <a:t>ter </a:t>
+            </a:r>
+            <a:r>
+              <a:rPr sz="3600" lang="en-US">
+                <a:solidFill>
+                  <a:srgbClr val="000000"/>
+                </a:solidFill>
+              </a:rPr>
+              <a:t>science </a:t>
+            </a:r>
+            <a:r>
+              <a:rPr sz="3600" lang="en-US">
+                <a:solidFill>
+                  <a:srgbClr val="000000"/>
+                </a:solidFill>
+              </a:rPr>
+              <a:t>B</a:t>
+            </a:r>
+            <a:r>
+              <a:rPr sz="3600" lang="en-US">
+                <a:solidFill>
+                  <a:srgbClr val="000000"/>
+                </a:solidFill>
+              </a:rPr>
+              <a:t>h</a:t>
+            </a:r>
+            <a:r>
+              <a:rPr sz="3600" lang="en-US">
+                <a:solidFill>
+                  <a:srgbClr val="000000"/>
+                </a:solidFill>
+              </a:rPr>
+              <a:t>a</a:t>
+            </a:r>
+            <a:r>
+              <a:rPr sz="3600" lang="en-US">
+                <a:solidFill>
+                  <a:srgbClr val="000000"/>
+                </a:solidFill>
+              </a:rPr>
+              <a:t>r</a:t>
+            </a:r>
+            <a:r>
+              <a:rPr sz="3600" lang="en-US">
+                <a:solidFill>
+                  <a:srgbClr val="000000"/>
+                </a:solidFill>
+              </a:rPr>
+              <a:t>a</a:t>
+            </a:r>
+            <a:r>
+              <a:rPr sz="3600" lang="en-US">
+                <a:solidFill>
+                  <a:srgbClr val="000000"/>
+                </a:solidFill>
+              </a:rPr>
+              <a:t>t</a:t>
+            </a:r>
+            <a:r>
+              <a:rPr sz="3600" lang="en-US">
+                <a:solidFill>
+                  <a:srgbClr val="000000"/>
+                </a:solidFill>
+              </a:rPr>
+              <a:t>h</a:t>
+            </a:r>
+            <a:r>
+              <a:rPr sz="3600" lang="en-US">
+                <a:solidFill>
+                  <a:srgbClr val="000000"/>
+                </a:solidFill>
+              </a:rPr>
+              <a:t>iyar </a:t>
+            </a:r>
+            <a:r>
+              <a:rPr sz="3600" lang="en-US">
+                <a:solidFill>
+                  <a:srgbClr val="000000"/>
+                </a:solidFill>
+              </a:rPr>
+              <a:t> </a:t>
+            </a:r>
+            <a:r>
+              <a:rPr sz="3600" lang="en-US">
+                <a:solidFill>
+                  <a:srgbClr val="000000"/>
+                </a:solidFill>
+              </a:rPr>
+              <a:t> </a:t>
+            </a:r>
+            <a:r>
+              <a:rPr sz="3600" lang="en-US">
+                <a:solidFill>
+                  <a:srgbClr val="000000"/>
+                </a:solidFill>
+              </a:rPr>
+              <a:t> </a:t>
+            </a:r>
+            <a:r>
+              <a:rPr sz="3600" lang="en-US">
+                <a:solidFill>
+                  <a:srgbClr val="000000"/>
+                </a:solidFill>
+              </a:rPr>
+              <a:t> </a:t>
+            </a:r>
+            <a:r>
+              <a:rPr sz="3600" lang="en-US">
+                <a:solidFill>
+                  <a:srgbClr val="000000"/>
+                </a:solidFill>
+              </a:rPr>
+              <a:t> </a:t>
+            </a:r>
+            <a:r>
+              <a:rPr sz="3600" lang="en-US">
+                <a:solidFill>
+                  <a:srgbClr val="000000"/>
+                </a:solidFill>
+              </a:rPr>
+              <a:t> </a:t>
+            </a:r>
+            <a:r>
+              <a:rPr sz="3600" lang="en-US">
+                <a:solidFill>
+                  <a:srgbClr val="000000"/>
+                </a:solidFill>
+              </a:rPr>
+              <a:t> </a:t>
+            </a:r>
+            <a:r>
+              <a:rPr sz="3600" lang="en-US">
+                <a:solidFill>
+                  <a:srgbClr val="000000"/>
+                </a:solidFill>
+              </a:rPr>
+              <a:t> </a:t>
+            </a:r>
+            <a:r>
+              <a:rPr sz="3600" lang="en-US">
+                <a:solidFill>
+                  <a:srgbClr val="000000"/>
+                </a:solidFill>
+              </a:rPr>
+              <a:t>University </a:t>
+            </a:r>
+            <a:endParaRPr sz="2800" lang="en-US">
+              <a:solidFill>
+                <a:srgbClr val="000000"/>
+              </a:solidFill>
+            </a:endParaRPr>
+          </a:p>
+          <a:p>
+            <a:r>
+              <a:rPr sz="3600" lang="en-US">
+                <a:solidFill>
+                  <a:srgbClr val="000000"/>
+                </a:solidFill>
+              </a:rPr>
+              <a:t>Skills: Tech stack visually represented</a:t>
+            </a:r>
+            <a:endParaRPr sz="2800" lang="en-US">
+              <a:solidFill>
+                <a:srgbClr val="000000"/>
+              </a:solidFill>
+            </a:endParaRPr>
+          </a:p>
+          <a:p>
+            <a:r>
+              <a:rPr sz="3600" lang="en-US">
+                <a:solidFill>
+                  <a:srgbClr val="000000"/>
+                </a:solidFill>
+              </a:rPr>
+              <a:t>•</a:t>
+            </a:r>
+            <a:r>
+              <a:rPr sz="3600" lang="en-US">
+                <a:solidFill>
+                  <a:srgbClr val="000000"/>
+                </a:solidFill>
+              </a:rPr>
+              <a:t>Contact: Form + links to email and social profiles</a:t>
+            </a:r>
+            <a:endParaRPr sz="2800" lang="en-US">
+              <a:solidFill>
+                <a:srgbClr val="000000"/>
+              </a:solidFill>
+            </a:endParaRPr>
+          </a:p>
+          <a:p>
+            <a:r>
+              <a:rPr sz="3600" lang="en-US">
+                <a:solidFill>
+                  <a:srgbClr val="000000"/>
+                </a:solidFill>
+              </a:rPr>
+              <a:t>•</a:t>
+            </a:r>
+            <a:r>
+              <a:rPr sz="3600" lang="en-US">
+                <a:solidFill>
+                  <a:srgbClr val="000000"/>
+                </a:solidFill>
+              </a:rPr>
+              <a:t>t</a:t>
+            </a:r>
+            <a:r>
+              <a:rPr sz="3600" lang="en-US">
+                <a:solidFill>
+                  <a:srgbClr val="000000"/>
+                </a:solidFill>
+              </a:rPr>
+              <a:t>o</a:t>
+            </a:r>
+            <a:r>
+              <a:rPr sz="3600" lang="en-US">
+                <a:solidFill>
+                  <a:srgbClr val="000000"/>
+                </a:solidFill>
+              </a:rPr>
+              <a:t>g</a:t>
+            </a:r>
+            <a:r>
+              <a:rPr sz="3600" lang="en-US">
+                <a:solidFill>
+                  <a:srgbClr val="000000"/>
+                </a:solidFill>
+              </a:rPr>
+              <a:t>g</a:t>
+            </a:r>
+            <a:r>
+              <a:rPr sz="3600" lang="en-US">
+                <a:solidFill>
+                  <a:srgbClr val="000000"/>
+                </a:solidFill>
+              </a:rPr>
+              <a:t>l</a:t>
+            </a:r>
+            <a:r>
+              <a:rPr sz="3600" lang="en-US">
+                <a:solidFill>
+                  <a:srgbClr val="000000"/>
+                </a:solidFill>
+              </a:rPr>
+              <a:t>e</a:t>
+            </a:r>
+            <a:r>
+              <a:rPr sz="3600" lang="en-US">
+                <a:solidFill>
+                  <a:srgbClr val="000000"/>
+                </a:solidFill>
+              </a:rPr>
+              <a:t> </a:t>
+            </a:r>
+            <a:r>
+              <a:rPr sz="3600" lang="en-US">
+                <a:solidFill>
+                  <a:srgbClr val="000000"/>
+                </a:solidFill>
+              </a:rPr>
+              <a:t>m</a:t>
+            </a:r>
+            <a:r>
+              <a:rPr sz="3600" lang="en-US">
+                <a:solidFill>
+                  <a:srgbClr val="000000"/>
+                </a:solidFill>
+              </a:rPr>
+              <a:t>o</a:t>
+            </a:r>
+            <a:r>
+              <a:rPr sz="3600" lang="en-US">
+                <a:solidFill>
+                  <a:srgbClr val="000000"/>
+                </a:solidFill>
+              </a:rPr>
+              <a:t>d</a:t>
+            </a:r>
+            <a:r>
+              <a:rPr sz="3600" lang="en-US">
+                <a:solidFill>
+                  <a:srgbClr val="000000"/>
+                </a:solidFill>
+              </a:rPr>
+              <a:t>e</a:t>
+            </a:r>
+            <a:r>
+              <a:rPr sz="3600" lang="en-US">
+                <a:solidFill>
+                  <a:srgbClr val="000000"/>
+                </a:solidFill>
+              </a:rPr>
+              <a:t> </a:t>
+            </a:r>
+            <a:r>
+              <a:rPr sz="3600" lang="en-US">
+                <a:solidFill>
+                  <a:srgbClr val="000000"/>
+                </a:solidFill>
+              </a:rPr>
+              <a:t>:</a:t>
+            </a:r>
+            <a:r>
+              <a:rPr sz="3600" lang="en-US">
+                <a:solidFill>
+                  <a:srgbClr val="000000"/>
+                </a:solidFill>
+              </a:rPr>
+              <a:t> </a:t>
+            </a:r>
+            <a:r>
+              <a:rPr sz="3600" lang="en-US">
+                <a:solidFill>
+                  <a:srgbClr val="000000"/>
+                </a:solidFill>
+              </a:rPr>
+              <a:t>t</a:t>
+            </a:r>
+            <a:r>
+              <a:rPr sz="3600" lang="en-US">
+                <a:solidFill>
+                  <a:srgbClr val="000000"/>
+                </a:solidFill>
+              </a:rPr>
+              <a:t>o</a:t>
+            </a:r>
+            <a:r>
+              <a:rPr sz="3600" lang="en-US">
+                <a:solidFill>
+                  <a:srgbClr val="000000"/>
+                </a:solidFill>
+              </a:rPr>
+              <a:t>g</a:t>
+            </a:r>
+            <a:r>
+              <a:rPr sz="3600" lang="en-US">
+                <a:solidFill>
+                  <a:srgbClr val="000000"/>
+                </a:solidFill>
+              </a:rPr>
+              <a:t>g</a:t>
+            </a:r>
+            <a:r>
+              <a:rPr sz="3600" lang="en-US">
+                <a:solidFill>
+                  <a:srgbClr val="000000"/>
+                </a:solidFill>
+              </a:rPr>
+              <a:t>le </a:t>
+            </a:r>
+            <a:r>
+              <a:rPr sz="3600" lang="en-US">
+                <a:solidFill>
+                  <a:srgbClr val="000000"/>
+                </a:solidFill>
+              </a:rPr>
+              <a:t>m</a:t>
+            </a:r>
+            <a:r>
+              <a:rPr sz="3600" lang="en-US">
+                <a:solidFill>
+                  <a:srgbClr val="000000"/>
+                </a:solidFill>
+              </a:rPr>
+              <a:t>o</a:t>
+            </a:r>
+            <a:r>
+              <a:rPr sz="3600" lang="en-US">
+                <a:solidFill>
+                  <a:srgbClr val="000000"/>
+                </a:solidFill>
+              </a:rPr>
+              <a:t>d</a:t>
+            </a:r>
+            <a:r>
+              <a:rPr sz="3600" lang="en-US">
+                <a:solidFill>
+                  <a:srgbClr val="000000"/>
+                </a:solidFill>
+              </a:rPr>
+              <a:t>e</a:t>
+            </a:r>
+            <a:r>
+              <a:rPr sz="3600" lang="en-US">
+                <a:solidFill>
+                  <a:srgbClr val="000000"/>
+                </a:solidFill>
+              </a:rPr>
+              <a:t> </a:t>
+            </a:r>
+            <a:r>
+              <a:rPr sz="3600" lang="en-US">
+                <a:solidFill>
+                  <a:srgbClr val="000000"/>
+                </a:solidFill>
+              </a:rPr>
+              <a:t>allows </a:t>
+            </a:r>
+            <a:r>
+              <a:rPr sz="3600" lang="en-US">
+                <a:solidFill>
+                  <a:srgbClr val="000000"/>
+                </a:solidFill>
+              </a:rPr>
+              <a:t>the </a:t>
+            </a:r>
+            <a:r>
+              <a:rPr sz="3600" lang="en-US">
+                <a:solidFill>
+                  <a:srgbClr val="000000"/>
+                </a:solidFill>
+              </a:rPr>
+              <a:t>interface </a:t>
+            </a:r>
+            <a:r>
+              <a:rPr sz="3600" lang="en-US">
+                <a:solidFill>
+                  <a:srgbClr val="000000"/>
+                </a:solidFill>
+              </a:rPr>
+              <a:t>to </a:t>
+            </a:r>
+            <a:r>
+              <a:rPr sz="3600" lang="en-US">
+                <a:solidFill>
+                  <a:srgbClr val="000000"/>
+                </a:solidFill>
+              </a:rPr>
+              <a:t>switch </a:t>
+            </a:r>
+            <a:r>
+              <a:rPr sz="3600" lang="en-US">
+                <a:solidFill>
+                  <a:srgbClr val="000000"/>
+                </a:solidFill>
+              </a:rPr>
+              <a:t>between </a:t>
+            </a:r>
+            <a:r>
+              <a:rPr sz="3600" lang="en-US">
+                <a:solidFill>
+                  <a:srgbClr val="000000"/>
+                </a:solidFill>
+              </a:rPr>
+              <a:t>l</a:t>
+            </a:r>
+            <a:r>
+              <a:rPr sz="3600" lang="en-US">
+                <a:solidFill>
+                  <a:srgbClr val="000000"/>
+                </a:solidFill>
+              </a:rPr>
+              <a:t>i</a:t>
+            </a:r>
+            <a:r>
+              <a:rPr sz="3600" lang="en-US">
+                <a:solidFill>
+                  <a:srgbClr val="000000"/>
+                </a:solidFill>
+              </a:rPr>
+              <a:t>g</a:t>
+            </a:r>
+            <a:r>
+              <a:rPr sz="3600" lang="en-US">
+                <a:solidFill>
+                  <a:srgbClr val="000000"/>
+                </a:solidFill>
+              </a:rPr>
+              <a:t>ht </a:t>
+            </a:r>
+            <a:r>
+              <a:rPr sz="3600" lang="en-US">
+                <a:solidFill>
+                  <a:srgbClr val="000000"/>
+                </a:solidFill>
+              </a:rPr>
+              <a:t>mode </a:t>
+            </a:r>
+            <a:r>
+              <a:rPr sz="3600" lang="en-US">
+                <a:solidFill>
+                  <a:srgbClr val="000000"/>
+                </a:solidFill>
+              </a:rPr>
+              <a:t>and </a:t>
+            </a:r>
+            <a:r>
+              <a:rPr sz="3600" lang="en-US">
+                <a:solidFill>
+                  <a:srgbClr val="000000"/>
+                </a:solidFill>
+              </a:rPr>
+              <a:t>d</a:t>
+            </a:r>
+            <a:r>
+              <a:rPr sz="3600" lang="en-US">
+                <a:solidFill>
+                  <a:srgbClr val="000000"/>
+                </a:solidFill>
+              </a:rPr>
+              <a:t>a</a:t>
+            </a:r>
+            <a:r>
+              <a:rPr sz="3600" lang="en-US">
+                <a:solidFill>
+                  <a:srgbClr val="000000"/>
+                </a:solidFill>
+              </a:rPr>
+              <a:t>r</a:t>
+            </a:r>
+            <a:r>
+              <a:rPr sz="3600" lang="en-US">
+                <a:solidFill>
+                  <a:srgbClr val="000000"/>
+                </a:solidFill>
+              </a:rPr>
+              <a:t>k </a:t>
+            </a:r>
+            <a:r>
+              <a:rPr sz="3600" lang="en-US">
+                <a:solidFill>
+                  <a:srgbClr val="000000"/>
+                </a:solidFill>
+              </a:rPr>
+              <a:t>mode </a:t>
+            </a:r>
+            <a:r>
+              <a:rPr sz="3600" lang="en-US">
+                <a:solidFill>
+                  <a:srgbClr val="000000"/>
+                </a:solidFill>
+              </a:rPr>
+              <a:t>with </a:t>
+            </a:r>
+            <a:r>
+              <a:rPr sz="3600" lang="en-US">
+                <a:solidFill>
+                  <a:srgbClr val="000000"/>
+                </a:solidFill>
+              </a:rPr>
+              <a:t>a </a:t>
+            </a:r>
+            <a:r>
+              <a:rPr sz="3600" lang="en-US">
+                <a:solidFill>
+                  <a:srgbClr val="000000"/>
+                </a:solidFill>
+              </a:rPr>
+              <a:t>single </a:t>
+            </a:r>
+            <a:r>
+              <a:rPr sz="3600" lang="en-US">
+                <a:solidFill>
+                  <a:srgbClr val="000000"/>
+                </a:solidFill>
+              </a:rPr>
+              <a:t>click </a:t>
+            </a:r>
+            <a:endParaRPr sz="2800" lang="en-US">
+              <a:solidFill>
+                <a:srgbClr val="000000"/>
+              </a:solidFill>
+            </a:endParaRPr>
+          </a:p>
+          <a:p>
+            <a:endParaRPr sz="2800" lang="en-US">
+              <a:solidFill>
+                <a:srgbClr val="000000"/>
+              </a:solidFill>
+            </a:endParaRPr>
+          </a:p>
+          <a:p>
+            <a:endParaRPr sz="2800" lang="en-US">
+              <a:solidFill>
+                <a:srgbClr val="000000"/>
+              </a:solidFill>
+            </a:endParaRPr>
+          </a:p>
+        </p:txBody>
+      </p:sp>
+      <p:sp>
+        <p:nvSpPr>
+          <p:cNvPr id="1048687" name=""/>
+          <p:cNvSpPr txBox="1"/>
+          <p:nvPr/>
+        </p:nvSpPr>
+        <p:spPr>
+          <a:xfrm>
+            <a:off x="468700" y="0"/>
+            <a:ext cx="9352702" cy="751839"/>
+          </a:xfrm>
+          <a:prstGeom prst="rect"/>
+        </p:spPr>
+        <p:txBody>
+          <a:bodyPr rtlCol="0" wrap="square">
+            <a:spAutoFit/>
+          </a:bodyPr>
+          <a:p>
+            <a:r>
+              <a:rPr b="1" sz="4400" lang="en-US">
+                <a:solidFill>
+                  <a:srgbClr val="000000"/>
+                </a:solidFill>
+              </a:rPr>
+              <a:t>F</a:t>
+            </a:r>
+            <a:r>
+              <a:rPr b="1" sz="4400" lang="en-US">
+                <a:solidFill>
+                  <a:srgbClr val="000000"/>
+                </a:solidFill>
+              </a:rPr>
+              <a:t>U</a:t>
+            </a:r>
+            <a:r>
+              <a:rPr b="1" sz="4400" lang="en-US">
+                <a:solidFill>
+                  <a:srgbClr val="000000"/>
+                </a:solidFill>
+              </a:rPr>
+              <a:t>T</a:t>
+            </a:r>
+            <a:r>
+              <a:rPr b="1" sz="4400" lang="en-US">
+                <a:solidFill>
+                  <a:srgbClr val="000000"/>
+                </a:solidFill>
+              </a:rPr>
+              <a:t>URE </a:t>
+            </a:r>
+            <a:r>
+              <a:rPr b="1" sz="4400" lang="en-US">
+                <a:solidFill>
+                  <a:srgbClr val="000000"/>
+                </a:solidFill>
+              </a:rPr>
+              <a:t>S</a:t>
+            </a:r>
+            <a:r>
+              <a:rPr b="1" sz="4400" lang="en-US">
+                <a:solidFill>
+                  <a:srgbClr val="000000"/>
+                </a:solidFill>
+              </a:rPr>
+              <a:t> </a:t>
+            </a:r>
+            <a:r>
+              <a:rPr b="1" sz="4400" lang="en-US">
+                <a:solidFill>
+                  <a:srgbClr val="000000"/>
+                </a:solidFill>
+              </a:rPr>
+              <a:t>A</a:t>
+            </a:r>
+            <a:r>
+              <a:rPr b="1" sz="4400" lang="en-US">
+                <a:solidFill>
+                  <a:srgbClr val="000000"/>
+                </a:solidFill>
+              </a:rPr>
+              <a:t>N</a:t>
+            </a:r>
+            <a:r>
+              <a:rPr b="1" sz="4400" lang="en-US">
+                <a:solidFill>
+                  <a:srgbClr val="000000"/>
+                </a:solidFill>
+              </a:rPr>
+              <a:t>D</a:t>
+            </a:r>
+            <a:r>
+              <a:rPr b="1" sz="4400" lang="en-US">
+                <a:solidFill>
+                  <a:srgbClr val="000000"/>
+                </a:solidFill>
+              </a:rPr>
+              <a:t> </a:t>
+            </a:r>
+            <a:r>
+              <a:rPr b="1" sz="4400" lang="en-US">
+                <a:solidFill>
+                  <a:srgbClr val="000000"/>
+                </a:solidFill>
+              </a:rPr>
+              <a:t>F</a:t>
+            </a:r>
+            <a:r>
+              <a:rPr b="1" sz="4400" lang="en-US">
+                <a:solidFill>
+                  <a:srgbClr val="000000"/>
+                </a:solidFill>
+              </a:rPr>
+              <a:t>U</a:t>
+            </a:r>
+            <a:r>
+              <a:rPr b="1" sz="4400" lang="en-US">
+                <a:solidFill>
+                  <a:srgbClr val="000000"/>
+                </a:solidFill>
+              </a:rPr>
+              <a:t>N</a:t>
+            </a:r>
+            <a:r>
+              <a:rPr b="1" sz="4400" lang="en-US">
+                <a:solidFill>
+                  <a:srgbClr val="000000"/>
+                </a:solidFill>
+              </a:rPr>
+              <a:t>C</a:t>
+            </a:r>
+            <a:r>
+              <a:rPr b="1" sz="4400" lang="en-US">
+                <a:solidFill>
+                  <a:srgbClr val="000000"/>
+                </a:solidFill>
+              </a:rPr>
+              <a:t>TIONALITY </a:t>
+            </a:r>
+            <a:endParaRPr b="1" sz="2800" lang="en-US">
+              <a:solidFill>
+                <a:srgbClr val="000000"/>
+              </a:solidFill>
+            </a:endParaRPr>
+          </a:p>
         </p:txBody>
       </p:sp>
     </p:spTree>
-    <p:extLst>
-      <p:ext uri="{BB962C8B-B14F-4D97-AF65-F5344CB8AC3E}">
-        <p14:creationId xmlns:p14="http://schemas.microsoft.com/office/powerpoint/2010/main" val="2720660618"/>
-      </p:ext>
-    </p:extLst>
   </p:cSld>
   <p:clrMapOvr>
     <a:masterClrMapping/>
@@ -7535,10 +9358,10 @@
   <a:themeElements>
     <a:clrScheme name="Office">
       <a:dk1>
-        <a:sysClr val="windowText" lastClr="000000"/>
+        <a:sysClr lastClr="000000" val="windowText"/>
       </a:dk1>
       <a:lt1>
-        <a:sysClr val="window" lastClr="FFFFFF"/>
+        <a:sysClr lastClr="FFFFFF" val="window"/>
       </a:lt1>
       <a:dk2>
         <a:srgbClr val="1F497D"/>
@@ -7719,7 +9542,7 @@
       <a:effectStyleLst>
         <a:effectStyle>
           <a:effectLst>
-            <a:outerShdw blurRad="40000" dist="20000" dir="5400000" rotWithShape="0">
+            <a:outerShdw blurRad="40000" dir="5400000" dist="20000" rotWithShape="0">
               <a:srgbClr val="000000">
                 <a:alpha val="38000"/>
               </a:srgbClr>
@@ -7728,7 +9551,7 @@
         </a:effectStyle>
         <a:effectStyle>
           <a:effectLst>
-            <a:outerShdw blurRad="40000" dist="23000" dir="5400000" rotWithShape="0">
+            <a:outerShdw blurRad="40000" dir="5400000" dist="23000" rotWithShape="0">
               <a:srgbClr val="000000">
                 <a:alpha val="35000"/>
               </a:srgbClr>
@@ -7737,7 +9560,7 @@
         </a:effectStyle>
         <a:effectStyle>
           <a:effectLst>
-            <a:outerShdw blurRad="40000" dist="23000" dir="5400000" rotWithShape="0">
+            <a:outerShdw blurRad="40000" dir="5400000" dist="23000" rotWithShape="0">
               <a:srgbClr val="000000">
                 <a:alpha val="35000"/>
               </a:srgbClr>
@@ -7747,7 +9570,7 @@
             <a:camera prst="orthographicFront">
               <a:rot lat="0" lon="0" rev="0"/>
             </a:camera>
-            <a:lightRig rig="threePt" dir="t">
+            <a:lightRig dir="t" rig="threePt">
               <a:rot lat="0" lon="0" rev="1200000"/>
             </a:lightRig>
           </a:scene3d>
@@ -7808,8 +9631,6 @@
       </a:bgFillStyleLst>
     </a:fmtScheme>
   </a:themeElements>
-  <a:objectDefaults/>
-  <a:extraClrSchemeLst/>
 </a:theme>
 </file>
 
@@ -7818,10 +9639,10 @@
   <a:themeElements>
     <a:clrScheme name="Office">
       <a:dk1>
-        <a:sysClr val="windowText" lastClr="000000"/>
+        <a:sysClr lastClr="000000" val="windowText"/>
       </a:dk1>
       <a:lt1>
-        <a:sysClr val="window" lastClr="FFFFFF"/>
+        <a:sysClr lastClr="FFFFFF" val="window"/>
       </a:lt1>
       <a:dk2>
         <a:srgbClr val="44546A"/>
@@ -8050,7 +9871,7 @@
         </a:effectStyle>
         <a:effectStyle>
           <a:effectLst>
-            <a:outerShdw blurRad="57150" dist="19050" dir="5400000" algn="ctr" rotWithShape="0">
+            <a:outerShdw algn="ctr" blurRad="57150" dir="5400000" dist="19050" rotWithShape="0">
               <a:srgbClr val="000000">
                 <a:alpha val="63000"/>
               </a:srgbClr>
@@ -8098,12 +9919,5 @@
       </a:bgFillStyleLst>
     </a:fmtScheme>
   </a:themeElements>
-  <a:objectDefaults/>
-  <a:extraClrSchemeLst/>
-  <a:extLst>
-    <a:ext uri="{05A4C25C-085E-4340-85A3-A5531E510DB2}">
-      <thm15:themeFamily xmlns:thm15="http://schemas.microsoft.com/office/thememl/2012/main" name="Office Theme" id="{62F939B6-93AF-4DB8-9C6B-D6C7DFDC589F}" vid="{4A3C46E8-61CC-4603-A589-7422A47A8E4A}"/>
-    </a:ext>
-  </a:extLst>
 </a:theme>
 </file>